--- a/deliverables/presentation/assembled.pptx
+++ b/deliverables/presentation/assembled.pptx
@@ -14,29 +14,29 @@
     <p:sldId id="256" r:id="rId2"/>
     <p:sldId id="257" r:id="rId3"/>
     <p:sldId id="270" r:id="rId4"/>
-    <p:sldId id="273" r:id="rId5"/>
-    <p:sldId id="271" r:id="rId6"/>
-    <p:sldId id="272" r:id="rId7"/>
-    <p:sldId id="293" r:id="rId8"/>
-    <p:sldId id="289" r:id="rId9"/>
-    <p:sldId id="281" r:id="rId10"/>
-    <p:sldId id="282" r:id="rId11"/>
-    <p:sldId id="283" r:id="rId12"/>
-    <p:sldId id="284" r:id="rId13"/>
-    <p:sldId id="285" r:id="rId14"/>
-    <p:sldId id="286" r:id="rId15"/>
-    <p:sldId id="287" r:id="rId16"/>
-    <p:sldId id="288" r:id="rId17"/>
-    <p:sldId id="290" r:id="rId18"/>
-    <p:sldId id="274" r:id="rId19"/>
-    <p:sldId id="280" r:id="rId20"/>
-    <p:sldId id="275" r:id="rId21"/>
-    <p:sldId id="276" r:id="rId22"/>
-    <p:sldId id="277" r:id="rId23"/>
-    <p:sldId id="278" r:id="rId24"/>
-    <p:sldId id="279" r:id="rId25"/>
-    <p:sldId id="292" r:id="rId26"/>
-    <p:sldId id="291" r:id="rId27"/>
+    <p:sldId id="271" r:id="rId5"/>
+    <p:sldId id="272" r:id="rId6"/>
+    <p:sldId id="293" r:id="rId7"/>
+    <p:sldId id="289" r:id="rId8"/>
+    <p:sldId id="281" r:id="rId9"/>
+    <p:sldId id="282" r:id="rId10"/>
+    <p:sldId id="283" r:id="rId11"/>
+    <p:sldId id="284" r:id="rId12"/>
+    <p:sldId id="285" r:id="rId13"/>
+    <p:sldId id="286" r:id="rId14"/>
+    <p:sldId id="287" r:id="rId15"/>
+    <p:sldId id="288" r:id="rId16"/>
+    <p:sldId id="290" r:id="rId17"/>
+    <p:sldId id="274" r:id="rId18"/>
+    <p:sldId id="280" r:id="rId19"/>
+    <p:sldId id="275" r:id="rId20"/>
+    <p:sldId id="276" r:id="rId21"/>
+    <p:sldId id="277" r:id="rId22"/>
+    <p:sldId id="278" r:id="rId23"/>
+    <p:sldId id="279" r:id="rId24"/>
+    <p:sldId id="292" r:id="rId25"/>
+    <p:sldId id="291" r:id="rId26"/>
+    <p:sldId id="294" r:id="rId27"/>
     <p:sldId id="269" r:id="rId28"/>
   </p:sldIdLst>
   <p:sldSz cx="9144000" cy="6858000" type="screen4x3"/>
@@ -138,7 +138,7 @@
   </p:defaultTextStyle>
   <p:extLst>
     <p:ext uri="{EFAFB233-063F-42B5-8137-9DF3F51BA10A}">
-      <p15:sldGuideLst xmlns="" xmlns:p15="http://schemas.microsoft.com/office/powerpoint/2012/main">
+      <p15:sldGuideLst xmlns:p15="http://schemas.microsoft.com/office/powerpoint/2012/main" xmlns="">
         <p15:guide id="1" orient="horz" pos="2160">
           <p15:clr>
             <a:srgbClr val="A4A3A4"/>
@@ -237,7 +237,7 @@
           <a:p>
             <a:fld id="{59EBDD8E-6EF6-F041-8D2D-20E81400F0CE}" type="datetime1">
               <a:rPr lang="en-US" smtClean="0"/>
-              <a:t>11/20/14</a:t>
+              <a:t>11/23/14</a:t>
             </a:fld>
             <a:endParaRPr lang="en-US"/>
           </a:p>
@@ -403,7 +403,7 @@
           <a:p>
             <a:fld id="{592FF9C8-6913-8145-B78A-0E83E55C822B}" type="datetime1">
               <a:rPr lang="en-US" smtClean="0"/>
-              <a:t>11/20/14</a:t>
+              <a:t>11/23/14</a:t>
             </a:fld>
             <a:endParaRPr lang="en-US"/>
           </a:p>
@@ -1195,7 +1195,7 @@
             <a:fld id="{11E5E674-B735-A94D-ABFF-7943AFC51FB2}" type="datetime1">
               <a:rPr lang="en-US" smtClean="0"/>
               <a:pPr/>
-              <a:t>11/20/14</a:t>
+              <a:t>11/23/14</a:t>
             </a:fld>
             <a:endParaRPr lang="en-US"/>
           </a:p>
@@ -1445,7 +1445,7 @@
             <a:fld id="{9A21D736-65E0-8B4F-B714-4C23700A50B7}" type="datetime1">
               <a:rPr lang="en-US" smtClean="0"/>
               <a:pPr/>
-              <a:t>11/20/14</a:t>
+              <a:t>11/23/14</a:t>
             </a:fld>
             <a:endParaRPr lang="en-US"/>
           </a:p>
@@ -1973,7 +1973,7 @@
             <a:fld id="{1918A5FE-A547-0E4A-B913-A1AE283540A9}" type="datetime1">
               <a:rPr lang="en-US" smtClean="0"/>
               <a:pPr/>
-              <a:t>11/20/14</a:t>
+              <a:t>11/23/14</a:t>
             </a:fld>
             <a:endParaRPr lang="en-US"/>
           </a:p>
@@ -2325,7 +2325,7 @@
             <a:fld id="{A935F0EB-B060-8249-A94B-396EF31629CF}" type="datetime1">
               <a:rPr lang="en-US" smtClean="0"/>
               <a:pPr/>
-              <a:t>11/20/14</a:t>
+              <a:t>11/23/14</a:t>
             </a:fld>
             <a:endParaRPr lang="en-US"/>
           </a:p>
@@ -2811,7 +2811,7 @@
             <a:fld id="{28A4FDA8-673C-9440-9065-C56EDFF44463}" type="datetime1">
               <a:rPr lang="en-US" smtClean="0"/>
               <a:pPr/>
-              <a:t>11/20/14</a:t>
+              <a:t>11/23/14</a:t>
             </a:fld>
             <a:endParaRPr lang="en-US"/>
           </a:p>
@@ -2973,7 +2973,7 @@
             <a:fld id="{536F30AA-B1AF-AB45-AA7B-F11C79E818B0}" type="datetime1">
               <a:rPr lang="en-US" smtClean="0"/>
               <a:pPr/>
-              <a:t>11/20/14</a:t>
+              <a:t>11/23/14</a:t>
             </a:fld>
             <a:endParaRPr lang="en-US"/>
           </a:p>
@@ -3106,7 +3106,7 @@
             <a:fld id="{A260E211-DBAC-D849-9AE8-D64E9588F491}" type="datetime1">
               <a:rPr lang="en-US" smtClean="0"/>
               <a:pPr/>
-              <a:t>11/20/14</a:t>
+              <a:t>11/23/14</a:t>
             </a:fld>
             <a:endParaRPr lang="en-US"/>
           </a:p>
@@ -3435,7 +3435,7 @@
             <a:fld id="{F8E1E354-5F26-C249-92CC-79D2EF103D61}" type="datetime1">
               <a:rPr lang="en-US" smtClean="0"/>
               <a:pPr/>
-              <a:t>11/20/14</a:t>
+              <a:t>11/23/14</a:t>
             </a:fld>
             <a:endParaRPr lang="en-US"/>
           </a:p>
@@ -3732,7 +3732,7 @@
             <a:fld id="{253A4570-BA5C-BE46-8DD3-E85B9D08A53C}" type="datetime1">
               <a:rPr lang="en-US" smtClean="0"/>
               <a:pPr/>
-              <a:t>11/20/14</a:t>
+              <a:t>11/23/14</a:t>
             </a:fld>
             <a:endParaRPr lang="en-US"/>
           </a:p>
@@ -4565,8 +4565,8 @@
         </p:nvSpPr>
         <p:spPr>
           <a:xfrm>
-            <a:off x="110822" y="4945552"/>
-            <a:ext cx="8900246" cy="704563"/>
+            <a:off x="354573" y="4945552"/>
+            <a:ext cx="8206347" cy="704563"/>
           </a:xfrm>
         </p:spPr>
         <p:txBody>
@@ -4584,29 +4584,7 @@
                 <a:ea typeface="Yu Gothic" panose="020B0400000000000000" pitchFamily="34" charset="-128"/>
                 <a:cs typeface="Calibri Light"/>
               </a:rPr>
-              <a:t>Nathan </a:t>
-            </a:r>
-            <a:r>
-              <a:rPr lang="en-US" sz="2400" dirty="0" smtClean="0">
-                <a:solidFill>
-                  <a:schemeClr val="tx1"/>
-                </a:solidFill>
-                <a:latin typeface="Calibri Light"/>
-                <a:ea typeface="Yu Gothic" panose="020B0400000000000000" pitchFamily="34" charset="-128"/>
-                <a:cs typeface="Calibri Light"/>
-              </a:rPr>
-              <a:t>Wukie 		 				Vasanth Ganapathy 		  Chris </a:t>
-            </a:r>
-            <a:r>
-              <a:rPr lang="en-US" sz="2400" dirty="0" smtClean="0">
-                <a:solidFill>
-                  <a:schemeClr val="tx1"/>
-                </a:solidFill>
-                <a:latin typeface="Calibri Light"/>
-                <a:ea typeface="Yu Gothic" panose="020B0400000000000000" pitchFamily="34" charset="-128"/>
-                <a:cs typeface="Calibri Light"/>
-              </a:rPr>
-              <a:t>Park</a:t>
+              <a:t>Nathan Wukie 		 				Vasanth Ganapathy 		  Chris Park</a:t>
             </a:r>
           </a:p>
         </p:txBody>
@@ -4679,7 +4657,21 @@
                 <a:latin typeface="Calibri Light"/>
                 <a:cs typeface="Calibri Light"/>
               </a:rPr>
-              <a:t>November 20, 2014</a:t>
+              <a:t>November </a:t>
+            </a:r>
+            <a:r>
+              <a:rPr lang="en-US" dirty="0" smtClean="0">
+                <a:latin typeface="Calibri Light"/>
+                <a:cs typeface="Calibri Light"/>
+              </a:rPr>
+              <a:t>24, </a:t>
+            </a:r>
+            <a:r>
+              <a:rPr lang="en-US" dirty="0" smtClean="0">
+                <a:latin typeface="Calibri Light"/>
+                <a:cs typeface="Calibri Light"/>
+              </a:rPr>
+              <a:t>2014</a:t>
             </a:r>
             <a:endParaRPr lang="en-US" dirty="0">
               <a:latin typeface="Calibri Light"/>
@@ -4710,7 +4702,7 @@
         </p:blipFill>
         <p:spPr>
           <a:xfrm>
-            <a:off x="3383087" y="2674936"/>
+            <a:off x="3447232" y="2674936"/>
             <a:ext cx="2470031" cy="1642879"/>
           </a:xfrm>
           <a:prstGeom prst="rect">
@@ -4826,16 +4818,18 @@
         </p:nvSpPr>
         <p:spPr/>
         <p:txBody>
-          <a:bodyPr/>
+          <a:bodyPr>
+            <a:normAutofit fontScale="90000"/>
+          </a:bodyPr>
           <a:lstStyle/>
           <a:p>
             <a:r>
-              <a:rPr lang="en-US" smtClean="0">
+              <a:rPr lang="en-US" dirty="0" smtClean="0">
                 <a:latin typeface="Calibri Light"/>
                 <a:ea typeface="Yu Gothic" panose="020B0400000000000000" pitchFamily="34" charset="-128"/>
                 <a:cs typeface="Calibri Light"/>
               </a:rPr>
-              <a:t>Brute-force – Serial</a:t>
+              <a:t>Brute-force – Parallel (Block Per Cell)</a:t>
             </a:r>
             <a:endParaRPr lang="en-US" dirty="0">
               <a:latin typeface="Calibri Light"/>
@@ -4847,6 +4841,59 @@
       </p:sp>
       <p:sp>
         <p:nvSpPr>
+          <p:cNvPr id="3" name="Content Placeholder 2"/>
+          <p:cNvSpPr>
+            <a:spLocks noGrp="1"/>
+          </p:cNvSpPr>
+          <p:nvPr>
+            <p:ph idx="1"/>
+          </p:nvPr>
+        </p:nvSpPr>
+        <p:spPr>
+          <a:xfrm>
+            <a:off x="457199" y="1432854"/>
+            <a:ext cx="8510399" cy="3005529"/>
+          </a:xfrm>
+        </p:spPr>
+        <p:txBody>
+          <a:bodyPr/>
+          <a:lstStyle/>
+          <a:p>
+            <a:r>
+              <a:rPr lang="en-US" dirty="0" smtClean="0">
+                <a:latin typeface="Calibri Light"/>
+                <a:ea typeface="Yu Gothic" panose="020B0400000000000000" pitchFamily="34" charset="-128"/>
+                <a:cs typeface="Calibri Light"/>
+              </a:rPr>
+              <a:t>Each block calculates wall distance for a cell</a:t>
+            </a:r>
+          </a:p>
+          <a:p>
+            <a:pPr lvl="1"/>
+            <a:r>
+              <a:rPr lang="en-US" dirty="0" smtClean="0">
+                <a:latin typeface="Calibri Light"/>
+                <a:ea typeface="Yu Gothic" panose="020B0400000000000000" pitchFamily="34" charset="-128"/>
+                <a:cs typeface="Calibri Light"/>
+              </a:rPr>
+              <a:t>Each thread calculates distance from a face</a:t>
+            </a:r>
+          </a:p>
+          <a:p>
+            <a:pPr lvl="1"/>
+            <a:r>
+              <a:rPr lang="en-US" dirty="0" smtClean="0">
+                <a:latin typeface="Calibri Light"/>
+                <a:ea typeface="Yu Gothic" panose="020B0400000000000000" pitchFamily="34" charset="-128"/>
+                <a:cs typeface="Calibri Light"/>
+              </a:rPr>
+              <a:t>Reduce minimum to get wall distance</a:t>
+            </a:r>
+          </a:p>
+        </p:txBody>
+      </p:sp>
+      <p:sp>
+        <p:nvSpPr>
           <p:cNvPr id="4" name="Slide Number Placeholder 3"/>
           <p:cNvSpPr>
             <a:spLocks noGrp="1"/>
@@ -4876,279 +4923,6 @@
             <a:endParaRPr lang="en-US">
               <a:latin typeface="Calibri Light"/>
               <a:ea typeface="Yu Gothic" panose="020B0400000000000000" pitchFamily="34" charset="-128"/>
-              <a:cs typeface="Calibri Light"/>
-            </a:endParaRPr>
-          </a:p>
-        </p:txBody>
-      </p:sp>
-      <p:sp>
-        <p:nvSpPr>
-          <p:cNvPr id="8" name="Footer Placeholder 8"/>
-          <p:cNvSpPr>
-            <a:spLocks noGrp="1"/>
-          </p:cNvSpPr>
-          <p:nvPr>
-            <p:ph type="ftr" sz="quarter" idx="11"/>
-          </p:nvPr>
-        </p:nvSpPr>
-        <p:spPr>
-          <a:xfrm>
-            <a:off x="2936527" y="6328436"/>
-            <a:ext cx="3616673" cy="365125"/>
-          </a:xfrm>
-        </p:spPr>
-        <p:txBody>
-          <a:bodyPr/>
-          <a:lstStyle/>
-          <a:p>
-            <a:r>
-              <a:rPr lang="en-US" dirty="0" smtClean="0">
-                <a:latin typeface="Calibri Light"/>
-                <a:cs typeface="Calibri Light"/>
-              </a:rPr>
-              <a:t>Parallel Computing: Final Project</a:t>
-            </a:r>
-          </a:p>
-          <a:p>
-            <a:r>
-              <a:rPr lang="en-US" dirty="0" smtClean="0">
-                <a:latin typeface="Calibri Light"/>
-                <a:cs typeface="Calibri Light"/>
-              </a:rPr>
-              <a:t>November 20, 2014</a:t>
-            </a:r>
-            <a:endParaRPr lang="en-US" dirty="0">
-              <a:latin typeface="Calibri Light"/>
-              <a:cs typeface="Calibri Light"/>
-            </a:endParaRPr>
-          </a:p>
-        </p:txBody>
-      </p:sp>
-      <p:pic>
-        <p:nvPicPr>
-          <p:cNvPr id="13" name="Picture 12"/>
-          <p:cNvPicPr/>
-          <p:nvPr/>
-        </p:nvPicPr>
-        <p:blipFill>
-          <a:blip r:embed="rId2">
-            <a:extLst>
-              <a:ext uri="{28A0092B-C50C-407E-A947-70E740481C1C}">
-                <a14:useLocalDpi xmlns:a14="http://schemas.microsoft.com/office/drawing/2010/main" val="0"/>
-              </a:ext>
-            </a:extLst>
-          </a:blip>
-          <a:stretch>
-            <a:fillRect/>
-          </a:stretch>
-        </p:blipFill>
-        <p:spPr>
-          <a:xfrm>
-            <a:off x="457200" y="1249471"/>
-            <a:ext cx="8095594" cy="4499688"/>
-          </a:xfrm>
-          <a:prstGeom prst="rect">
-            <a:avLst/>
-          </a:prstGeom>
-        </p:spPr>
-      </p:pic>
-    </p:spTree>
-    <p:extLst>
-      <p:ext uri="{BB962C8B-B14F-4D97-AF65-F5344CB8AC3E}">
-        <p14:creationId xmlns:p14="http://schemas.microsoft.com/office/powerpoint/2010/main" val="1797110339"/>
-      </p:ext>
-    </p:extLst>
-  </p:cSld>
-  <p:clrMapOvr>
-    <a:masterClrMapping/>
-  </p:clrMapOvr>
-  <p:timing>
-    <p:tnLst>
-      <p:par>
-        <p:cTn xmlns:p14="http://schemas.microsoft.com/office/powerpoint/2010/main" id="1" dur="indefinite" restart="never" nodeType="tmRoot"/>
-      </p:par>
-    </p:tnLst>
-  </p:timing>
-</p:sld>
-</file>
-
-<file path=ppt/slides/slide11.xml><?xml version="1.0" encoding="utf-8"?>
-<p:sld xmlns:a="http://schemas.openxmlformats.org/drawingml/2006/main" xmlns:r="http://schemas.openxmlformats.org/officeDocument/2006/relationships" xmlns:p="http://schemas.openxmlformats.org/presentationml/2006/main">
-  <p:cSld>
-    <p:spTree>
-      <p:nvGrpSpPr>
-        <p:cNvPr id="1" name=""/>
-        <p:cNvGrpSpPr/>
-        <p:nvPr/>
-      </p:nvGrpSpPr>
-      <p:grpSpPr>
-        <a:xfrm>
-          <a:off x="0" y="0"/>
-          <a:ext cx="0" cy="0"/>
-          <a:chOff x="0" y="0"/>
-          <a:chExt cx="0" cy="0"/>
-        </a:xfrm>
-      </p:grpSpPr>
-      <p:sp>
-        <p:nvSpPr>
-          <p:cNvPr id="2" name="Title 1"/>
-          <p:cNvSpPr>
-            <a:spLocks noGrp="1"/>
-          </p:cNvSpPr>
-          <p:nvPr>
-            <p:ph type="title"/>
-          </p:nvPr>
-        </p:nvSpPr>
-        <p:spPr/>
-        <p:txBody>
-          <a:bodyPr>
-            <a:normAutofit fontScale="90000"/>
-          </a:bodyPr>
-          <a:lstStyle/>
-          <a:p>
-            <a:r>
-              <a:rPr lang="en-US" dirty="0" smtClean="0">
-                <a:latin typeface="Calibri Light"/>
-                <a:ea typeface="Yu Gothic" panose="020B0400000000000000" pitchFamily="34" charset="-128"/>
-                <a:cs typeface="Calibri Light"/>
-              </a:rPr>
-              <a:t>Brute-force – Parallel (Block Per Cell)</a:t>
-            </a:r>
-            <a:endParaRPr lang="en-US" dirty="0">
-              <a:latin typeface="Calibri Light"/>
-              <a:ea typeface="Yu Gothic" panose="020B0400000000000000" pitchFamily="34" charset="-128"/>
-              <a:cs typeface="Calibri Light"/>
-            </a:endParaRPr>
-          </a:p>
-        </p:txBody>
-      </p:sp>
-      <p:sp>
-        <p:nvSpPr>
-          <p:cNvPr id="3" name="Content Placeholder 2"/>
-          <p:cNvSpPr>
-            <a:spLocks noGrp="1"/>
-          </p:cNvSpPr>
-          <p:nvPr>
-            <p:ph idx="1"/>
-          </p:nvPr>
-        </p:nvSpPr>
-        <p:spPr>
-          <a:xfrm>
-            <a:off x="457199" y="1432854"/>
-            <a:ext cx="8510399" cy="3005529"/>
-          </a:xfrm>
-        </p:spPr>
-        <p:txBody>
-          <a:bodyPr/>
-          <a:lstStyle/>
-          <a:p>
-            <a:r>
-              <a:rPr lang="en-US" dirty="0" smtClean="0">
-                <a:latin typeface="Calibri Light"/>
-                <a:ea typeface="Yu Gothic" panose="020B0400000000000000" pitchFamily="34" charset="-128"/>
-                <a:cs typeface="Calibri Light"/>
-              </a:rPr>
-              <a:t>Each block calculates wall distance for a cell</a:t>
-            </a:r>
-          </a:p>
-          <a:p>
-            <a:pPr lvl="1"/>
-            <a:r>
-              <a:rPr lang="en-US" dirty="0" smtClean="0">
-                <a:latin typeface="Calibri Light"/>
-                <a:ea typeface="Yu Gothic" panose="020B0400000000000000" pitchFamily="34" charset="-128"/>
-                <a:cs typeface="Calibri Light"/>
-              </a:rPr>
-              <a:t>Each thread calculates distance from a face</a:t>
-            </a:r>
-          </a:p>
-          <a:p>
-            <a:pPr lvl="1"/>
-            <a:r>
-              <a:rPr lang="en-US" dirty="0" smtClean="0">
-                <a:latin typeface="Calibri Light"/>
-                <a:ea typeface="Yu Gothic" panose="020B0400000000000000" pitchFamily="34" charset="-128"/>
-                <a:cs typeface="Calibri Light"/>
-              </a:rPr>
-              <a:t>Reduce minimum to get wall distance</a:t>
-            </a:r>
-          </a:p>
-        </p:txBody>
-      </p:sp>
-      <p:sp>
-        <p:nvSpPr>
-          <p:cNvPr id="4" name="Slide Number Placeholder 3"/>
-          <p:cNvSpPr>
-            <a:spLocks noGrp="1"/>
-          </p:cNvSpPr>
-          <p:nvPr>
-            <p:ph type="sldNum" sz="quarter" idx="12"/>
-          </p:nvPr>
-        </p:nvSpPr>
-        <p:spPr>
-          <a:xfrm>
-            <a:off x="6553200" y="6356350"/>
-            <a:ext cx="2133600" cy="365125"/>
-          </a:xfrm>
-        </p:spPr>
-        <p:txBody>
-          <a:bodyPr/>
-          <a:lstStyle/>
-          <a:p>
-            <a:fld id="{48AF6223-66F3-D241-A5F9-F452865A7EAF}" type="slidenum">
-              <a:rPr lang="en-US" smtClean="0">
-                <a:latin typeface="Calibri Light"/>
-                <a:ea typeface="Yu Gothic" panose="020B0400000000000000" pitchFamily="34" charset="-128"/>
-                <a:cs typeface="Calibri Light"/>
-              </a:rPr>
-              <a:t>11</a:t>
-            </a:fld>
-            <a:endParaRPr lang="en-US">
-              <a:latin typeface="Calibri Light"/>
-              <a:ea typeface="Yu Gothic" panose="020B0400000000000000" pitchFamily="34" charset="-128"/>
-              <a:cs typeface="Calibri Light"/>
-            </a:endParaRPr>
-          </a:p>
-        </p:txBody>
-      </p:sp>
-      <p:sp>
-        <p:nvSpPr>
-          <p:cNvPr id="8" name="Footer Placeholder 8"/>
-          <p:cNvSpPr>
-            <a:spLocks noGrp="1"/>
-          </p:cNvSpPr>
-          <p:nvPr>
-            <p:ph type="ftr" sz="quarter" idx="11"/>
-          </p:nvPr>
-        </p:nvSpPr>
-        <p:spPr>
-          <a:xfrm>
-            <a:off x="2936527" y="6328436"/>
-            <a:ext cx="3616673" cy="365125"/>
-          </a:xfrm>
-        </p:spPr>
-        <p:txBody>
-          <a:bodyPr/>
-          <a:lstStyle/>
-          <a:p>
-            <a:r>
-              <a:rPr lang="en-US" dirty="0" smtClean="0">
-                <a:latin typeface="Calibri Light"/>
-                <a:cs typeface="Calibri Light"/>
-              </a:rPr>
-              <a:t>Parallel Computing: Final Project</a:t>
-            </a:r>
-          </a:p>
-          <a:p>
-            <a:r>
-              <a:rPr lang="en-US" dirty="0" smtClean="0">
-                <a:latin typeface="Calibri Light"/>
-                <a:cs typeface="Calibri Light"/>
-              </a:rPr>
-              <a:t>November 20, 2014</a:t>
-            </a:r>
-            <a:endParaRPr lang="en-US" dirty="0">
-              <a:latin typeface="Calibri Light"/>
               <a:cs typeface="Calibri Light"/>
             </a:endParaRPr>
           </a:p>
@@ -5885,10 +5659,378 @@
           </a:p>
         </p:txBody>
       </p:sp>
+      <p:sp>
+        <p:nvSpPr>
+          <p:cNvPr id="13" name="Footer Placeholder 8"/>
+          <p:cNvSpPr>
+            <a:spLocks noGrp="1"/>
+          </p:cNvSpPr>
+          <p:nvPr>
+            <p:ph type="ftr" sz="quarter" idx="11"/>
+          </p:nvPr>
+        </p:nvSpPr>
+        <p:spPr>
+          <a:xfrm>
+            <a:off x="2936527" y="6328436"/>
+            <a:ext cx="3616673" cy="365125"/>
+          </a:xfrm>
+        </p:spPr>
+        <p:txBody>
+          <a:bodyPr/>
+          <a:lstStyle/>
+          <a:p>
+            <a:r>
+              <a:rPr lang="en-US" dirty="0" smtClean="0">
+                <a:latin typeface="Calibri Light"/>
+                <a:cs typeface="Calibri Light"/>
+              </a:rPr>
+              <a:t>Parallel Computing: Final Project</a:t>
+            </a:r>
+          </a:p>
+          <a:p>
+            <a:r>
+              <a:rPr lang="en-US" dirty="0" smtClean="0">
+                <a:latin typeface="Calibri Light"/>
+                <a:cs typeface="Calibri Light"/>
+              </a:rPr>
+              <a:t>November </a:t>
+            </a:r>
+            <a:r>
+              <a:rPr lang="en-US" dirty="0" smtClean="0">
+                <a:latin typeface="Calibri Light"/>
+                <a:cs typeface="Calibri Light"/>
+              </a:rPr>
+              <a:t>24, </a:t>
+            </a:r>
+            <a:r>
+              <a:rPr lang="en-US" dirty="0" smtClean="0">
+                <a:latin typeface="Calibri Light"/>
+                <a:cs typeface="Calibri Light"/>
+              </a:rPr>
+              <a:t>2014</a:t>
+            </a:r>
+            <a:endParaRPr lang="en-US" dirty="0">
+              <a:latin typeface="Calibri Light"/>
+              <a:cs typeface="Calibri Light"/>
+            </a:endParaRPr>
+          </a:p>
+        </p:txBody>
+      </p:sp>
     </p:spTree>
     <p:extLst>
       <p:ext uri="{BB962C8B-B14F-4D97-AF65-F5344CB8AC3E}">
         <p14:creationId xmlns:p14="http://schemas.microsoft.com/office/powerpoint/2010/main" val="3714367237"/>
+      </p:ext>
+    </p:extLst>
+  </p:cSld>
+  <p:clrMapOvr>
+    <a:masterClrMapping/>
+  </p:clrMapOvr>
+  <p:timing>
+    <p:tnLst>
+      <p:par>
+        <p:cTn xmlns:p14="http://schemas.microsoft.com/office/powerpoint/2010/main" id="1" dur="indefinite" restart="never" nodeType="tmRoot"/>
+      </p:par>
+    </p:tnLst>
+  </p:timing>
+</p:sld>
+</file>
+
+<file path=ppt/slides/slide11.xml><?xml version="1.0" encoding="utf-8"?>
+<p:sld xmlns:a="http://schemas.openxmlformats.org/drawingml/2006/main" xmlns:r="http://schemas.openxmlformats.org/officeDocument/2006/relationships" xmlns:p="http://schemas.openxmlformats.org/presentationml/2006/main">
+  <p:cSld>
+    <p:spTree>
+      <p:nvGrpSpPr>
+        <p:cNvPr id="1" name=""/>
+        <p:cNvGrpSpPr/>
+        <p:nvPr/>
+      </p:nvGrpSpPr>
+      <p:grpSpPr>
+        <a:xfrm>
+          <a:off x="0" y="0"/>
+          <a:ext cx="0" cy="0"/>
+          <a:chOff x="0" y="0"/>
+          <a:chExt cx="0" cy="0"/>
+        </a:xfrm>
+      </p:grpSpPr>
+      <p:sp>
+        <p:nvSpPr>
+          <p:cNvPr id="2" name="Title 1"/>
+          <p:cNvSpPr>
+            <a:spLocks noGrp="1"/>
+          </p:cNvSpPr>
+          <p:nvPr>
+            <p:ph type="title"/>
+          </p:nvPr>
+        </p:nvSpPr>
+        <p:spPr/>
+        <p:txBody>
+          <a:bodyPr>
+            <a:normAutofit fontScale="90000"/>
+          </a:bodyPr>
+          <a:lstStyle/>
+          <a:p>
+            <a:r>
+              <a:rPr lang="en-US" smtClean="0">
+                <a:latin typeface="Calibri Light"/>
+                <a:ea typeface="Yu Gothic" panose="020B0400000000000000" pitchFamily="34" charset="-128"/>
+                <a:cs typeface="Calibri Light"/>
+              </a:rPr>
+              <a:t>Brute-force – Parallel (Block Per Cell)</a:t>
+            </a:r>
+            <a:endParaRPr lang="en-US" dirty="0">
+              <a:latin typeface="Calibri Light"/>
+              <a:ea typeface="Yu Gothic" panose="020B0400000000000000" pitchFamily="34" charset="-128"/>
+              <a:cs typeface="Calibri Light"/>
+            </a:endParaRPr>
+          </a:p>
+        </p:txBody>
+      </p:sp>
+      <p:sp>
+        <p:nvSpPr>
+          <p:cNvPr id="3" name="Content Placeholder 2"/>
+          <p:cNvSpPr>
+            <a:spLocks noGrp="1"/>
+          </p:cNvSpPr>
+          <p:nvPr>
+            <p:ph idx="1"/>
+          </p:nvPr>
+        </p:nvSpPr>
+        <p:spPr>
+          <a:xfrm>
+            <a:off x="457200" y="1432854"/>
+            <a:ext cx="8413532" cy="3927422"/>
+          </a:xfrm>
+        </p:spPr>
+        <p:txBody>
+          <a:bodyPr>
+            <a:normAutofit/>
+          </a:bodyPr>
+          <a:lstStyle/>
+          <a:p>
+            <a:r>
+              <a:rPr lang="en-US" dirty="0" smtClean="0">
+                <a:latin typeface="Calibri Light"/>
+                <a:ea typeface="Yu Gothic" panose="020B0400000000000000" pitchFamily="34" charset="-128"/>
+                <a:cs typeface="Calibri Light"/>
+              </a:rPr>
+              <a:t>Implemented 3 variations</a:t>
+            </a:r>
+          </a:p>
+          <a:p>
+            <a:pPr lvl="1"/>
+            <a:r>
+              <a:rPr lang="en-US" dirty="0" smtClean="0">
+                <a:latin typeface="Calibri Light"/>
+                <a:ea typeface="Yu Gothic" panose="020B0400000000000000" pitchFamily="34" charset="-128"/>
+                <a:cs typeface="Calibri Light"/>
+              </a:rPr>
+              <a:t>(A): Shared memory writes for face distances</a:t>
+            </a:r>
+          </a:p>
+          <a:p>
+            <a:pPr lvl="1"/>
+            <a:r>
+              <a:rPr lang="en-US" dirty="0" smtClean="0">
+                <a:latin typeface="Calibri Light"/>
+                <a:ea typeface="Yu Gothic" panose="020B0400000000000000" pitchFamily="34" charset="-128"/>
+                <a:cs typeface="Calibri Light"/>
+              </a:rPr>
+              <a:t>(B): (A) + Shared </a:t>
+            </a:r>
+            <a:r>
+              <a:rPr lang="en-US" dirty="0">
+                <a:latin typeface="Calibri Light"/>
+                <a:ea typeface="Yu Gothic" panose="020B0400000000000000" pitchFamily="34" charset="-128"/>
+                <a:cs typeface="Calibri Light"/>
+              </a:rPr>
+              <a:t>memory </a:t>
+            </a:r>
+            <a:r>
+              <a:rPr lang="en-US" dirty="0" smtClean="0">
+                <a:latin typeface="Calibri Light"/>
+                <a:ea typeface="Yu Gothic" panose="020B0400000000000000" pitchFamily="34" charset="-128"/>
+                <a:cs typeface="Calibri Light"/>
+              </a:rPr>
+              <a:t>reads to face (x, y) arrays </a:t>
+            </a:r>
+          </a:p>
+          <a:p>
+            <a:pPr lvl="1"/>
+            <a:r>
+              <a:rPr lang="en-US" dirty="0">
+                <a:latin typeface="Calibri Light"/>
+                <a:ea typeface="Yu Gothic" panose="020B0400000000000000" pitchFamily="34" charset="-128"/>
+                <a:cs typeface="Calibri Light"/>
+              </a:rPr>
+              <a:t>(C): </a:t>
+            </a:r>
+            <a:r>
+              <a:rPr lang="en-US" dirty="0" smtClean="0">
+                <a:latin typeface="Calibri Light"/>
+                <a:ea typeface="Yu Gothic" panose="020B0400000000000000" pitchFamily="34" charset="-128"/>
+                <a:cs typeface="Calibri Light"/>
+              </a:rPr>
+              <a:t>Same </a:t>
+            </a:r>
+            <a:r>
+              <a:rPr lang="en-US" dirty="0">
+                <a:latin typeface="Calibri Light"/>
+                <a:ea typeface="Yu Gothic" panose="020B0400000000000000" pitchFamily="34" charset="-128"/>
+                <a:cs typeface="Calibri Light"/>
+              </a:rPr>
+              <a:t>as (B) with (x, y) arrays </a:t>
+            </a:r>
+            <a:r>
+              <a:rPr lang="en-US" dirty="0" smtClean="0">
+                <a:latin typeface="Calibri Light"/>
+                <a:ea typeface="Yu Gothic" panose="020B0400000000000000" pitchFamily="34" charset="-128"/>
+                <a:cs typeface="Calibri Light"/>
+              </a:rPr>
+              <a:t>converted to an interspersed array for coalesced shared </a:t>
+            </a:r>
+            <a:r>
+              <a:rPr lang="en-US" dirty="0" err="1" smtClean="0">
+                <a:latin typeface="Calibri Light"/>
+                <a:ea typeface="Yu Gothic" panose="020B0400000000000000" pitchFamily="34" charset="-128"/>
+                <a:cs typeface="Calibri Light"/>
+              </a:rPr>
+              <a:t>mem</a:t>
+            </a:r>
+            <a:r>
+              <a:rPr lang="en-US" dirty="0" smtClean="0">
+                <a:latin typeface="Calibri Light"/>
+                <a:ea typeface="Yu Gothic" panose="020B0400000000000000" pitchFamily="34" charset="-128"/>
+                <a:cs typeface="Calibri Light"/>
+              </a:rPr>
+              <a:t> reads</a:t>
+            </a:r>
+          </a:p>
+          <a:p>
+            <a:pPr marL="457200" lvl="1" indent="0">
+              <a:buNone/>
+            </a:pPr>
+            <a:r>
+              <a:rPr lang="en-US" dirty="0" smtClean="0">
+                <a:latin typeface="Calibri Light"/>
+                <a:ea typeface="Yu Gothic" panose="020B0400000000000000" pitchFamily="34" charset="-128"/>
+                <a:cs typeface="Calibri Light"/>
+              </a:rPr>
+              <a:t>	i.e. x0</a:t>
+            </a:r>
+            <a:r>
+              <a:rPr lang="en-US" dirty="0">
+                <a:latin typeface="Calibri Light"/>
+                <a:ea typeface="Yu Gothic" panose="020B0400000000000000" pitchFamily="34" charset="-128"/>
+                <a:cs typeface="Calibri Light"/>
+              </a:rPr>
+              <a:t>, y0, x1, y1, ....</a:t>
+            </a:r>
+            <a:endParaRPr lang="en-US" dirty="0" smtClean="0">
+              <a:latin typeface="Calibri Light"/>
+              <a:ea typeface="Yu Gothic" panose="020B0400000000000000" pitchFamily="34" charset="-128"/>
+              <a:cs typeface="Calibri Light"/>
+            </a:endParaRPr>
+          </a:p>
+        </p:txBody>
+      </p:sp>
+      <p:sp>
+        <p:nvSpPr>
+          <p:cNvPr id="4" name="Slide Number Placeholder 3"/>
+          <p:cNvSpPr>
+            <a:spLocks noGrp="1"/>
+          </p:cNvSpPr>
+          <p:nvPr>
+            <p:ph type="sldNum" sz="quarter" idx="12"/>
+          </p:nvPr>
+        </p:nvSpPr>
+        <p:spPr>
+          <a:xfrm>
+            <a:off x="6553200" y="6356350"/>
+            <a:ext cx="2133600" cy="365125"/>
+          </a:xfrm>
+        </p:spPr>
+        <p:txBody>
+          <a:bodyPr/>
+          <a:lstStyle/>
+          <a:p>
+            <a:fld id="{48AF6223-66F3-D241-A5F9-F452865A7EAF}" type="slidenum">
+              <a:rPr lang="en-US" smtClean="0">
+                <a:latin typeface="Calibri Light"/>
+                <a:ea typeface="Yu Gothic" panose="020B0400000000000000" pitchFamily="34" charset="-128"/>
+                <a:cs typeface="Calibri Light"/>
+              </a:rPr>
+              <a:t>11</a:t>
+            </a:fld>
+            <a:endParaRPr lang="en-US">
+              <a:latin typeface="Calibri Light"/>
+              <a:ea typeface="Yu Gothic" panose="020B0400000000000000" pitchFamily="34" charset="-128"/>
+              <a:cs typeface="Calibri Light"/>
+            </a:endParaRPr>
+          </a:p>
+        </p:txBody>
+      </p:sp>
+      <p:sp>
+        <p:nvSpPr>
+          <p:cNvPr id="6" name="Footer Placeholder 8"/>
+          <p:cNvSpPr>
+            <a:spLocks noGrp="1"/>
+          </p:cNvSpPr>
+          <p:nvPr>
+            <p:ph type="ftr" sz="quarter" idx="11"/>
+          </p:nvPr>
+        </p:nvSpPr>
+        <p:spPr>
+          <a:xfrm>
+            <a:off x="2936527" y="6328436"/>
+            <a:ext cx="3616673" cy="365125"/>
+          </a:xfrm>
+        </p:spPr>
+        <p:txBody>
+          <a:bodyPr/>
+          <a:lstStyle/>
+          <a:p>
+            <a:r>
+              <a:rPr lang="en-US" dirty="0" smtClean="0">
+                <a:latin typeface="Calibri Light"/>
+                <a:cs typeface="Calibri Light"/>
+              </a:rPr>
+              <a:t>Parallel Computing: Final Project</a:t>
+            </a:r>
+          </a:p>
+          <a:p>
+            <a:r>
+              <a:rPr lang="en-US" dirty="0" smtClean="0">
+                <a:latin typeface="Calibri Light"/>
+                <a:cs typeface="Calibri Light"/>
+              </a:rPr>
+              <a:t>November </a:t>
+            </a:r>
+            <a:r>
+              <a:rPr lang="en-US" dirty="0" smtClean="0">
+                <a:latin typeface="Calibri Light"/>
+                <a:cs typeface="Calibri Light"/>
+              </a:rPr>
+              <a:t>24, </a:t>
+            </a:r>
+            <a:r>
+              <a:rPr lang="en-US" dirty="0" smtClean="0">
+                <a:latin typeface="Calibri Light"/>
+                <a:cs typeface="Calibri Light"/>
+              </a:rPr>
+              <a:t>2014</a:t>
+            </a:r>
+            <a:endParaRPr lang="en-US" dirty="0">
+              <a:latin typeface="Calibri Light"/>
+              <a:cs typeface="Calibri Light"/>
+            </a:endParaRPr>
+          </a:p>
+        </p:txBody>
+      </p:sp>
+    </p:spTree>
+    <p:extLst>
+      <p:ext uri="{BB962C8B-B14F-4D97-AF65-F5344CB8AC3E}">
+        <p14:creationId xmlns:p14="http://schemas.microsoft.com/office/powerpoint/2010/main" val="1962438031"/>
       </p:ext>
     </p:extLst>
   </p:cSld>
@@ -5945,7 +6087,7 @@
                 <a:ea typeface="Yu Gothic" panose="020B0400000000000000" pitchFamily="34" charset="-128"/>
                 <a:cs typeface="Calibri Light"/>
               </a:rPr>
-              <a:t>Brute-force – Parallel (Block Per Cell)</a:t>
+              <a:t>Brute-force – Parallel (Thread Per Cell)</a:t>
             </a:r>
             <a:endParaRPr lang="en-US" dirty="0">
               <a:latin typeface="Calibri Light"/>
@@ -5967,8 +6109,8 @@
         </p:nvSpPr>
         <p:spPr>
           <a:xfrm>
-            <a:off x="457200" y="1432854"/>
-            <a:ext cx="8413532" cy="3927422"/>
+            <a:off x="457199" y="1432854"/>
+            <a:ext cx="8510399" cy="3005529"/>
           </a:xfrm>
         </p:spPr>
         <p:txBody>
@@ -5978,124 +6120,36 @@
           <a:lstStyle/>
           <a:p>
             <a:r>
-              <a:rPr lang="en-US" dirty="0" smtClean="0">
+              <a:rPr lang="en-US" sz="2800" smtClean="0">
                 <a:latin typeface="Calibri Light"/>
                 <a:ea typeface="Yu Gothic" panose="020B0400000000000000" pitchFamily="34" charset="-128"/>
                 <a:cs typeface="Calibri Light"/>
               </a:rPr>
-              <a:t>Implemented 3 variations</a:t>
+              <a:t>Each thread calculates wall distance for a cell</a:t>
             </a:r>
           </a:p>
           <a:p>
             <a:pPr lvl="1"/>
             <a:r>
-              <a:rPr lang="en-US" dirty="0" smtClean="0">
+              <a:rPr lang="en-US" sz="2400" smtClean="0">
                 <a:latin typeface="Calibri Light"/>
                 <a:ea typeface="Yu Gothic" panose="020B0400000000000000" pitchFamily="34" charset="-128"/>
                 <a:cs typeface="Calibri Light"/>
               </a:rPr>
-              <a:t>(A): Shared memory writes for face distances</a:t>
+              <a:t>Calculates distance from the cell to each of the faces</a:t>
             </a:r>
           </a:p>
           <a:p>
             <a:pPr lvl="1"/>
             <a:r>
-              <a:rPr lang="en-US" dirty="0" smtClean="0">
+              <a:rPr lang="en-US" sz="2400" smtClean="0">
                 <a:latin typeface="Calibri Light"/>
                 <a:ea typeface="Yu Gothic" panose="020B0400000000000000" pitchFamily="34" charset="-128"/>
                 <a:cs typeface="Calibri Light"/>
               </a:rPr>
-              <a:t>(B): (A) + Shared </a:t>
-            </a:r>
-            <a:r>
-              <a:rPr lang="en-US" dirty="0">
-                <a:latin typeface="Calibri Light"/>
-                <a:ea typeface="Yu Gothic" panose="020B0400000000000000" pitchFamily="34" charset="-128"/>
-                <a:cs typeface="Calibri Light"/>
-              </a:rPr>
-              <a:t>memory </a:t>
-            </a:r>
-            <a:r>
-              <a:rPr lang="en-US" dirty="0" smtClean="0">
-                <a:latin typeface="Calibri Light"/>
-                <a:ea typeface="Yu Gothic" panose="020B0400000000000000" pitchFamily="34" charset="-128"/>
-                <a:cs typeface="Calibri Light"/>
-              </a:rPr>
-              <a:t>reads to face (x, y) arrays </a:t>
-            </a:r>
-          </a:p>
-          <a:p>
-            <a:pPr lvl="1"/>
-            <a:r>
-              <a:rPr lang="en-US" dirty="0">
-                <a:latin typeface="Calibri Light"/>
-                <a:ea typeface="Yu Gothic" panose="020B0400000000000000" pitchFamily="34" charset="-128"/>
-                <a:cs typeface="Calibri Light"/>
-              </a:rPr>
-              <a:t>(C): </a:t>
-            </a:r>
-            <a:r>
-              <a:rPr lang="en-US" dirty="0" smtClean="0">
-                <a:latin typeface="Calibri Light"/>
-                <a:ea typeface="Yu Gothic" panose="020B0400000000000000" pitchFamily="34" charset="-128"/>
-                <a:cs typeface="Calibri Light"/>
-              </a:rPr>
-              <a:t>Same </a:t>
-            </a:r>
-            <a:r>
-              <a:rPr lang="en-US" dirty="0">
-                <a:latin typeface="Calibri Light"/>
-                <a:ea typeface="Yu Gothic" panose="020B0400000000000000" pitchFamily="34" charset="-128"/>
-                <a:cs typeface="Calibri Light"/>
-              </a:rPr>
-              <a:t>as (B) with (x, y) arrays </a:t>
-            </a:r>
-            <a:r>
-              <a:rPr lang="en-US" dirty="0" smtClean="0">
-                <a:latin typeface="Calibri Light"/>
-                <a:ea typeface="Yu Gothic" panose="020B0400000000000000" pitchFamily="34" charset="-128"/>
-                <a:cs typeface="Calibri Light"/>
-              </a:rPr>
-              <a:t>converted to an interspersed array for coalesced shared </a:t>
-            </a:r>
-            <a:r>
-              <a:rPr lang="en-US" dirty="0" err="1" smtClean="0">
-                <a:latin typeface="Calibri Light"/>
-                <a:ea typeface="Yu Gothic" panose="020B0400000000000000" pitchFamily="34" charset="-128"/>
-                <a:cs typeface="Calibri Light"/>
-              </a:rPr>
-              <a:t>mem</a:t>
-            </a:r>
-            <a:r>
-              <a:rPr lang="en-US" dirty="0" smtClean="0">
-                <a:latin typeface="Calibri Light"/>
-                <a:ea typeface="Yu Gothic" panose="020B0400000000000000" pitchFamily="34" charset="-128"/>
-                <a:cs typeface="Calibri Light"/>
-              </a:rPr>
-              <a:t> reads</a:t>
-            </a:r>
-          </a:p>
-          <a:p>
-            <a:pPr marL="457200" lvl="1" indent="0">
-              <a:buNone/>
-            </a:pPr>
-            <a:r>
-              <a:rPr lang="en-US" dirty="0" smtClean="0">
-                <a:latin typeface="Calibri Light"/>
-                <a:ea typeface="Yu Gothic" panose="020B0400000000000000" pitchFamily="34" charset="-128"/>
-                <a:cs typeface="Calibri Light"/>
-              </a:rPr>
-              <a:t>	i.e. x0</a:t>
-            </a:r>
-            <a:r>
-              <a:rPr lang="en-US" dirty="0">
-                <a:latin typeface="Calibri Light"/>
-                <a:ea typeface="Yu Gothic" panose="020B0400000000000000" pitchFamily="34" charset="-128"/>
-                <a:cs typeface="Calibri Light"/>
-              </a:rPr>
-              <a:t>, y0, x1, y1, ....</a:t>
-            </a:r>
-            <a:endParaRPr lang="en-US" dirty="0" smtClean="0">
+              <a:t>Keeps “running” min distance value as each faces distance gets calculated</a:t>
+            </a:r>
+            <a:endParaRPr lang="en-US" sz="2400" dirty="0" smtClean="0">
               <a:latin typeface="Calibri Light"/>
               <a:ea typeface="Yu Gothic" panose="020B0400000000000000" pitchFamily="34" charset="-128"/>
               <a:cs typeface="Calibri Light"/>
@@ -6134,258 +6188,6 @@
             <a:endParaRPr lang="en-US">
               <a:latin typeface="Calibri Light"/>
               <a:ea typeface="Yu Gothic" panose="020B0400000000000000" pitchFamily="34" charset="-128"/>
-              <a:cs typeface="Calibri Light"/>
-            </a:endParaRPr>
-          </a:p>
-        </p:txBody>
-      </p:sp>
-      <p:sp>
-        <p:nvSpPr>
-          <p:cNvPr id="8" name="Footer Placeholder 8"/>
-          <p:cNvSpPr>
-            <a:spLocks noGrp="1"/>
-          </p:cNvSpPr>
-          <p:nvPr>
-            <p:ph type="ftr" sz="quarter" idx="11"/>
-          </p:nvPr>
-        </p:nvSpPr>
-        <p:spPr>
-          <a:xfrm>
-            <a:off x="2936527" y="6328436"/>
-            <a:ext cx="3616673" cy="365125"/>
-          </a:xfrm>
-        </p:spPr>
-        <p:txBody>
-          <a:bodyPr/>
-          <a:lstStyle/>
-          <a:p>
-            <a:r>
-              <a:rPr lang="en-US" dirty="0" smtClean="0">
-                <a:latin typeface="Calibri Light"/>
-                <a:cs typeface="Calibri Light"/>
-              </a:rPr>
-              <a:t>Parallel Computing: Final Project</a:t>
-            </a:r>
-          </a:p>
-          <a:p>
-            <a:r>
-              <a:rPr lang="en-US" dirty="0" smtClean="0">
-                <a:latin typeface="Calibri Light"/>
-                <a:cs typeface="Calibri Light"/>
-              </a:rPr>
-              <a:t>November 20, 2014</a:t>
-            </a:r>
-            <a:endParaRPr lang="en-US" dirty="0">
-              <a:latin typeface="Calibri Light"/>
-              <a:cs typeface="Calibri Light"/>
-            </a:endParaRPr>
-          </a:p>
-        </p:txBody>
-      </p:sp>
-    </p:spTree>
-    <p:extLst>
-      <p:ext uri="{BB962C8B-B14F-4D97-AF65-F5344CB8AC3E}">
-        <p14:creationId xmlns:p14="http://schemas.microsoft.com/office/powerpoint/2010/main" val="1962438031"/>
-      </p:ext>
-    </p:extLst>
-  </p:cSld>
-  <p:clrMapOvr>
-    <a:masterClrMapping/>
-  </p:clrMapOvr>
-  <p:timing>
-    <p:tnLst>
-      <p:par>
-        <p:cTn xmlns:p14="http://schemas.microsoft.com/office/powerpoint/2010/main" id="1" dur="indefinite" restart="never" nodeType="tmRoot"/>
-      </p:par>
-    </p:tnLst>
-  </p:timing>
-</p:sld>
-</file>
-
-<file path=ppt/slides/slide13.xml><?xml version="1.0" encoding="utf-8"?>
-<p:sld xmlns:a="http://schemas.openxmlformats.org/drawingml/2006/main" xmlns:r="http://schemas.openxmlformats.org/officeDocument/2006/relationships" xmlns:p="http://schemas.openxmlformats.org/presentationml/2006/main">
-  <p:cSld>
-    <p:spTree>
-      <p:nvGrpSpPr>
-        <p:cNvPr id="1" name=""/>
-        <p:cNvGrpSpPr/>
-        <p:nvPr/>
-      </p:nvGrpSpPr>
-      <p:grpSpPr>
-        <a:xfrm>
-          <a:off x="0" y="0"/>
-          <a:ext cx="0" cy="0"/>
-          <a:chOff x="0" y="0"/>
-          <a:chExt cx="0" cy="0"/>
-        </a:xfrm>
-      </p:grpSpPr>
-      <p:sp>
-        <p:nvSpPr>
-          <p:cNvPr id="2" name="Title 1"/>
-          <p:cNvSpPr>
-            <a:spLocks noGrp="1"/>
-          </p:cNvSpPr>
-          <p:nvPr>
-            <p:ph type="title"/>
-          </p:nvPr>
-        </p:nvSpPr>
-        <p:spPr/>
-        <p:txBody>
-          <a:bodyPr>
-            <a:normAutofit fontScale="90000"/>
-          </a:bodyPr>
-          <a:lstStyle/>
-          <a:p>
-            <a:r>
-              <a:rPr lang="en-US" smtClean="0">
-                <a:latin typeface="Calibri Light"/>
-                <a:ea typeface="Yu Gothic" panose="020B0400000000000000" pitchFamily="34" charset="-128"/>
-                <a:cs typeface="Calibri Light"/>
-              </a:rPr>
-              <a:t>Brute-force – Parallel (Thread Per Cell)</a:t>
-            </a:r>
-            <a:endParaRPr lang="en-US" dirty="0">
-              <a:latin typeface="Calibri Light"/>
-              <a:ea typeface="Yu Gothic" panose="020B0400000000000000" pitchFamily="34" charset="-128"/>
-              <a:cs typeface="Calibri Light"/>
-            </a:endParaRPr>
-          </a:p>
-        </p:txBody>
-      </p:sp>
-      <p:sp>
-        <p:nvSpPr>
-          <p:cNvPr id="3" name="Content Placeholder 2"/>
-          <p:cNvSpPr>
-            <a:spLocks noGrp="1"/>
-          </p:cNvSpPr>
-          <p:nvPr>
-            <p:ph idx="1"/>
-          </p:nvPr>
-        </p:nvSpPr>
-        <p:spPr>
-          <a:xfrm>
-            <a:off x="457199" y="1432854"/>
-            <a:ext cx="8510399" cy="3005529"/>
-          </a:xfrm>
-        </p:spPr>
-        <p:txBody>
-          <a:bodyPr>
-            <a:normAutofit/>
-          </a:bodyPr>
-          <a:lstStyle/>
-          <a:p>
-            <a:r>
-              <a:rPr lang="en-US" sz="2800" smtClean="0">
-                <a:latin typeface="Calibri Light"/>
-                <a:ea typeface="Yu Gothic" panose="020B0400000000000000" pitchFamily="34" charset="-128"/>
-                <a:cs typeface="Calibri Light"/>
-              </a:rPr>
-              <a:t>Each thread calculates wall distance for a cell</a:t>
-            </a:r>
-          </a:p>
-          <a:p>
-            <a:pPr lvl="1"/>
-            <a:r>
-              <a:rPr lang="en-US" sz="2400" smtClean="0">
-                <a:latin typeface="Calibri Light"/>
-                <a:ea typeface="Yu Gothic" panose="020B0400000000000000" pitchFamily="34" charset="-128"/>
-                <a:cs typeface="Calibri Light"/>
-              </a:rPr>
-              <a:t>Calculates distance from the cell to each of the faces</a:t>
-            </a:r>
-          </a:p>
-          <a:p>
-            <a:pPr lvl="1"/>
-            <a:r>
-              <a:rPr lang="en-US" sz="2400" smtClean="0">
-                <a:latin typeface="Calibri Light"/>
-                <a:ea typeface="Yu Gothic" panose="020B0400000000000000" pitchFamily="34" charset="-128"/>
-                <a:cs typeface="Calibri Light"/>
-              </a:rPr>
-              <a:t>Keeps “running” min distance value as each faces distance gets calculated</a:t>
-            </a:r>
-            <a:endParaRPr lang="en-US" sz="2400" dirty="0" smtClean="0">
-              <a:latin typeface="Calibri Light"/>
-              <a:ea typeface="Yu Gothic" panose="020B0400000000000000" pitchFamily="34" charset="-128"/>
-              <a:cs typeface="Calibri Light"/>
-            </a:endParaRPr>
-          </a:p>
-        </p:txBody>
-      </p:sp>
-      <p:sp>
-        <p:nvSpPr>
-          <p:cNvPr id="4" name="Slide Number Placeholder 3"/>
-          <p:cNvSpPr>
-            <a:spLocks noGrp="1"/>
-          </p:cNvSpPr>
-          <p:nvPr>
-            <p:ph type="sldNum" sz="quarter" idx="12"/>
-          </p:nvPr>
-        </p:nvSpPr>
-        <p:spPr>
-          <a:xfrm>
-            <a:off x="6553200" y="6356350"/>
-            <a:ext cx="2133600" cy="365125"/>
-          </a:xfrm>
-        </p:spPr>
-        <p:txBody>
-          <a:bodyPr/>
-          <a:lstStyle/>
-          <a:p>
-            <a:fld id="{48AF6223-66F3-D241-A5F9-F452865A7EAF}" type="slidenum">
-              <a:rPr lang="en-US" smtClean="0">
-                <a:latin typeface="Calibri Light"/>
-                <a:ea typeface="Yu Gothic" panose="020B0400000000000000" pitchFamily="34" charset="-128"/>
-                <a:cs typeface="Calibri Light"/>
-              </a:rPr>
-              <a:t>13</a:t>
-            </a:fld>
-            <a:endParaRPr lang="en-US">
-              <a:latin typeface="Calibri Light"/>
-              <a:ea typeface="Yu Gothic" panose="020B0400000000000000" pitchFamily="34" charset="-128"/>
-              <a:cs typeface="Calibri Light"/>
-            </a:endParaRPr>
-          </a:p>
-        </p:txBody>
-      </p:sp>
-      <p:sp>
-        <p:nvSpPr>
-          <p:cNvPr id="8" name="Footer Placeholder 8"/>
-          <p:cNvSpPr>
-            <a:spLocks noGrp="1"/>
-          </p:cNvSpPr>
-          <p:nvPr>
-            <p:ph type="ftr" sz="quarter" idx="11"/>
-          </p:nvPr>
-        </p:nvSpPr>
-        <p:spPr>
-          <a:xfrm>
-            <a:off x="2936527" y="6328436"/>
-            <a:ext cx="3616673" cy="365125"/>
-          </a:xfrm>
-        </p:spPr>
-        <p:txBody>
-          <a:bodyPr/>
-          <a:lstStyle/>
-          <a:p>
-            <a:r>
-              <a:rPr lang="en-US" dirty="0" smtClean="0">
-                <a:latin typeface="Calibri Light"/>
-                <a:cs typeface="Calibri Light"/>
-              </a:rPr>
-              <a:t>Parallel Computing: Final Project</a:t>
-            </a:r>
-          </a:p>
-          <a:p>
-            <a:r>
-              <a:rPr lang="en-US" dirty="0" smtClean="0">
-                <a:latin typeface="Calibri Light"/>
-                <a:cs typeface="Calibri Light"/>
-              </a:rPr>
-              <a:t>November 20, 2014</a:t>
-            </a:r>
-            <a:endParaRPr lang="en-US" dirty="0">
-              <a:latin typeface="Calibri Light"/>
               <a:cs typeface="Calibri Light"/>
             </a:endParaRPr>
           </a:p>
@@ -7122,10 +6924,370 @@
           </a:p>
         </p:txBody>
       </p:sp>
+      <p:sp>
+        <p:nvSpPr>
+          <p:cNvPr id="13" name="Footer Placeholder 8"/>
+          <p:cNvSpPr>
+            <a:spLocks noGrp="1"/>
+          </p:cNvSpPr>
+          <p:nvPr>
+            <p:ph type="ftr" sz="quarter" idx="11"/>
+          </p:nvPr>
+        </p:nvSpPr>
+        <p:spPr>
+          <a:xfrm>
+            <a:off x="2936527" y="6328436"/>
+            <a:ext cx="3616673" cy="365125"/>
+          </a:xfrm>
+        </p:spPr>
+        <p:txBody>
+          <a:bodyPr/>
+          <a:lstStyle/>
+          <a:p>
+            <a:r>
+              <a:rPr lang="en-US" dirty="0" smtClean="0">
+                <a:latin typeface="Calibri Light"/>
+                <a:cs typeface="Calibri Light"/>
+              </a:rPr>
+              <a:t>Parallel Computing: Final Project</a:t>
+            </a:r>
+          </a:p>
+          <a:p>
+            <a:r>
+              <a:rPr lang="en-US" dirty="0" smtClean="0">
+                <a:latin typeface="Calibri Light"/>
+                <a:cs typeface="Calibri Light"/>
+              </a:rPr>
+              <a:t>November </a:t>
+            </a:r>
+            <a:r>
+              <a:rPr lang="en-US" dirty="0" smtClean="0">
+                <a:latin typeface="Calibri Light"/>
+                <a:cs typeface="Calibri Light"/>
+              </a:rPr>
+              <a:t>24, </a:t>
+            </a:r>
+            <a:r>
+              <a:rPr lang="en-US" dirty="0" smtClean="0">
+                <a:latin typeface="Calibri Light"/>
+                <a:cs typeface="Calibri Light"/>
+              </a:rPr>
+              <a:t>2014</a:t>
+            </a:r>
+            <a:endParaRPr lang="en-US" dirty="0">
+              <a:latin typeface="Calibri Light"/>
+              <a:cs typeface="Calibri Light"/>
+            </a:endParaRPr>
+          </a:p>
+        </p:txBody>
+      </p:sp>
     </p:spTree>
     <p:extLst>
       <p:ext uri="{BB962C8B-B14F-4D97-AF65-F5344CB8AC3E}">
         <p14:creationId xmlns:p14="http://schemas.microsoft.com/office/powerpoint/2010/main" val="2416670033"/>
+      </p:ext>
+    </p:extLst>
+  </p:cSld>
+  <p:clrMapOvr>
+    <a:masterClrMapping/>
+  </p:clrMapOvr>
+  <p:timing>
+    <p:tnLst>
+      <p:par>
+        <p:cTn xmlns:p14="http://schemas.microsoft.com/office/powerpoint/2010/main" id="1" dur="indefinite" restart="never" nodeType="tmRoot"/>
+      </p:par>
+    </p:tnLst>
+  </p:timing>
+</p:sld>
+</file>
+
+<file path=ppt/slides/slide13.xml><?xml version="1.0" encoding="utf-8"?>
+<p:sld xmlns:a="http://schemas.openxmlformats.org/drawingml/2006/main" xmlns:r="http://schemas.openxmlformats.org/officeDocument/2006/relationships" xmlns:p="http://schemas.openxmlformats.org/presentationml/2006/main">
+  <p:cSld>
+    <p:spTree>
+      <p:nvGrpSpPr>
+        <p:cNvPr id="1" name=""/>
+        <p:cNvGrpSpPr/>
+        <p:nvPr/>
+      </p:nvGrpSpPr>
+      <p:grpSpPr>
+        <a:xfrm>
+          <a:off x="0" y="0"/>
+          <a:ext cx="0" cy="0"/>
+          <a:chOff x="0" y="0"/>
+          <a:chExt cx="0" cy="0"/>
+        </a:xfrm>
+      </p:grpSpPr>
+      <p:sp>
+        <p:nvSpPr>
+          <p:cNvPr id="2" name="Title 1"/>
+          <p:cNvSpPr>
+            <a:spLocks noGrp="1"/>
+          </p:cNvSpPr>
+          <p:nvPr>
+            <p:ph type="title"/>
+          </p:nvPr>
+        </p:nvSpPr>
+        <p:spPr/>
+        <p:txBody>
+          <a:bodyPr>
+            <a:normAutofit fontScale="90000"/>
+          </a:bodyPr>
+          <a:lstStyle/>
+          <a:p>
+            <a:r>
+              <a:rPr lang="en-US" smtClean="0">
+                <a:latin typeface="Calibri Light"/>
+                <a:ea typeface="Yu Gothic" panose="020B0400000000000000" pitchFamily="34" charset="-128"/>
+                <a:cs typeface="Calibri Light"/>
+              </a:rPr>
+              <a:t>Brute-force – Parallel (Thread Per Cell)</a:t>
+            </a:r>
+            <a:endParaRPr lang="en-US" dirty="0">
+              <a:latin typeface="Calibri Light"/>
+              <a:ea typeface="Yu Gothic" panose="020B0400000000000000" pitchFamily="34" charset="-128"/>
+              <a:cs typeface="Calibri Light"/>
+            </a:endParaRPr>
+          </a:p>
+        </p:txBody>
+      </p:sp>
+      <p:sp>
+        <p:nvSpPr>
+          <p:cNvPr id="3" name="Content Placeholder 2"/>
+          <p:cNvSpPr>
+            <a:spLocks noGrp="1"/>
+          </p:cNvSpPr>
+          <p:nvPr>
+            <p:ph idx="1"/>
+          </p:nvPr>
+        </p:nvSpPr>
+        <p:spPr>
+          <a:xfrm>
+            <a:off x="457200" y="1432854"/>
+            <a:ext cx="8413532" cy="3927422"/>
+          </a:xfrm>
+        </p:spPr>
+        <p:txBody>
+          <a:bodyPr>
+            <a:normAutofit/>
+          </a:bodyPr>
+          <a:lstStyle/>
+          <a:p>
+            <a:r>
+              <a:rPr lang="en-US" smtClean="0">
+                <a:latin typeface="Calibri Light"/>
+                <a:ea typeface="Yu Gothic" panose="020B0400000000000000" pitchFamily="34" charset="-128"/>
+                <a:cs typeface="Calibri Light"/>
+              </a:rPr>
+              <a:t>Implemented 3 variations</a:t>
+            </a:r>
+          </a:p>
+          <a:p>
+            <a:pPr lvl="1"/>
+            <a:r>
+              <a:rPr lang="en-US">
+                <a:latin typeface="Calibri Light"/>
+                <a:ea typeface="Yu Gothic" panose="020B0400000000000000" pitchFamily="34" charset="-128"/>
+                <a:cs typeface="Calibri Light"/>
+              </a:rPr>
+              <a:t>(A): Each thread calculates wall distance for a </a:t>
+            </a:r>
+            <a:r>
+              <a:rPr lang="en-US" smtClean="0">
+                <a:latin typeface="Calibri Light"/>
+                <a:ea typeface="Yu Gothic" panose="020B0400000000000000" pitchFamily="34" charset="-128"/>
+                <a:cs typeface="Calibri Light"/>
+              </a:rPr>
+              <a:t>cell</a:t>
+            </a:r>
+          </a:p>
+          <a:p>
+            <a:pPr lvl="1"/>
+            <a:r>
+              <a:rPr lang="en-US" smtClean="0">
+                <a:latin typeface="Calibri Light"/>
+                <a:ea typeface="Yu Gothic" panose="020B0400000000000000" pitchFamily="34" charset="-128"/>
+                <a:cs typeface="Calibri Light"/>
+              </a:rPr>
+              <a:t>(B): Shared </a:t>
+            </a:r>
+            <a:r>
+              <a:rPr lang="en-US">
+                <a:latin typeface="Calibri Light"/>
+                <a:ea typeface="Yu Gothic" panose="020B0400000000000000" pitchFamily="34" charset="-128"/>
+                <a:cs typeface="Calibri Light"/>
+              </a:rPr>
+              <a:t>memory </a:t>
+            </a:r>
+            <a:r>
+              <a:rPr lang="en-US" smtClean="0">
+                <a:latin typeface="Calibri Light"/>
+                <a:ea typeface="Yu Gothic" panose="020B0400000000000000" pitchFamily="34" charset="-128"/>
+                <a:cs typeface="Calibri Light"/>
+              </a:rPr>
+              <a:t>reads to face (x, y) arrays</a:t>
+            </a:r>
+          </a:p>
+          <a:p>
+            <a:pPr lvl="1"/>
+            <a:r>
+              <a:rPr lang="en-US">
+                <a:latin typeface="Calibri Light"/>
+                <a:ea typeface="Yu Gothic" panose="020B0400000000000000" pitchFamily="34" charset="-128"/>
+                <a:cs typeface="Calibri Light"/>
+              </a:rPr>
+              <a:t>(C): </a:t>
+            </a:r>
+            <a:r>
+              <a:rPr lang="en-US" smtClean="0">
+                <a:latin typeface="Calibri Light"/>
+                <a:ea typeface="Yu Gothic" panose="020B0400000000000000" pitchFamily="34" charset="-128"/>
+                <a:cs typeface="Calibri Light"/>
+              </a:rPr>
+              <a:t>Same as (A) with (x</a:t>
+            </a:r>
+            <a:r>
+              <a:rPr lang="en-US">
+                <a:latin typeface="Calibri Light"/>
+                <a:ea typeface="Yu Gothic" panose="020B0400000000000000" pitchFamily="34" charset="-128"/>
+                <a:cs typeface="Calibri Light"/>
+              </a:rPr>
+              <a:t>, y) arrays </a:t>
+            </a:r>
+            <a:r>
+              <a:rPr lang="en-US" smtClean="0">
+                <a:latin typeface="Calibri Light"/>
+                <a:ea typeface="Yu Gothic" panose="020B0400000000000000" pitchFamily="34" charset="-128"/>
+                <a:cs typeface="Calibri Light"/>
+              </a:rPr>
+              <a:t>converted to an interspersed array for coalesced global mem reads</a:t>
+            </a:r>
+          </a:p>
+          <a:p>
+            <a:pPr marL="457200" lvl="1" indent="0">
+              <a:buNone/>
+            </a:pPr>
+            <a:r>
+              <a:rPr lang="en-US" smtClean="0">
+                <a:latin typeface="Calibri Light"/>
+                <a:ea typeface="Yu Gothic" panose="020B0400000000000000" pitchFamily="34" charset="-128"/>
+                <a:cs typeface="Calibri Light"/>
+              </a:rPr>
+              <a:t>	i.e. x0</a:t>
+            </a:r>
+            <a:r>
+              <a:rPr lang="en-US">
+                <a:latin typeface="Calibri Light"/>
+                <a:ea typeface="Yu Gothic" panose="020B0400000000000000" pitchFamily="34" charset="-128"/>
+                <a:cs typeface="Calibri Light"/>
+              </a:rPr>
+              <a:t>, y0, x1, y1, ....</a:t>
+            </a:r>
+            <a:endParaRPr lang="en-US" dirty="0" smtClean="0">
+              <a:latin typeface="Calibri Light"/>
+              <a:ea typeface="Yu Gothic" panose="020B0400000000000000" pitchFamily="34" charset="-128"/>
+              <a:cs typeface="Calibri Light"/>
+            </a:endParaRPr>
+          </a:p>
+        </p:txBody>
+      </p:sp>
+      <p:sp>
+        <p:nvSpPr>
+          <p:cNvPr id="4" name="Slide Number Placeholder 3"/>
+          <p:cNvSpPr>
+            <a:spLocks noGrp="1"/>
+          </p:cNvSpPr>
+          <p:nvPr>
+            <p:ph type="sldNum" sz="quarter" idx="12"/>
+          </p:nvPr>
+        </p:nvSpPr>
+        <p:spPr>
+          <a:xfrm>
+            <a:off x="6553200" y="6356350"/>
+            <a:ext cx="2133600" cy="365125"/>
+          </a:xfrm>
+        </p:spPr>
+        <p:txBody>
+          <a:bodyPr/>
+          <a:lstStyle/>
+          <a:p>
+            <a:fld id="{48AF6223-66F3-D241-A5F9-F452865A7EAF}" type="slidenum">
+              <a:rPr lang="en-US" smtClean="0">
+                <a:latin typeface="Calibri Light"/>
+                <a:ea typeface="Yu Gothic" panose="020B0400000000000000" pitchFamily="34" charset="-128"/>
+                <a:cs typeface="Calibri Light"/>
+              </a:rPr>
+              <a:t>13</a:t>
+            </a:fld>
+            <a:endParaRPr lang="en-US">
+              <a:latin typeface="Calibri Light"/>
+              <a:ea typeface="Yu Gothic" panose="020B0400000000000000" pitchFamily="34" charset="-128"/>
+              <a:cs typeface="Calibri Light"/>
+            </a:endParaRPr>
+          </a:p>
+        </p:txBody>
+      </p:sp>
+      <p:sp>
+        <p:nvSpPr>
+          <p:cNvPr id="6" name="Footer Placeholder 8"/>
+          <p:cNvSpPr>
+            <a:spLocks noGrp="1"/>
+          </p:cNvSpPr>
+          <p:nvPr>
+            <p:ph type="ftr" sz="quarter" idx="11"/>
+          </p:nvPr>
+        </p:nvSpPr>
+        <p:spPr>
+          <a:xfrm>
+            <a:off x="2936527" y="6328436"/>
+            <a:ext cx="3616673" cy="365125"/>
+          </a:xfrm>
+        </p:spPr>
+        <p:txBody>
+          <a:bodyPr/>
+          <a:lstStyle/>
+          <a:p>
+            <a:r>
+              <a:rPr lang="en-US" dirty="0" smtClean="0">
+                <a:latin typeface="Calibri Light"/>
+                <a:cs typeface="Calibri Light"/>
+              </a:rPr>
+              <a:t>Parallel Computing: Final Project</a:t>
+            </a:r>
+          </a:p>
+          <a:p>
+            <a:r>
+              <a:rPr lang="en-US" dirty="0" smtClean="0">
+                <a:latin typeface="Calibri Light"/>
+                <a:cs typeface="Calibri Light"/>
+              </a:rPr>
+              <a:t>November </a:t>
+            </a:r>
+            <a:r>
+              <a:rPr lang="en-US" dirty="0" smtClean="0">
+                <a:latin typeface="Calibri Light"/>
+                <a:cs typeface="Calibri Light"/>
+              </a:rPr>
+              <a:t>24, </a:t>
+            </a:r>
+            <a:r>
+              <a:rPr lang="en-US" dirty="0" smtClean="0">
+                <a:latin typeface="Calibri Light"/>
+                <a:cs typeface="Calibri Light"/>
+              </a:rPr>
+              <a:t>2014</a:t>
+            </a:r>
+            <a:endParaRPr lang="en-US" dirty="0">
+              <a:latin typeface="Calibri Light"/>
+              <a:cs typeface="Calibri Light"/>
+            </a:endParaRPr>
+          </a:p>
+        </p:txBody>
+      </p:sp>
+    </p:spTree>
+    <p:extLst>
+      <p:ext uri="{BB962C8B-B14F-4D97-AF65-F5344CB8AC3E}">
+        <p14:creationId xmlns:p14="http://schemas.microsoft.com/office/powerpoint/2010/main" val="4258010322"/>
       </p:ext>
     </p:extLst>
   </p:cSld>
@@ -7172,44 +7334,6 @@
         <p:spPr/>
         <p:txBody>
           <a:bodyPr>
-            <a:normAutofit fontScale="90000"/>
-          </a:bodyPr>
-          <a:lstStyle/>
-          <a:p>
-            <a:r>
-              <a:rPr lang="en-US" smtClean="0">
-                <a:latin typeface="Calibri Light"/>
-                <a:ea typeface="Yu Gothic" panose="020B0400000000000000" pitchFamily="34" charset="-128"/>
-                <a:cs typeface="Calibri Light"/>
-              </a:rPr>
-              <a:t>Brute-force – Parallel (Thread Per Cell)</a:t>
-            </a:r>
-            <a:endParaRPr lang="en-US" dirty="0">
-              <a:latin typeface="Calibri Light"/>
-              <a:ea typeface="Yu Gothic" panose="020B0400000000000000" pitchFamily="34" charset="-128"/>
-              <a:cs typeface="Calibri Light"/>
-            </a:endParaRPr>
-          </a:p>
-        </p:txBody>
-      </p:sp>
-      <p:sp>
-        <p:nvSpPr>
-          <p:cNvPr id="3" name="Content Placeholder 2"/>
-          <p:cNvSpPr>
-            <a:spLocks noGrp="1"/>
-          </p:cNvSpPr>
-          <p:nvPr>
-            <p:ph idx="1"/>
-          </p:nvPr>
-        </p:nvSpPr>
-        <p:spPr>
-          <a:xfrm>
-            <a:off x="457200" y="1432854"/>
-            <a:ext cx="8413532" cy="3927422"/>
-          </a:xfrm>
-        </p:spPr>
-        <p:txBody>
-          <a:bodyPr>
             <a:normAutofit/>
           </a:bodyPr>
           <a:lstStyle/>
@@ -7220,111 +7344,9 @@
                 <a:ea typeface="Yu Gothic" panose="020B0400000000000000" pitchFamily="34" charset="-128"/>
                 <a:cs typeface="Calibri Light"/>
               </a:rPr>
-              <a:t>Implemented 3 variations</a:t>
-            </a:r>
-          </a:p>
-          <a:p>
-            <a:pPr lvl="1"/>
-            <a:r>
-              <a:rPr lang="en-US">
-                <a:latin typeface="Calibri Light"/>
-                <a:ea typeface="Yu Gothic" panose="020B0400000000000000" pitchFamily="34" charset="-128"/>
-                <a:cs typeface="Calibri Light"/>
-              </a:rPr>
-              <a:t>(A): Each thread calculates wall distance for a </a:t>
-            </a:r>
-            <a:r>
-              <a:rPr lang="en-US" smtClean="0">
-                <a:latin typeface="Calibri Light"/>
-                <a:ea typeface="Yu Gothic" panose="020B0400000000000000" pitchFamily="34" charset="-128"/>
-                <a:cs typeface="Calibri Light"/>
-              </a:rPr>
-              <a:t>cell</a:t>
-            </a:r>
-          </a:p>
-          <a:p>
-            <a:pPr lvl="1"/>
-            <a:r>
-              <a:rPr lang="en-US" smtClean="0">
-                <a:latin typeface="Calibri Light"/>
-                <a:ea typeface="Yu Gothic" panose="020B0400000000000000" pitchFamily="34" charset="-128"/>
-                <a:cs typeface="Calibri Light"/>
-              </a:rPr>
-              <a:t>(B): Shared </a:t>
-            </a:r>
-            <a:r>
-              <a:rPr lang="en-US">
-                <a:latin typeface="Calibri Light"/>
-                <a:ea typeface="Yu Gothic" panose="020B0400000000000000" pitchFamily="34" charset="-128"/>
-                <a:cs typeface="Calibri Light"/>
-              </a:rPr>
-              <a:t>memory </a:t>
-            </a:r>
-            <a:r>
-              <a:rPr lang="en-US" smtClean="0">
-                <a:latin typeface="Calibri Light"/>
-                <a:ea typeface="Yu Gothic" panose="020B0400000000000000" pitchFamily="34" charset="-128"/>
-                <a:cs typeface="Calibri Light"/>
-              </a:rPr>
-              <a:t>reads to face (x, y) arrays</a:t>
-            </a:r>
-          </a:p>
-          <a:p>
-            <a:pPr lvl="1"/>
-            <a:r>
-              <a:rPr lang="en-US">
-                <a:latin typeface="Calibri Light"/>
-                <a:ea typeface="Yu Gothic" panose="020B0400000000000000" pitchFamily="34" charset="-128"/>
-                <a:cs typeface="Calibri Light"/>
-              </a:rPr>
-              <a:t>(C): </a:t>
-            </a:r>
-            <a:r>
-              <a:rPr lang="en-US" smtClean="0">
-                <a:latin typeface="Calibri Light"/>
-                <a:ea typeface="Yu Gothic" panose="020B0400000000000000" pitchFamily="34" charset="-128"/>
-                <a:cs typeface="Calibri Light"/>
-              </a:rPr>
-              <a:t>Same as (A) with (x</a:t>
-            </a:r>
-            <a:r>
-              <a:rPr lang="en-US">
-                <a:latin typeface="Calibri Light"/>
-                <a:ea typeface="Yu Gothic" panose="020B0400000000000000" pitchFamily="34" charset="-128"/>
-                <a:cs typeface="Calibri Light"/>
-              </a:rPr>
-              <a:t>, y) arrays </a:t>
-            </a:r>
-            <a:r>
-              <a:rPr lang="en-US" smtClean="0">
-                <a:latin typeface="Calibri Light"/>
-                <a:ea typeface="Yu Gothic" panose="020B0400000000000000" pitchFamily="34" charset="-128"/>
-                <a:cs typeface="Calibri Light"/>
-              </a:rPr>
-              <a:t>converted to an interspersed array for coalesced global mem reads</a:t>
-            </a:r>
-          </a:p>
-          <a:p>
-            <a:pPr marL="457200" lvl="1" indent="0">
-              <a:buNone/>
-            </a:pPr>
-            <a:r>
-              <a:rPr lang="en-US" smtClean="0">
-                <a:latin typeface="Calibri Light"/>
-                <a:ea typeface="Yu Gothic" panose="020B0400000000000000" pitchFamily="34" charset="-128"/>
-                <a:cs typeface="Calibri Light"/>
-              </a:rPr>
-              <a:t>	i.e. x0</a:t>
-            </a:r>
-            <a:r>
-              <a:rPr lang="en-US">
-                <a:latin typeface="Calibri Light"/>
-                <a:ea typeface="Yu Gothic" panose="020B0400000000000000" pitchFamily="34" charset="-128"/>
-                <a:cs typeface="Calibri Light"/>
-              </a:rPr>
-              <a:t>, y0, x1, y1, ....</a:t>
-            </a:r>
-            <a:endParaRPr lang="en-US" dirty="0" smtClean="0">
+              <a:t>Brute-force – Verification</a:t>
+            </a:r>
+            <a:endParaRPr lang="en-US" dirty="0">
               <a:latin typeface="Calibri Light"/>
               <a:ea typeface="Yu Gothic" panose="020B0400000000000000" pitchFamily="34" charset="-128"/>
               <a:cs typeface="Calibri Light"/>
@@ -7370,11 +7392,95 @@
       </p:sp>
       <p:sp>
         <p:nvSpPr>
-          <p:cNvPr id="8" name="Footer Placeholder 8"/>
+          <p:cNvPr id="7" name="Content Placeholder 2"/>
           <p:cNvSpPr>
             <a:spLocks noGrp="1"/>
           </p:cNvSpPr>
           <p:nvPr>
+            <p:ph idx="1"/>
+          </p:nvPr>
+        </p:nvSpPr>
+        <p:spPr>
+          <a:xfrm>
+            <a:off x="457200" y="1432854"/>
+            <a:ext cx="4808483" cy="3927422"/>
+          </a:xfrm>
+        </p:spPr>
+        <p:txBody>
+          <a:bodyPr>
+            <a:normAutofit/>
+          </a:bodyPr>
+          <a:lstStyle/>
+          <a:p>
+            <a:r>
+              <a:rPr lang="en-US" smtClean="0">
+                <a:latin typeface="Calibri Light"/>
+                <a:ea typeface="Yu Gothic" panose="020B0400000000000000" pitchFamily="34" charset="-128"/>
+                <a:cs typeface="Calibri Light"/>
+              </a:rPr>
+              <a:t>Output from serial algorithm visually inspected for correctness</a:t>
+            </a:r>
+          </a:p>
+          <a:p>
+            <a:r>
+              <a:rPr lang="en-US" smtClean="0">
+                <a:latin typeface="Calibri Light"/>
+                <a:ea typeface="Yu Gothic" panose="020B0400000000000000" pitchFamily="34" charset="-128"/>
+                <a:cs typeface="Calibri Light"/>
+              </a:rPr>
+              <a:t>Outputs from parallel algorithms verified by comparing against serial algorithm output</a:t>
+            </a:r>
+          </a:p>
+        </p:txBody>
+      </p:sp>
+      <p:pic>
+        <p:nvPicPr>
+          <p:cNvPr id="1026" name="Picture 2" descr="C:\Users\User\Documents\GitHub\PC-WallDistanceProject\deliverables\presentation\nathan\serial_brute_force.png"/>
+          <p:cNvPicPr>
+            <a:picLocks noChangeAspect="1" noChangeArrowheads="1"/>
+          </p:cNvPicPr>
+          <p:nvPr/>
+        </p:nvPicPr>
+        <p:blipFill>
+          <a:blip r:embed="rId2">
+            <a:extLst>
+              <a:ext uri="{28A0092B-C50C-407E-A947-70E740481C1C}">
+                <a14:useLocalDpi xmlns:a14="http://schemas.microsoft.com/office/drawing/2010/main" val="0"/>
+              </a:ext>
+            </a:extLst>
+          </a:blip>
+          <a:srcRect/>
+          <a:stretch>
+            <a:fillRect/>
+          </a:stretch>
+        </p:blipFill>
+        <p:spPr bwMode="auto">
+          <a:xfrm>
+            <a:off x="5005406" y="1291513"/>
+            <a:ext cx="3681393" cy="3159399"/>
+          </a:xfrm>
+          <a:prstGeom prst="rect">
+            <a:avLst/>
+          </a:prstGeom>
+          <a:noFill/>
+          <a:extLst>
+            <a:ext uri="{909E8E84-426E-40dd-AFC4-6F175D3DCCD1}">
+              <a14:hiddenFill xmlns:a14="http://schemas.microsoft.com/office/drawing/2010/main">
+                <a:solidFill>
+                  <a:srgbClr val="FFFFFF"/>
+                </a:solidFill>
+              </a14:hiddenFill>
+            </a:ext>
+          </a:extLst>
+        </p:spPr>
+      </p:pic>
+      <p:sp>
+        <p:nvSpPr>
+          <p:cNvPr id="9" name="Footer Placeholder 8"/>
+          <p:cNvSpPr>
+            <a:spLocks noGrp="1"/>
+          </p:cNvSpPr>
+          <p:nvPr>
             <p:ph type="ftr" sz="quarter" idx="11"/>
           </p:nvPr>
         </p:nvSpPr>
@@ -7402,7 +7508,21 @@
                 <a:latin typeface="Calibri Light"/>
                 <a:cs typeface="Calibri Light"/>
               </a:rPr>
-              <a:t>November 20, 2014</a:t>
+              <a:t>November </a:t>
+            </a:r>
+            <a:r>
+              <a:rPr lang="en-US" dirty="0" smtClean="0">
+                <a:latin typeface="Calibri Light"/>
+                <a:cs typeface="Calibri Light"/>
+              </a:rPr>
+              <a:t>24, </a:t>
+            </a:r>
+            <a:r>
+              <a:rPr lang="en-US" dirty="0" smtClean="0">
+                <a:latin typeface="Calibri Light"/>
+                <a:cs typeface="Calibri Light"/>
+              </a:rPr>
+              <a:t>2014</a:t>
             </a:r>
             <a:endParaRPr lang="en-US" dirty="0">
               <a:latin typeface="Calibri Light"/>
@@ -7414,7 +7534,7 @@
     </p:spTree>
     <p:extLst>
       <p:ext uri="{BB962C8B-B14F-4D97-AF65-F5344CB8AC3E}">
-        <p14:creationId xmlns:p14="http://schemas.microsoft.com/office/powerpoint/2010/main" val="4258010322"/>
+        <p14:creationId xmlns:p14="http://schemas.microsoft.com/office/powerpoint/2010/main" val="3106859031"/>
       </p:ext>
     </p:extLst>
   </p:cSld>
@@ -7466,12 +7586,12 @@
           <a:lstStyle/>
           <a:p>
             <a:r>
-              <a:rPr lang="en-US" smtClean="0">
+              <a:rPr lang="en-US" dirty="0" smtClean="0">
                 <a:latin typeface="Calibri Light"/>
                 <a:ea typeface="Yu Gothic" panose="020B0400000000000000" pitchFamily="34" charset="-128"/>
                 <a:cs typeface="Calibri Light"/>
               </a:rPr>
-              <a:t>Brute-force – Verification</a:t>
+              <a:t>Brute-force – Performance</a:t>
             </a:r>
             <a:endParaRPr lang="en-US" dirty="0">
               <a:latin typeface="Calibri Light"/>
@@ -7512,282 +7632,6 @@
             <a:endParaRPr lang="en-US">
               <a:latin typeface="Calibri Light"/>
               <a:ea typeface="Yu Gothic" panose="020B0400000000000000" pitchFamily="34" charset="-128"/>
-              <a:cs typeface="Calibri Light"/>
-            </a:endParaRPr>
-          </a:p>
-        </p:txBody>
-      </p:sp>
-      <p:sp>
-        <p:nvSpPr>
-          <p:cNvPr id="8" name="Footer Placeholder 8"/>
-          <p:cNvSpPr>
-            <a:spLocks noGrp="1"/>
-          </p:cNvSpPr>
-          <p:nvPr>
-            <p:ph type="ftr" sz="quarter" idx="11"/>
-          </p:nvPr>
-        </p:nvSpPr>
-        <p:spPr>
-          <a:xfrm>
-            <a:off x="2936527" y="6328436"/>
-            <a:ext cx="3616673" cy="365125"/>
-          </a:xfrm>
-        </p:spPr>
-        <p:txBody>
-          <a:bodyPr/>
-          <a:lstStyle/>
-          <a:p>
-            <a:r>
-              <a:rPr lang="en-US" dirty="0" smtClean="0">
-                <a:latin typeface="Calibri Light"/>
-                <a:cs typeface="Calibri Light"/>
-              </a:rPr>
-              <a:t>Parallel Computing: Final Project</a:t>
-            </a:r>
-          </a:p>
-          <a:p>
-            <a:r>
-              <a:rPr lang="en-US" dirty="0" smtClean="0">
-                <a:latin typeface="Calibri Light"/>
-                <a:cs typeface="Calibri Light"/>
-              </a:rPr>
-              <a:t>November 20, 2014</a:t>
-            </a:r>
-            <a:endParaRPr lang="en-US" dirty="0">
-              <a:latin typeface="Calibri Light"/>
-              <a:cs typeface="Calibri Light"/>
-            </a:endParaRPr>
-          </a:p>
-        </p:txBody>
-      </p:sp>
-      <p:sp>
-        <p:nvSpPr>
-          <p:cNvPr id="7" name="Content Placeholder 2"/>
-          <p:cNvSpPr>
-            <a:spLocks noGrp="1"/>
-          </p:cNvSpPr>
-          <p:nvPr>
-            <p:ph idx="1"/>
-          </p:nvPr>
-        </p:nvSpPr>
-        <p:spPr>
-          <a:xfrm>
-            <a:off x="457200" y="1432854"/>
-            <a:ext cx="4808483" cy="3927422"/>
-          </a:xfrm>
-        </p:spPr>
-        <p:txBody>
-          <a:bodyPr>
-            <a:normAutofit/>
-          </a:bodyPr>
-          <a:lstStyle/>
-          <a:p>
-            <a:r>
-              <a:rPr lang="en-US" smtClean="0">
-                <a:latin typeface="Calibri Light"/>
-                <a:ea typeface="Yu Gothic" panose="020B0400000000000000" pitchFamily="34" charset="-128"/>
-                <a:cs typeface="Calibri Light"/>
-              </a:rPr>
-              <a:t>Output from serial algorithm visually inspected for correctness</a:t>
-            </a:r>
-          </a:p>
-          <a:p>
-            <a:r>
-              <a:rPr lang="en-US" smtClean="0">
-                <a:latin typeface="Calibri Light"/>
-                <a:ea typeface="Yu Gothic" panose="020B0400000000000000" pitchFamily="34" charset="-128"/>
-                <a:cs typeface="Calibri Light"/>
-              </a:rPr>
-              <a:t>Outputs from parallel algorithms verified by comparing against serial algorithm output</a:t>
-            </a:r>
-          </a:p>
-        </p:txBody>
-      </p:sp>
-      <p:pic>
-        <p:nvPicPr>
-          <p:cNvPr id="1026" name="Picture 2" descr="C:\Users\User\Documents\GitHub\PC-WallDistanceProject\deliverables\presentation\nathan\serial_brute_force.png"/>
-          <p:cNvPicPr>
-            <a:picLocks noChangeAspect="1" noChangeArrowheads="1"/>
-          </p:cNvPicPr>
-          <p:nvPr/>
-        </p:nvPicPr>
-        <p:blipFill>
-          <a:blip r:embed="rId2">
-            <a:extLst>
-              <a:ext uri="{28A0092B-C50C-407E-A947-70E740481C1C}">
-                <a14:useLocalDpi xmlns:a14="http://schemas.microsoft.com/office/drawing/2010/main" val="0"/>
-              </a:ext>
-            </a:extLst>
-          </a:blip>
-          <a:srcRect/>
-          <a:stretch>
-            <a:fillRect/>
-          </a:stretch>
-        </p:blipFill>
-        <p:spPr bwMode="auto">
-          <a:xfrm>
-            <a:off x="5005406" y="1291513"/>
-            <a:ext cx="3681393" cy="3159399"/>
-          </a:xfrm>
-          <a:prstGeom prst="rect">
-            <a:avLst/>
-          </a:prstGeom>
-          <a:noFill/>
-          <a:extLst>
-            <a:ext uri="{909E8E84-426E-40dd-AFC4-6F175D3DCCD1}">
-              <a14:hiddenFill xmlns:a14="http://schemas.microsoft.com/office/drawing/2010/main">
-                <a:solidFill>
-                  <a:srgbClr val="FFFFFF"/>
-                </a:solidFill>
-              </a14:hiddenFill>
-            </a:ext>
-          </a:extLst>
-        </p:spPr>
-      </p:pic>
-    </p:spTree>
-    <p:extLst>
-      <p:ext uri="{BB962C8B-B14F-4D97-AF65-F5344CB8AC3E}">
-        <p14:creationId xmlns:p14="http://schemas.microsoft.com/office/powerpoint/2010/main" val="3106859031"/>
-      </p:ext>
-    </p:extLst>
-  </p:cSld>
-  <p:clrMapOvr>
-    <a:masterClrMapping/>
-  </p:clrMapOvr>
-  <p:timing>
-    <p:tnLst>
-      <p:par>
-        <p:cTn xmlns:p14="http://schemas.microsoft.com/office/powerpoint/2010/main" id="1" dur="indefinite" restart="never" nodeType="tmRoot"/>
-      </p:par>
-    </p:tnLst>
-  </p:timing>
-</p:sld>
-</file>
-
-<file path=ppt/slides/slide16.xml><?xml version="1.0" encoding="utf-8"?>
-<p:sld xmlns:a="http://schemas.openxmlformats.org/drawingml/2006/main" xmlns:r="http://schemas.openxmlformats.org/officeDocument/2006/relationships" xmlns:p="http://schemas.openxmlformats.org/presentationml/2006/main">
-  <p:cSld>
-    <p:spTree>
-      <p:nvGrpSpPr>
-        <p:cNvPr id="1" name=""/>
-        <p:cNvGrpSpPr/>
-        <p:nvPr/>
-      </p:nvGrpSpPr>
-      <p:grpSpPr>
-        <a:xfrm>
-          <a:off x="0" y="0"/>
-          <a:ext cx="0" cy="0"/>
-          <a:chOff x="0" y="0"/>
-          <a:chExt cx="0" cy="0"/>
-        </a:xfrm>
-      </p:grpSpPr>
-      <p:sp>
-        <p:nvSpPr>
-          <p:cNvPr id="2" name="Title 1"/>
-          <p:cNvSpPr>
-            <a:spLocks noGrp="1"/>
-          </p:cNvSpPr>
-          <p:nvPr>
-            <p:ph type="title"/>
-          </p:nvPr>
-        </p:nvSpPr>
-        <p:spPr/>
-        <p:txBody>
-          <a:bodyPr>
-            <a:normAutofit/>
-          </a:bodyPr>
-          <a:lstStyle/>
-          <a:p>
-            <a:r>
-              <a:rPr lang="en-US" dirty="0" smtClean="0">
-                <a:latin typeface="Calibri Light"/>
-                <a:ea typeface="Yu Gothic" panose="020B0400000000000000" pitchFamily="34" charset="-128"/>
-                <a:cs typeface="Calibri Light"/>
-              </a:rPr>
-              <a:t>Brute-force – Performance</a:t>
-            </a:r>
-            <a:endParaRPr lang="en-US" dirty="0">
-              <a:latin typeface="Calibri Light"/>
-              <a:ea typeface="Yu Gothic" panose="020B0400000000000000" pitchFamily="34" charset="-128"/>
-              <a:cs typeface="Calibri Light"/>
-            </a:endParaRPr>
-          </a:p>
-        </p:txBody>
-      </p:sp>
-      <p:sp>
-        <p:nvSpPr>
-          <p:cNvPr id="4" name="Slide Number Placeholder 3"/>
-          <p:cNvSpPr>
-            <a:spLocks noGrp="1"/>
-          </p:cNvSpPr>
-          <p:nvPr>
-            <p:ph type="sldNum" sz="quarter" idx="12"/>
-          </p:nvPr>
-        </p:nvSpPr>
-        <p:spPr>
-          <a:xfrm>
-            <a:off x="6553200" y="6356350"/>
-            <a:ext cx="2133600" cy="365125"/>
-          </a:xfrm>
-        </p:spPr>
-        <p:txBody>
-          <a:bodyPr/>
-          <a:lstStyle/>
-          <a:p>
-            <a:fld id="{48AF6223-66F3-D241-A5F9-F452865A7EAF}" type="slidenum">
-              <a:rPr lang="en-US" smtClean="0">
-                <a:latin typeface="Calibri Light"/>
-                <a:ea typeface="Yu Gothic" panose="020B0400000000000000" pitchFamily="34" charset="-128"/>
-                <a:cs typeface="Calibri Light"/>
-              </a:rPr>
-              <a:t>16</a:t>
-            </a:fld>
-            <a:endParaRPr lang="en-US">
-              <a:latin typeface="Calibri Light"/>
-              <a:ea typeface="Yu Gothic" panose="020B0400000000000000" pitchFamily="34" charset="-128"/>
-              <a:cs typeface="Calibri Light"/>
-            </a:endParaRPr>
-          </a:p>
-        </p:txBody>
-      </p:sp>
-      <p:sp>
-        <p:nvSpPr>
-          <p:cNvPr id="8" name="Footer Placeholder 8"/>
-          <p:cNvSpPr>
-            <a:spLocks noGrp="1"/>
-          </p:cNvSpPr>
-          <p:nvPr>
-            <p:ph type="ftr" sz="quarter" idx="11"/>
-          </p:nvPr>
-        </p:nvSpPr>
-        <p:spPr>
-          <a:xfrm>
-            <a:off x="2936527" y="6328436"/>
-            <a:ext cx="3616673" cy="365125"/>
-          </a:xfrm>
-        </p:spPr>
-        <p:txBody>
-          <a:bodyPr/>
-          <a:lstStyle/>
-          <a:p>
-            <a:r>
-              <a:rPr lang="en-US" dirty="0" smtClean="0">
-                <a:latin typeface="Calibri Light"/>
-                <a:cs typeface="Calibri Light"/>
-              </a:rPr>
-              <a:t>Parallel Computing: Final Project</a:t>
-            </a:r>
-          </a:p>
-          <a:p>
-            <a:r>
-              <a:rPr lang="en-US" dirty="0" smtClean="0">
-                <a:latin typeface="Calibri Light"/>
-                <a:cs typeface="Calibri Light"/>
-              </a:rPr>
-              <a:t>November 20, 2014</a:t>
-            </a:r>
-            <a:endParaRPr lang="en-US" dirty="0">
-              <a:latin typeface="Calibri Light"/>
               <a:cs typeface="Calibri Light"/>
             </a:endParaRPr>
           </a:p>
@@ -8143,21 +7987,29 @@
                         <a:defRPr/>
                       </a:pPr>
                       <a:r>
-                        <a:rPr lang="en-US" smtClean="0"/>
+                        <a:rPr lang="en-US" dirty="0" smtClean="0"/>
                         <a:t>Block Per Cell</a:t>
                       </a:r>
                       <a:r>
-                        <a:rPr lang="en-US" baseline="0" smtClean="0"/>
+                        <a:rPr lang="en-US" baseline="0" dirty="0" smtClean="0"/>
                         <a:t> (1B)</a:t>
                       </a:r>
-                      <a:endParaRPr lang="en-US" smtClean="0"/>
+                      <a:endParaRPr lang="en-US" dirty="0" smtClean="0"/>
                     </a:p>
                     <a:p>
                       <a:r>
-                        <a:rPr lang="en-US" smtClean="0"/>
-                        <a:t>- Shared mem reads</a:t>
+                        <a:rPr lang="en-US" dirty="0" smtClean="0"/>
+                        <a:t>- Shared </a:t>
                       </a:r>
-                      <a:endParaRPr lang="en-US"/>
+                      <a:r>
+                        <a:rPr lang="en-US" dirty="0" err="1" smtClean="0"/>
+                        <a:t>mem</a:t>
+                      </a:r>
+                      <a:r>
+                        <a:rPr lang="en-US" dirty="0" smtClean="0"/>
+                        <a:t> reads</a:t>
+                      </a:r>
+                      <a:endParaRPr lang="en-US" dirty="0"/>
                     </a:p>
                   </a:txBody>
                   <a:tcPr/>
@@ -8803,10 +8655,265 @@
           </a:p>
         </p:txBody>
       </p:sp>
+      <p:sp>
+        <p:nvSpPr>
+          <p:cNvPr id="10" name="Footer Placeholder 8"/>
+          <p:cNvSpPr>
+            <a:spLocks noGrp="1"/>
+          </p:cNvSpPr>
+          <p:nvPr>
+            <p:ph type="ftr" sz="quarter" idx="11"/>
+          </p:nvPr>
+        </p:nvSpPr>
+        <p:spPr>
+          <a:xfrm>
+            <a:off x="2936527" y="6328436"/>
+            <a:ext cx="3616673" cy="365125"/>
+          </a:xfrm>
+        </p:spPr>
+        <p:txBody>
+          <a:bodyPr/>
+          <a:lstStyle/>
+          <a:p>
+            <a:r>
+              <a:rPr lang="en-US" dirty="0" smtClean="0">
+                <a:latin typeface="Calibri Light"/>
+                <a:cs typeface="Calibri Light"/>
+              </a:rPr>
+              <a:t>Parallel Computing: Final Project</a:t>
+            </a:r>
+          </a:p>
+          <a:p>
+            <a:r>
+              <a:rPr lang="en-US" dirty="0" smtClean="0">
+                <a:latin typeface="Calibri Light"/>
+                <a:cs typeface="Calibri Light"/>
+              </a:rPr>
+              <a:t>November </a:t>
+            </a:r>
+            <a:r>
+              <a:rPr lang="en-US" dirty="0" smtClean="0">
+                <a:latin typeface="Calibri Light"/>
+                <a:cs typeface="Calibri Light"/>
+              </a:rPr>
+              <a:t>24, </a:t>
+            </a:r>
+            <a:r>
+              <a:rPr lang="en-US" dirty="0" smtClean="0">
+                <a:latin typeface="Calibri Light"/>
+                <a:cs typeface="Calibri Light"/>
+              </a:rPr>
+              <a:t>2014</a:t>
+            </a:r>
+            <a:endParaRPr lang="en-US" dirty="0">
+              <a:latin typeface="Calibri Light"/>
+              <a:cs typeface="Calibri Light"/>
+            </a:endParaRPr>
+          </a:p>
+        </p:txBody>
+      </p:sp>
     </p:spTree>
     <p:extLst>
       <p:ext uri="{BB962C8B-B14F-4D97-AF65-F5344CB8AC3E}">
         <p14:creationId xmlns:p14="http://schemas.microsoft.com/office/powerpoint/2010/main" val="121404276"/>
+      </p:ext>
+    </p:extLst>
+  </p:cSld>
+  <p:clrMapOvr>
+    <a:masterClrMapping/>
+  </p:clrMapOvr>
+  <p:timing>
+    <p:tnLst>
+      <p:par>
+        <p:cTn xmlns:p14="http://schemas.microsoft.com/office/powerpoint/2010/main" id="1" dur="indefinite" restart="never" nodeType="tmRoot"/>
+      </p:par>
+    </p:tnLst>
+  </p:timing>
+</p:sld>
+</file>
+
+<file path=ppt/slides/slide16.xml><?xml version="1.0" encoding="utf-8"?>
+<p:sld xmlns:a="http://schemas.openxmlformats.org/drawingml/2006/main" xmlns:r="http://schemas.openxmlformats.org/officeDocument/2006/relationships" xmlns:p="http://schemas.openxmlformats.org/presentationml/2006/main">
+  <p:cSld>
+    <p:spTree>
+      <p:nvGrpSpPr>
+        <p:cNvPr id="1" name=""/>
+        <p:cNvGrpSpPr/>
+        <p:nvPr/>
+      </p:nvGrpSpPr>
+      <p:grpSpPr>
+        <a:xfrm>
+          <a:off x="0" y="0"/>
+          <a:ext cx="0" cy="0"/>
+          <a:chOff x="0" y="0"/>
+          <a:chExt cx="0" cy="0"/>
+        </a:xfrm>
+      </p:grpSpPr>
+      <p:sp>
+        <p:nvSpPr>
+          <p:cNvPr id="2" name="Title 1"/>
+          <p:cNvSpPr>
+            <a:spLocks noGrp="1"/>
+          </p:cNvSpPr>
+          <p:nvPr>
+            <p:ph type="title"/>
+          </p:nvPr>
+        </p:nvSpPr>
+        <p:spPr>
+          <a:xfrm>
+            <a:off x="457200" y="2327067"/>
+            <a:ext cx="8229600" cy="1143000"/>
+          </a:xfrm>
+        </p:spPr>
+        <p:txBody>
+          <a:bodyPr/>
+          <a:lstStyle/>
+          <a:p>
+            <a:r>
+              <a:rPr lang="en-US" dirty="0" smtClean="0">
+                <a:latin typeface="Calibri Light"/>
+                <a:ea typeface="Yu Gothic" panose="020B0400000000000000" pitchFamily="34" charset="-128"/>
+                <a:cs typeface="Calibri Light"/>
+              </a:rPr>
+              <a:t>Advancing </a:t>
+            </a:r>
+            <a:r>
+              <a:rPr lang="en-US" dirty="0">
+                <a:latin typeface="Calibri Light"/>
+                <a:ea typeface="Yu Gothic" panose="020B0400000000000000" pitchFamily="34" charset="-128"/>
+                <a:cs typeface="Calibri Light"/>
+              </a:rPr>
+              <a:t>b</a:t>
+            </a:r>
+            <a:r>
+              <a:rPr lang="en-US" dirty="0" smtClean="0">
+                <a:latin typeface="Calibri Light"/>
+                <a:ea typeface="Yu Gothic" panose="020B0400000000000000" pitchFamily="34" charset="-128"/>
+                <a:cs typeface="Calibri Light"/>
+              </a:rPr>
+              <a:t>oundary </a:t>
+            </a:r>
+            <a:r>
+              <a:rPr lang="en-US" dirty="0">
+                <a:latin typeface="Calibri Light"/>
+                <a:ea typeface="Yu Gothic" panose="020B0400000000000000" pitchFamily="34" charset="-128"/>
+                <a:cs typeface="Calibri Light"/>
+              </a:rPr>
+              <a:t>a</a:t>
+            </a:r>
+            <a:r>
+              <a:rPr lang="en-US" dirty="0" smtClean="0">
+                <a:latin typeface="Calibri Light"/>
+                <a:ea typeface="Yu Gothic" panose="020B0400000000000000" pitchFamily="34" charset="-128"/>
+                <a:cs typeface="Calibri Light"/>
+              </a:rPr>
+              <a:t>lgorithm</a:t>
+            </a:r>
+            <a:endParaRPr lang="en-US" dirty="0">
+              <a:latin typeface="Calibri Light"/>
+              <a:ea typeface="Yu Gothic" panose="020B0400000000000000" pitchFamily="34" charset="-128"/>
+              <a:cs typeface="Calibri Light"/>
+            </a:endParaRPr>
+          </a:p>
+        </p:txBody>
+      </p:sp>
+      <p:sp>
+        <p:nvSpPr>
+          <p:cNvPr id="4" name="Slide Number Placeholder 3"/>
+          <p:cNvSpPr>
+            <a:spLocks noGrp="1"/>
+          </p:cNvSpPr>
+          <p:nvPr>
+            <p:ph type="sldNum" sz="quarter" idx="12"/>
+          </p:nvPr>
+        </p:nvSpPr>
+        <p:spPr>
+          <a:xfrm>
+            <a:off x="6553200" y="6356350"/>
+            <a:ext cx="2133600" cy="365125"/>
+          </a:xfrm>
+        </p:spPr>
+        <p:txBody>
+          <a:bodyPr/>
+          <a:lstStyle/>
+          <a:p>
+            <a:fld id="{48AF6223-66F3-D241-A5F9-F452865A7EAF}" type="slidenum">
+              <a:rPr lang="en-US" smtClean="0">
+                <a:latin typeface="Calibri Light"/>
+                <a:ea typeface="Yu Gothic" panose="020B0400000000000000" pitchFamily="34" charset="-128"/>
+                <a:cs typeface="Calibri Light"/>
+              </a:rPr>
+              <a:t>16</a:t>
+            </a:fld>
+            <a:endParaRPr lang="en-US">
+              <a:latin typeface="Calibri Light"/>
+              <a:ea typeface="Yu Gothic" panose="020B0400000000000000" pitchFamily="34" charset="-128"/>
+              <a:cs typeface="Calibri Light"/>
+            </a:endParaRPr>
+          </a:p>
+        </p:txBody>
+      </p:sp>
+      <p:sp>
+        <p:nvSpPr>
+          <p:cNvPr id="5" name="Footer Placeholder 8"/>
+          <p:cNvSpPr>
+            <a:spLocks noGrp="1"/>
+          </p:cNvSpPr>
+          <p:nvPr>
+            <p:ph type="ftr" sz="quarter" idx="11"/>
+          </p:nvPr>
+        </p:nvSpPr>
+        <p:spPr>
+          <a:xfrm>
+            <a:off x="2936527" y="6328436"/>
+            <a:ext cx="3616673" cy="365125"/>
+          </a:xfrm>
+        </p:spPr>
+        <p:txBody>
+          <a:bodyPr/>
+          <a:lstStyle/>
+          <a:p>
+            <a:r>
+              <a:rPr lang="en-US" dirty="0" smtClean="0">
+                <a:latin typeface="Calibri Light"/>
+                <a:cs typeface="Calibri Light"/>
+              </a:rPr>
+              <a:t>Parallel Computing: Final Project</a:t>
+            </a:r>
+          </a:p>
+          <a:p>
+            <a:r>
+              <a:rPr lang="en-US" dirty="0" smtClean="0">
+                <a:latin typeface="Calibri Light"/>
+                <a:cs typeface="Calibri Light"/>
+              </a:rPr>
+              <a:t>November </a:t>
+            </a:r>
+            <a:r>
+              <a:rPr lang="en-US" dirty="0" smtClean="0">
+                <a:latin typeface="Calibri Light"/>
+                <a:cs typeface="Calibri Light"/>
+              </a:rPr>
+              <a:t>24, </a:t>
+            </a:r>
+            <a:r>
+              <a:rPr lang="en-US" dirty="0" smtClean="0">
+                <a:latin typeface="Calibri Light"/>
+                <a:cs typeface="Calibri Light"/>
+              </a:rPr>
+              <a:t>2014</a:t>
+            </a:r>
+            <a:endParaRPr lang="en-US" dirty="0">
+              <a:latin typeface="Calibri Light"/>
+              <a:cs typeface="Calibri Light"/>
+            </a:endParaRPr>
+          </a:p>
+        </p:txBody>
+      </p:sp>
+    </p:spTree>
+    <p:extLst>
+      <p:ext uri="{BB962C8B-B14F-4D97-AF65-F5344CB8AC3E}">
+        <p14:creationId xmlns:p14="http://schemas.microsoft.com/office/powerpoint/2010/main" val="1261661926"/>
       </p:ext>
     </p:extLst>
   </p:cSld>
@@ -8850,12 +8957,7 @@
             <p:ph type="title"/>
           </p:nvPr>
         </p:nvSpPr>
-        <p:spPr>
-          <a:xfrm>
-            <a:off x="457200" y="2327067"/>
-            <a:ext cx="8229600" cy="1143000"/>
-          </a:xfrm>
-        </p:spPr>
+        <p:spPr/>
         <p:txBody>
           <a:bodyPr/>
           <a:lstStyle/>
@@ -8869,20 +8971,12 @@
               <a:t>Advancing </a:t>
             </a:r>
             <a:r>
-              <a:rPr lang="en-US" dirty="0">
+              <a:rPr lang="en-US" dirty="0" smtClean="0">
                 <a:latin typeface="Calibri Light"/>
                 <a:ea typeface="Yu Gothic" panose="020B0400000000000000" pitchFamily="34" charset="-128"/>
                 <a:cs typeface="Calibri Light"/>
               </a:rPr>
-              <a:t>b</a:t>
-            </a:r>
-            <a:r>
-              <a:rPr lang="en-US" dirty="0" smtClean="0">
-                <a:latin typeface="Calibri Light"/>
-                <a:ea typeface="Yu Gothic" panose="020B0400000000000000" pitchFamily="34" charset="-128"/>
-                <a:cs typeface="Calibri Light"/>
-              </a:rPr>
-              <a:t>oundary </a:t>
+              <a:t>boundary </a:t>
             </a:r>
             <a:r>
               <a:rPr lang="en-US" dirty="0">
@@ -8944,20 +9038,50 @@
           </a:p>
         </p:txBody>
       </p:sp>
-      <p:sp>
-        <p:nvSpPr>
-          <p:cNvPr id="8" name="Footer Placeholder 8"/>
+      <p:pic>
+        <p:nvPicPr>
+          <p:cNvPr id="11" name="Picture 10" descr="preprocessor_diagram.png"/>
+          <p:cNvPicPr>
+            <a:picLocks noChangeAspect="1"/>
+          </p:cNvPicPr>
+          <p:nvPr/>
+        </p:nvPicPr>
+        <p:blipFill>
+          <a:blip r:embed="rId2">
+            <a:extLst>
+              <a:ext uri="{28A0092B-C50C-407E-A947-70E740481C1C}">
+                <a14:useLocalDpi xmlns:a14="http://schemas.microsoft.com/office/drawing/2010/main" val="0"/>
+              </a:ext>
+            </a:extLst>
+          </a:blip>
+          <a:stretch>
+            <a:fillRect/>
+          </a:stretch>
+        </p:blipFill>
+        <p:spPr>
+          <a:xfrm>
+            <a:off x="0" y="3316717"/>
+            <a:ext cx="9144000" cy="1909823"/>
+          </a:xfrm>
+          <a:prstGeom prst="rect">
+            <a:avLst/>
+          </a:prstGeom>
+        </p:spPr>
+      </p:pic>
+      <p:sp>
+        <p:nvSpPr>
+          <p:cNvPr id="12" name="Content Placeholder 2"/>
           <p:cNvSpPr>
             <a:spLocks noGrp="1"/>
           </p:cNvSpPr>
           <p:nvPr>
-            <p:ph type="ftr" sz="quarter" idx="11"/>
-          </p:nvPr>
-        </p:nvSpPr>
-        <p:spPr>
-          <a:xfrm>
-            <a:off x="2936527" y="6328436"/>
-            <a:ext cx="3616673" cy="365125"/>
+            <p:ph idx="1"/>
+          </p:nvPr>
+        </p:nvSpPr>
+        <p:spPr>
+          <a:xfrm>
+            <a:off x="457199" y="1530409"/>
+            <a:ext cx="8510399" cy="679097"/>
           </a:xfrm>
         </p:spPr>
         <p:txBody>
@@ -8967,18 +9091,42 @@
             <a:r>
               <a:rPr lang="en-US" dirty="0" smtClean="0">
                 <a:latin typeface="Calibri Light"/>
-                <a:cs typeface="Calibri Light"/>
-              </a:rPr>
-              <a:t>Parallel Computing: Final Project</a:t>
-            </a:r>
-          </a:p>
+                <a:ea typeface="Yu Gothic" panose="020B0400000000000000" pitchFamily="34" charset="-128"/>
+                <a:cs typeface="Calibri Light"/>
+              </a:rPr>
+              <a:t>Background: Pre-processor</a:t>
+            </a:r>
+          </a:p>
+        </p:txBody>
+      </p:sp>
+      <p:sp>
+        <p:nvSpPr>
+          <p:cNvPr id="13" name="TextBox 12"/>
+          <p:cNvSpPr txBox="1"/>
+          <p:nvPr/>
+        </p:nvSpPr>
+        <p:spPr>
+          <a:xfrm>
+            <a:off x="833896" y="2239513"/>
+            <a:ext cx="5540925" cy="369332"/>
+          </a:xfrm>
+          <a:prstGeom prst="rect">
+            <a:avLst/>
+          </a:prstGeom>
+          <a:noFill/>
+        </p:spPr>
+        <p:txBody>
+          <a:bodyPr wrap="none" rtlCol="0">
+            <a:spAutoFit/>
+          </a:bodyPr>
+          <a:lstStyle/>
           <a:p>
             <a:r>
               <a:rPr lang="en-US" dirty="0" smtClean="0">
                 <a:latin typeface="Calibri Light"/>
                 <a:cs typeface="Calibri Light"/>
               </a:rPr>
-              <a:t>November 20, 2014</a:t>
+              <a:t>Goal: create a smaller subset of faces that need searched</a:t>
             </a:r>
             <a:endParaRPr lang="en-US" dirty="0">
               <a:latin typeface="Calibri Light"/>
@@ -8987,10 +9135,67 @@
           </a:p>
         </p:txBody>
       </p:sp>
+      <p:sp>
+        <p:nvSpPr>
+          <p:cNvPr id="9" name="Footer Placeholder 8"/>
+          <p:cNvSpPr>
+            <a:spLocks noGrp="1"/>
+          </p:cNvSpPr>
+          <p:nvPr>
+            <p:ph type="ftr" sz="quarter" idx="11"/>
+          </p:nvPr>
+        </p:nvSpPr>
+        <p:spPr>
+          <a:xfrm>
+            <a:off x="2936527" y="6328436"/>
+            <a:ext cx="3616673" cy="365125"/>
+          </a:xfrm>
+        </p:spPr>
+        <p:txBody>
+          <a:bodyPr/>
+          <a:lstStyle/>
+          <a:p>
+            <a:r>
+              <a:rPr lang="en-US" dirty="0" smtClean="0">
+                <a:latin typeface="Calibri Light"/>
+                <a:cs typeface="Calibri Light"/>
+              </a:rPr>
+              <a:t>Parallel Computing: Final Project</a:t>
+            </a:r>
+          </a:p>
+          <a:p>
+            <a:r>
+              <a:rPr lang="en-US" dirty="0" smtClean="0">
+                <a:latin typeface="Calibri Light"/>
+                <a:cs typeface="Calibri Light"/>
+              </a:rPr>
+              <a:t>November </a:t>
+            </a:r>
+            <a:r>
+              <a:rPr lang="en-US" dirty="0" smtClean="0">
+                <a:latin typeface="Calibri Light"/>
+                <a:cs typeface="Calibri Light"/>
+              </a:rPr>
+              <a:t>24, </a:t>
+            </a:r>
+            <a:r>
+              <a:rPr lang="en-US" dirty="0" smtClean="0">
+                <a:latin typeface="Calibri Light"/>
+                <a:cs typeface="Calibri Light"/>
+              </a:rPr>
+              <a:t>2014</a:t>
+            </a:r>
+            <a:endParaRPr lang="en-US" dirty="0">
+              <a:latin typeface="Calibri Light"/>
+              <a:cs typeface="Calibri Light"/>
+            </a:endParaRPr>
+          </a:p>
+        </p:txBody>
+      </p:sp>
     </p:spTree>
     <p:extLst>
       <p:ext uri="{BB962C8B-B14F-4D97-AF65-F5344CB8AC3E}">
-        <p14:creationId xmlns:p14="http://schemas.microsoft.com/office/powerpoint/2010/main" val="1261661926"/>
+        <p14:creationId xmlns:p14="http://schemas.microsoft.com/office/powerpoint/2010/main" val="3956277636"/>
       </p:ext>
     </p:extLst>
   </p:cSld>
@@ -9045,7 +9250,31 @@
                 <a:ea typeface="Yu Gothic" panose="020B0400000000000000" pitchFamily="34" charset="-128"/>
                 <a:cs typeface="Calibri Light"/>
               </a:rPr>
-              <a:t>Advancing Boundary Algorithm</a:t>
+              <a:t>Advancing </a:t>
+            </a:r>
+            <a:r>
+              <a:rPr lang="en-US" dirty="0" smtClean="0">
+                <a:latin typeface="Calibri Light"/>
+                <a:ea typeface="Yu Gothic" panose="020B0400000000000000" pitchFamily="34" charset="-128"/>
+                <a:cs typeface="Calibri Light"/>
+              </a:rPr>
+              <a:t>boundary </a:t>
+            </a:r>
+            <a:r>
+              <a:rPr lang="en-US" dirty="0">
+                <a:latin typeface="Calibri Light"/>
+                <a:ea typeface="Yu Gothic" panose="020B0400000000000000" pitchFamily="34" charset="-128"/>
+                <a:cs typeface="Calibri Light"/>
+              </a:rPr>
+              <a:t>a</a:t>
+            </a:r>
+            <a:r>
+              <a:rPr lang="en-US" dirty="0" smtClean="0">
+                <a:latin typeface="Calibri Light"/>
+                <a:ea typeface="Yu Gothic" panose="020B0400000000000000" pitchFamily="34" charset="-128"/>
+                <a:cs typeface="Calibri Light"/>
+              </a:rPr>
+              <a:t>lgorithm</a:t>
             </a:r>
             <a:endParaRPr lang="en-US" dirty="0">
               <a:latin typeface="Calibri Light"/>
@@ -9086,49 +9315,6 @@
             <a:endParaRPr lang="en-US">
               <a:latin typeface="Calibri Light"/>
               <a:ea typeface="Yu Gothic" panose="020B0400000000000000" pitchFamily="34" charset="-128"/>
-              <a:cs typeface="Calibri Light"/>
-            </a:endParaRPr>
-          </a:p>
-        </p:txBody>
-      </p:sp>
-      <p:sp>
-        <p:nvSpPr>
-          <p:cNvPr id="8" name="Footer Placeholder 8"/>
-          <p:cNvSpPr>
-            <a:spLocks noGrp="1"/>
-          </p:cNvSpPr>
-          <p:nvPr>
-            <p:ph type="ftr" sz="quarter" idx="11"/>
-          </p:nvPr>
-        </p:nvSpPr>
-        <p:spPr>
-          <a:xfrm>
-            <a:off x="2936527" y="6328436"/>
-            <a:ext cx="3616673" cy="365125"/>
-          </a:xfrm>
-        </p:spPr>
-        <p:txBody>
-          <a:bodyPr/>
-          <a:lstStyle/>
-          <a:p>
-            <a:r>
-              <a:rPr lang="en-US" dirty="0" smtClean="0">
-                <a:latin typeface="Calibri Light"/>
-                <a:cs typeface="Calibri Light"/>
-              </a:rPr>
-              <a:t>Parallel Computing: Final Project</a:t>
-            </a:r>
-          </a:p>
-          <a:p>
-            <a:r>
-              <a:rPr lang="en-US" dirty="0" smtClean="0">
-                <a:latin typeface="Calibri Light"/>
-                <a:cs typeface="Calibri Light"/>
-              </a:rPr>
-              <a:t>November 20, 2014</a:t>
-            </a:r>
-            <a:endParaRPr lang="en-US" dirty="0">
-              <a:latin typeface="Calibri Light"/>
               <a:cs typeface="Calibri Light"/>
             </a:endParaRPr>
           </a:p>
@@ -9156,7 +9342,7 @@
         </p:blipFill>
         <p:spPr>
           <a:xfrm>
-            <a:off x="0" y="2893393"/>
+            <a:off x="0" y="3316717"/>
             <a:ext cx="9144000" cy="1909823"/>
           </a:xfrm>
           <a:prstGeom prst="rect">
@@ -9192,11 +9378,6 @@
               </a:rPr>
               <a:t>Background: Pre-processor</a:t>
             </a:r>
-            <a:endParaRPr lang="en-US" dirty="0" smtClean="0">
-              <a:latin typeface="Calibri Light"/>
-              <a:ea typeface="Yu Gothic" panose="020B0400000000000000" pitchFamily="34" charset="-128"/>
-              <a:cs typeface="Calibri Light"/>
-            </a:endParaRPr>
           </a:p>
         </p:txBody>
       </p:sp>
@@ -9236,270 +9417,25 @@
           </a:p>
         </p:txBody>
       </p:sp>
-    </p:spTree>
-    <p:extLst>
-      <p:ext uri="{BB962C8B-B14F-4D97-AF65-F5344CB8AC3E}">
-        <p14:creationId xmlns:p14="http://schemas.microsoft.com/office/powerpoint/2010/main" val="3956277636"/>
-      </p:ext>
-    </p:extLst>
-  </p:cSld>
-  <p:clrMapOvr>
-    <a:masterClrMapping/>
-  </p:clrMapOvr>
-  <p:timing>
-    <p:tnLst>
-      <p:par>
-        <p:cTn xmlns:p14="http://schemas.microsoft.com/office/powerpoint/2010/main" id="1" dur="indefinite" restart="never" nodeType="tmRoot"/>
-      </p:par>
-    </p:tnLst>
-  </p:timing>
-</p:sld>
-</file>
-
-<file path=ppt/slides/slide19.xml><?xml version="1.0" encoding="utf-8"?>
-<p:sld xmlns:a="http://schemas.openxmlformats.org/drawingml/2006/main" xmlns:r="http://schemas.openxmlformats.org/officeDocument/2006/relationships" xmlns:p="http://schemas.openxmlformats.org/presentationml/2006/main">
-  <p:cSld>
-    <p:spTree>
-      <p:nvGrpSpPr>
-        <p:cNvPr id="1" name=""/>
-        <p:cNvGrpSpPr/>
-        <p:nvPr/>
-      </p:nvGrpSpPr>
-      <p:grpSpPr>
-        <a:xfrm>
-          <a:off x="0" y="0"/>
-          <a:ext cx="0" cy="0"/>
-          <a:chOff x="0" y="0"/>
-          <a:chExt cx="0" cy="0"/>
-        </a:xfrm>
-      </p:grpSpPr>
-      <p:sp>
-        <p:nvSpPr>
-          <p:cNvPr id="2" name="Title 1"/>
-          <p:cNvSpPr>
-            <a:spLocks noGrp="1"/>
-          </p:cNvSpPr>
-          <p:nvPr>
-            <p:ph type="title"/>
-          </p:nvPr>
-        </p:nvSpPr>
-        <p:spPr/>
-        <p:txBody>
-          <a:bodyPr/>
-          <a:lstStyle/>
-          <a:p>
-            <a:r>
-              <a:rPr lang="en-US" dirty="0" smtClean="0">
-                <a:latin typeface="Calibri Light"/>
-                <a:ea typeface="Yu Gothic" panose="020B0400000000000000" pitchFamily="34" charset="-128"/>
-                <a:cs typeface="Calibri Light"/>
-              </a:rPr>
-              <a:t>Advancing Boundary Algorithm</a:t>
-            </a:r>
-            <a:endParaRPr lang="en-US" dirty="0">
-              <a:latin typeface="Calibri Light"/>
-              <a:ea typeface="Yu Gothic" panose="020B0400000000000000" pitchFamily="34" charset="-128"/>
-              <a:cs typeface="Calibri Light"/>
-            </a:endParaRPr>
-          </a:p>
-        </p:txBody>
-      </p:sp>
-      <p:sp>
-        <p:nvSpPr>
-          <p:cNvPr id="4" name="Slide Number Placeholder 3"/>
-          <p:cNvSpPr>
-            <a:spLocks noGrp="1"/>
-          </p:cNvSpPr>
-          <p:nvPr>
-            <p:ph type="sldNum" sz="quarter" idx="12"/>
-          </p:nvPr>
-        </p:nvSpPr>
-        <p:spPr>
-          <a:xfrm>
-            <a:off x="6553200" y="6356350"/>
-            <a:ext cx="2133600" cy="365125"/>
-          </a:xfrm>
-        </p:spPr>
-        <p:txBody>
-          <a:bodyPr/>
-          <a:lstStyle/>
-          <a:p>
-            <a:fld id="{48AF6223-66F3-D241-A5F9-F452865A7EAF}" type="slidenum">
-              <a:rPr lang="en-US" smtClean="0">
-                <a:latin typeface="Calibri Light"/>
-                <a:ea typeface="Yu Gothic" panose="020B0400000000000000" pitchFamily="34" charset="-128"/>
-                <a:cs typeface="Calibri Light"/>
-              </a:rPr>
-              <a:t>19</a:t>
-            </a:fld>
-            <a:endParaRPr lang="en-US">
-              <a:latin typeface="Calibri Light"/>
-              <a:ea typeface="Yu Gothic" panose="020B0400000000000000" pitchFamily="34" charset="-128"/>
-              <a:cs typeface="Calibri Light"/>
-            </a:endParaRPr>
-          </a:p>
-        </p:txBody>
-      </p:sp>
-      <p:sp>
-        <p:nvSpPr>
-          <p:cNvPr id="8" name="Footer Placeholder 8"/>
-          <p:cNvSpPr>
-            <a:spLocks noGrp="1"/>
-          </p:cNvSpPr>
-          <p:nvPr>
-            <p:ph type="ftr" sz="quarter" idx="11"/>
-          </p:nvPr>
-        </p:nvSpPr>
-        <p:spPr>
-          <a:xfrm>
-            <a:off x="2936527" y="6328436"/>
-            <a:ext cx="3616673" cy="365125"/>
-          </a:xfrm>
-        </p:spPr>
-        <p:txBody>
-          <a:bodyPr/>
-          <a:lstStyle/>
-          <a:p>
-            <a:r>
-              <a:rPr lang="en-US" dirty="0" smtClean="0">
-                <a:latin typeface="Calibri Light"/>
-                <a:cs typeface="Calibri Light"/>
-              </a:rPr>
-              <a:t>Parallel Computing: Final Project</a:t>
-            </a:r>
-          </a:p>
-          <a:p>
-            <a:r>
-              <a:rPr lang="en-US" dirty="0" smtClean="0">
-                <a:latin typeface="Calibri Light"/>
-                <a:cs typeface="Calibri Light"/>
-              </a:rPr>
-              <a:t>November 20, 2014</a:t>
-            </a:r>
-            <a:endParaRPr lang="en-US" dirty="0">
-              <a:latin typeface="Calibri Light"/>
-              <a:cs typeface="Calibri Light"/>
-            </a:endParaRPr>
-          </a:p>
-        </p:txBody>
-      </p:sp>
-      <p:pic>
-        <p:nvPicPr>
-          <p:cNvPr id="11" name="Picture 10" descr="preprocessor_diagram.png"/>
-          <p:cNvPicPr>
-            <a:picLocks noChangeAspect="1"/>
-          </p:cNvPicPr>
+      <p:sp>
+        <p:nvSpPr>
+          <p:cNvPr id="15" name="Rectangle 14"/>
+          <p:cNvSpPr/>
           <p:nvPr/>
-        </p:nvPicPr>
-        <p:blipFill>
-          <a:blip r:embed="rId2">
-            <a:extLst>
-              <a:ext uri="{28A0092B-C50C-407E-A947-70E740481C1C}">
-                <a14:useLocalDpi xmlns:a14="http://schemas.microsoft.com/office/drawing/2010/main" val="0"/>
-              </a:ext>
-            </a:extLst>
-          </a:blip>
-          <a:stretch>
-            <a:fillRect/>
-          </a:stretch>
-        </p:blipFill>
-        <p:spPr>
-          <a:xfrm>
-            <a:off x="0" y="2893393"/>
-            <a:ext cx="9144000" cy="1909823"/>
+        </p:nvSpPr>
+        <p:spPr>
+          <a:xfrm>
+            <a:off x="6323505" y="3604588"/>
+            <a:ext cx="1130251" cy="602902"/>
           </a:xfrm>
           <a:prstGeom prst="rect">
             <a:avLst/>
           </a:prstGeom>
-        </p:spPr>
-      </p:pic>
-      <p:sp>
-        <p:nvSpPr>
-          <p:cNvPr id="12" name="Content Placeholder 2"/>
-          <p:cNvSpPr>
-            <a:spLocks noGrp="1"/>
-          </p:cNvSpPr>
-          <p:nvPr>
-            <p:ph idx="1"/>
-          </p:nvPr>
-        </p:nvSpPr>
-        <p:spPr>
-          <a:xfrm>
-            <a:off x="457199" y="1530409"/>
-            <a:ext cx="8510399" cy="679097"/>
-          </a:xfrm>
-        </p:spPr>
-        <p:txBody>
-          <a:bodyPr/>
-          <a:lstStyle/>
-          <a:p>
-            <a:r>
-              <a:rPr lang="en-US" dirty="0" smtClean="0">
-                <a:latin typeface="Calibri Light"/>
-                <a:ea typeface="Yu Gothic" panose="020B0400000000000000" pitchFamily="34" charset="-128"/>
-                <a:cs typeface="Calibri Light"/>
-              </a:rPr>
-              <a:t>Background: Pre-processor</a:t>
-            </a:r>
-            <a:endParaRPr lang="en-US" dirty="0" smtClean="0">
-              <a:latin typeface="Calibri Light"/>
-              <a:ea typeface="Yu Gothic" panose="020B0400000000000000" pitchFamily="34" charset="-128"/>
-              <a:cs typeface="Calibri Light"/>
-            </a:endParaRPr>
-          </a:p>
-        </p:txBody>
-      </p:sp>
-      <p:sp>
-        <p:nvSpPr>
-          <p:cNvPr id="13" name="TextBox 12"/>
-          <p:cNvSpPr txBox="1"/>
-          <p:nvPr/>
-        </p:nvSpPr>
-        <p:spPr>
-          <a:xfrm>
-            <a:off x="833896" y="2239513"/>
-            <a:ext cx="5540925" cy="369332"/>
-          </a:xfrm>
-          <a:prstGeom prst="rect">
-            <a:avLst/>
-          </a:prstGeom>
-          <a:noFill/>
-        </p:spPr>
-        <p:txBody>
-          <a:bodyPr wrap="none" rtlCol="0">
-            <a:spAutoFit/>
-          </a:bodyPr>
-          <a:lstStyle/>
-          <a:p>
-            <a:r>
-              <a:rPr lang="en-US" dirty="0" smtClean="0">
-                <a:latin typeface="Calibri Light"/>
-                <a:cs typeface="Calibri Light"/>
-              </a:rPr>
-              <a:t>Goal: create a smaller subset of faces that need searched</a:t>
-            </a:r>
-            <a:endParaRPr lang="en-US" dirty="0">
-              <a:latin typeface="Calibri Light"/>
-              <a:cs typeface="Calibri Light"/>
-            </a:endParaRPr>
-          </a:p>
-        </p:txBody>
-      </p:sp>
-      <p:sp>
-        <p:nvSpPr>
-          <p:cNvPr id="15" name="Rectangle 14"/>
-          <p:cNvSpPr/>
-          <p:nvPr/>
-        </p:nvSpPr>
-        <p:spPr>
-          <a:xfrm>
-            <a:off x="6374821" y="3219748"/>
-            <a:ext cx="1130251" cy="602902"/>
-          </a:xfrm>
-          <a:prstGeom prst="rect">
-            <a:avLst/>
-          </a:prstGeom>
-          <a:noFill/>
+          <a:solidFill>
+            <a:schemeClr val="tx1">
+              <a:alpha val="28000"/>
+            </a:schemeClr>
+          </a:solidFill>
           <a:ln>
             <a:solidFill>
               <a:schemeClr val="tx1"/>
@@ -9538,8 +9474,8 @@
         </p:nvCxnSpPr>
         <p:spPr>
           <a:xfrm flipH="1" flipV="1">
-            <a:off x="5181670" y="3092377"/>
-            <a:ext cx="2323402" cy="127371"/>
+            <a:off x="5181670" y="3092378"/>
+            <a:ext cx="2272086" cy="512210"/>
           </a:xfrm>
           <a:prstGeom prst="line">
             <a:avLst/>
@@ -9574,8 +9510,8 @@
         </p:nvCxnSpPr>
         <p:spPr>
           <a:xfrm flipH="1">
-            <a:off x="5181670" y="3822650"/>
-            <a:ext cx="2323402" cy="1595902"/>
+            <a:off x="5181670" y="4207490"/>
+            <a:ext cx="2272086" cy="1211062"/>
           </a:xfrm>
           <a:prstGeom prst="line">
             <a:avLst/>
@@ -9610,8 +9546,8 @@
         </p:nvCxnSpPr>
         <p:spPr>
           <a:xfrm flipH="1" flipV="1">
-            <a:off x="691384" y="3092378"/>
-            <a:ext cx="5683437" cy="127370"/>
+            <a:off x="691385" y="3092378"/>
+            <a:ext cx="5632120" cy="512210"/>
           </a:xfrm>
           <a:prstGeom prst="line">
             <a:avLst/>
@@ -9646,8 +9582,8 @@
         </p:nvCxnSpPr>
         <p:spPr>
           <a:xfrm flipH="1">
-            <a:off x="691383" y="3822650"/>
-            <a:ext cx="5683438" cy="1595902"/>
+            <a:off x="691383" y="4207490"/>
+            <a:ext cx="5632122" cy="1211062"/>
           </a:xfrm>
           <a:prstGeom prst="line">
             <a:avLst/>
@@ -9708,6 +9644,63 @@
           </a:ln>
         </p:spPr>
       </p:pic>
+      <p:sp>
+        <p:nvSpPr>
+          <p:cNvPr id="18" name="Footer Placeholder 8"/>
+          <p:cNvSpPr>
+            <a:spLocks noGrp="1"/>
+          </p:cNvSpPr>
+          <p:nvPr>
+            <p:ph type="ftr" sz="quarter" idx="11"/>
+          </p:nvPr>
+        </p:nvSpPr>
+        <p:spPr>
+          <a:xfrm>
+            <a:off x="2936527" y="6328436"/>
+            <a:ext cx="3616673" cy="365125"/>
+          </a:xfrm>
+        </p:spPr>
+        <p:txBody>
+          <a:bodyPr/>
+          <a:lstStyle/>
+          <a:p>
+            <a:r>
+              <a:rPr lang="en-US" dirty="0" smtClean="0">
+                <a:latin typeface="Calibri Light"/>
+                <a:cs typeface="Calibri Light"/>
+              </a:rPr>
+              <a:t>Parallel Computing: Final Project</a:t>
+            </a:r>
+          </a:p>
+          <a:p>
+            <a:r>
+              <a:rPr lang="en-US" dirty="0" smtClean="0">
+                <a:latin typeface="Calibri Light"/>
+                <a:cs typeface="Calibri Light"/>
+              </a:rPr>
+              <a:t>November </a:t>
+            </a:r>
+            <a:r>
+              <a:rPr lang="en-US" dirty="0" smtClean="0">
+                <a:latin typeface="Calibri Light"/>
+                <a:cs typeface="Calibri Light"/>
+              </a:rPr>
+              <a:t>24, </a:t>
+            </a:r>
+            <a:r>
+              <a:rPr lang="en-US" dirty="0" smtClean="0">
+                <a:latin typeface="Calibri Light"/>
+                <a:cs typeface="Calibri Light"/>
+              </a:rPr>
+              <a:t>2014</a:t>
+            </a:r>
+            <a:endParaRPr lang="en-US" dirty="0">
+              <a:latin typeface="Calibri Light"/>
+              <a:cs typeface="Calibri Light"/>
+            </a:endParaRPr>
+          </a:p>
+        </p:txBody>
+      </p:sp>
     </p:spTree>
     <p:extLst>
       <p:ext uri="{BB962C8B-B14F-4D97-AF65-F5344CB8AC3E}">
@@ -9722,6 +9715,393 @@
     <p:tnLst>
       <p:par>
         <p:cTn xmlns:p14="http://schemas.microsoft.com/office/powerpoint/2010/main" id="1" dur="indefinite" restart="never" nodeType="tmRoot"/>
+      </p:par>
+    </p:tnLst>
+  </p:timing>
+</p:sld>
+</file>
+
+<file path=ppt/slides/slide19.xml><?xml version="1.0" encoding="utf-8"?>
+<p:sld xmlns:a="http://schemas.openxmlformats.org/drawingml/2006/main" xmlns:r="http://schemas.openxmlformats.org/officeDocument/2006/relationships" xmlns:p="http://schemas.openxmlformats.org/presentationml/2006/main">
+  <p:cSld>
+    <p:spTree>
+      <p:nvGrpSpPr>
+        <p:cNvPr id="1" name=""/>
+        <p:cNvGrpSpPr/>
+        <p:nvPr/>
+      </p:nvGrpSpPr>
+      <p:grpSpPr>
+        <a:xfrm>
+          <a:off x="0" y="0"/>
+          <a:ext cx="0" cy="0"/>
+          <a:chOff x="0" y="0"/>
+          <a:chExt cx="0" cy="0"/>
+        </a:xfrm>
+      </p:grpSpPr>
+      <p:sp>
+        <p:nvSpPr>
+          <p:cNvPr id="2" name="Title 1"/>
+          <p:cNvSpPr>
+            <a:spLocks noGrp="1"/>
+          </p:cNvSpPr>
+          <p:nvPr>
+            <p:ph type="title"/>
+          </p:nvPr>
+        </p:nvSpPr>
+        <p:spPr/>
+        <p:txBody>
+          <a:bodyPr/>
+          <a:lstStyle/>
+          <a:p>
+            <a:r>
+              <a:rPr lang="en-US" dirty="0" smtClean="0">
+                <a:latin typeface="Calibri Light"/>
+                <a:ea typeface="Yu Gothic" panose="020B0400000000000000" pitchFamily="34" charset="-128"/>
+                <a:cs typeface="Calibri Light"/>
+              </a:rPr>
+              <a:t>Advancing </a:t>
+            </a:r>
+            <a:r>
+              <a:rPr lang="en-US" dirty="0" smtClean="0">
+                <a:latin typeface="Calibri Light"/>
+                <a:ea typeface="Yu Gothic" panose="020B0400000000000000" pitchFamily="34" charset="-128"/>
+                <a:cs typeface="Calibri Light"/>
+              </a:rPr>
+              <a:t>boundary </a:t>
+            </a:r>
+            <a:r>
+              <a:rPr lang="en-US" dirty="0">
+                <a:latin typeface="Calibri Light"/>
+                <a:ea typeface="Yu Gothic" panose="020B0400000000000000" pitchFamily="34" charset="-128"/>
+                <a:cs typeface="Calibri Light"/>
+              </a:rPr>
+              <a:t>a</a:t>
+            </a:r>
+            <a:r>
+              <a:rPr lang="en-US" dirty="0" smtClean="0">
+                <a:latin typeface="Calibri Light"/>
+                <a:ea typeface="Yu Gothic" panose="020B0400000000000000" pitchFamily="34" charset="-128"/>
+                <a:cs typeface="Calibri Light"/>
+              </a:rPr>
+              <a:t>lgorithm</a:t>
+            </a:r>
+            <a:endParaRPr lang="en-US" dirty="0">
+              <a:latin typeface="Calibri Light"/>
+              <a:ea typeface="Yu Gothic" panose="020B0400000000000000" pitchFamily="34" charset="-128"/>
+              <a:cs typeface="Calibri Light"/>
+            </a:endParaRPr>
+          </a:p>
+        </p:txBody>
+      </p:sp>
+      <p:sp>
+        <p:nvSpPr>
+          <p:cNvPr id="4" name="Slide Number Placeholder 3"/>
+          <p:cNvSpPr>
+            <a:spLocks noGrp="1"/>
+          </p:cNvSpPr>
+          <p:nvPr>
+            <p:ph type="sldNum" sz="quarter" idx="12"/>
+          </p:nvPr>
+        </p:nvSpPr>
+        <p:spPr>
+          <a:xfrm>
+            <a:off x="6553200" y="6356350"/>
+            <a:ext cx="2133600" cy="365125"/>
+          </a:xfrm>
+        </p:spPr>
+        <p:txBody>
+          <a:bodyPr/>
+          <a:lstStyle/>
+          <a:p>
+            <a:fld id="{48AF6223-66F3-D241-A5F9-F452865A7EAF}" type="slidenum">
+              <a:rPr lang="en-US" smtClean="0">
+                <a:latin typeface="Calibri Light"/>
+                <a:ea typeface="Yu Gothic" panose="020B0400000000000000" pitchFamily="34" charset="-128"/>
+                <a:cs typeface="Calibri Light"/>
+              </a:rPr>
+              <a:t>19</a:t>
+            </a:fld>
+            <a:endParaRPr lang="en-US">
+              <a:latin typeface="Calibri Light"/>
+              <a:ea typeface="Yu Gothic" panose="020B0400000000000000" pitchFamily="34" charset="-128"/>
+              <a:cs typeface="Calibri Light"/>
+            </a:endParaRPr>
+          </a:p>
+        </p:txBody>
+      </p:sp>
+      <p:sp>
+        <p:nvSpPr>
+          <p:cNvPr id="12" name="Content Placeholder 2"/>
+          <p:cNvSpPr>
+            <a:spLocks noGrp="1"/>
+          </p:cNvSpPr>
+          <p:nvPr>
+            <p:ph idx="1"/>
+          </p:nvPr>
+        </p:nvSpPr>
+        <p:spPr>
+          <a:xfrm>
+            <a:off x="457199" y="1530409"/>
+            <a:ext cx="8510399" cy="679097"/>
+          </a:xfrm>
+        </p:spPr>
+        <p:txBody>
+          <a:bodyPr/>
+          <a:lstStyle/>
+          <a:p>
+            <a:r>
+              <a:rPr lang="en-US" dirty="0" smtClean="0">
+                <a:latin typeface="Calibri Light"/>
+                <a:ea typeface="Yu Gothic" panose="020B0400000000000000" pitchFamily="34" charset="-128"/>
+                <a:cs typeface="Calibri Light"/>
+              </a:rPr>
+              <a:t>Background: GPU-Kernel</a:t>
+            </a:r>
+          </a:p>
+        </p:txBody>
+      </p:sp>
+      <p:pic>
+        <p:nvPicPr>
+          <p:cNvPr id="6" name="Picture 5" descr="algorithm_diagram.png"/>
+          <p:cNvPicPr>
+            <a:picLocks noChangeAspect="1"/>
+          </p:cNvPicPr>
+          <p:nvPr/>
+        </p:nvPicPr>
+        <p:blipFill rotWithShape="1">
+          <a:blip r:embed="rId2">
+            <a:extLst>
+              <a:ext uri="{28A0092B-C50C-407E-A947-70E740481C1C}">
+                <a14:useLocalDpi xmlns:a14="http://schemas.microsoft.com/office/drawing/2010/main" val="0"/>
+              </a:ext>
+            </a:extLst>
+          </a:blip>
+          <a:srcRect r="76935" b="53396"/>
+          <a:stretch/>
+        </p:blipFill>
+        <p:spPr>
+          <a:xfrm>
+            <a:off x="1204588" y="2209506"/>
+            <a:ext cx="2644167" cy="3553483"/>
+          </a:xfrm>
+          <a:prstGeom prst="rect">
+            <a:avLst/>
+          </a:prstGeom>
+        </p:spPr>
+      </p:pic>
+      <p:pic>
+        <p:nvPicPr>
+          <p:cNvPr id="14" name="Picture 13" descr="algorithm_diagram.png"/>
+          <p:cNvPicPr>
+            <a:picLocks noChangeAspect="1"/>
+          </p:cNvPicPr>
+          <p:nvPr/>
+        </p:nvPicPr>
+        <p:blipFill rotWithShape="1">
+          <a:blip r:embed="rId2">
+            <a:extLst>
+              <a:ext uri="{28A0092B-C50C-407E-A947-70E740481C1C}">
+                <a14:useLocalDpi xmlns:a14="http://schemas.microsoft.com/office/drawing/2010/main" val="0"/>
+              </a:ext>
+            </a:extLst>
+          </a:blip>
+          <a:srcRect l="24562" r="52174" b="53396"/>
+          <a:stretch/>
+        </p:blipFill>
+        <p:spPr>
+          <a:xfrm>
+            <a:off x="5003382" y="2209506"/>
+            <a:ext cx="2666920" cy="3553483"/>
+          </a:xfrm>
+          <a:prstGeom prst="rect">
+            <a:avLst/>
+          </a:prstGeom>
+        </p:spPr>
+      </p:pic>
+      <p:sp>
+        <p:nvSpPr>
+          <p:cNvPr id="9" name="Footer Placeholder 8"/>
+          <p:cNvSpPr>
+            <a:spLocks noGrp="1"/>
+          </p:cNvSpPr>
+          <p:nvPr>
+            <p:ph type="ftr" sz="quarter" idx="11"/>
+          </p:nvPr>
+        </p:nvSpPr>
+        <p:spPr>
+          <a:xfrm>
+            <a:off x="2936527" y="6328436"/>
+            <a:ext cx="3616673" cy="365125"/>
+          </a:xfrm>
+        </p:spPr>
+        <p:txBody>
+          <a:bodyPr/>
+          <a:lstStyle/>
+          <a:p>
+            <a:r>
+              <a:rPr lang="en-US" dirty="0" smtClean="0">
+                <a:latin typeface="Calibri Light"/>
+                <a:cs typeface="Calibri Light"/>
+              </a:rPr>
+              <a:t>Parallel Computing: Final Project</a:t>
+            </a:r>
+          </a:p>
+          <a:p>
+            <a:r>
+              <a:rPr lang="en-US" dirty="0" smtClean="0">
+                <a:latin typeface="Calibri Light"/>
+                <a:cs typeface="Calibri Light"/>
+              </a:rPr>
+              <a:t>November </a:t>
+            </a:r>
+            <a:r>
+              <a:rPr lang="en-US" dirty="0" smtClean="0">
+                <a:latin typeface="Calibri Light"/>
+                <a:cs typeface="Calibri Light"/>
+              </a:rPr>
+              <a:t>24, </a:t>
+            </a:r>
+            <a:r>
+              <a:rPr lang="en-US" dirty="0" smtClean="0">
+                <a:latin typeface="Calibri Light"/>
+                <a:cs typeface="Calibri Light"/>
+              </a:rPr>
+              <a:t>2014</a:t>
+            </a:r>
+            <a:endParaRPr lang="en-US" dirty="0">
+              <a:latin typeface="Calibri Light"/>
+              <a:cs typeface="Calibri Light"/>
+            </a:endParaRPr>
+          </a:p>
+        </p:txBody>
+      </p:sp>
+    </p:spTree>
+    <p:extLst>
+      <p:ext uri="{BB962C8B-B14F-4D97-AF65-F5344CB8AC3E}">
+        <p14:creationId xmlns:p14="http://schemas.microsoft.com/office/powerpoint/2010/main" val="1219168344"/>
+      </p:ext>
+    </p:extLst>
+  </p:cSld>
+  <p:clrMapOvr>
+    <a:masterClrMapping/>
+  </p:clrMapOvr>
+  <p:timing>
+    <p:tnLst>
+      <p:par>
+        <p:cTn xmlns:p14="http://schemas.microsoft.com/office/powerpoint/2010/main" id="1" dur="indefinite" restart="never" nodeType="tmRoot">
+          <p:childTnLst>
+            <p:seq concurrent="1" nextAc="seek">
+              <p:cTn id="2" dur="indefinite" nodeType="mainSeq">
+                <p:childTnLst>
+                  <p:par>
+                    <p:cTn id="3" fill="hold">
+                      <p:stCondLst>
+                        <p:cond delay="indefinite"/>
+                      </p:stCondLst>
+                      <p:childTnLst>
+                        <p:par>
+                          <p:cTn id="4" fill="hold">
+                            <p:stCondLst>
+                              <p:cond delay="0"/>
+                            </p:stCondLst>
+                            <p:childTnLst>
+                              <p:par>
+                                <p:cTn id="5" presetID="1" presetClass="entr" presetSubtype="0" fill="hold" nodeType="clickEffect">
+                                  <p:stCondLst>
+                                    <p:cond delay="0"/>
+                                  </p:stCondLst>
+                                  <p:childTnLst>
+                                    <p:set>
+                                      <p:cBhvr>
+                                        <p:cTn id="6" dur="1" fill="hold">
+                                          <p:stCondLst>
+                                            <p:cond delay="0"/>
+                                          </p:stCondLst>
+                                        </p:cTn>
+                                        <p:tgtEl>
+                                          <p:spTgt spid="6"/>
+                                        </p:tgtEl>
+                                        <p:attrNameLst>
+                                          <p:attrName>style.visibility</p:attrName>
+                                        </p:attrNameLst>
+                                      </p:cBhvr>
+                                      <p:to>
+                                        <p:strVal val="visible"/>
+                                      </p:to>
+                                    </p:set>
+                                  </p:childTnLst>
+                                </p:cTn>
+                              </p:par>
+                            </p:childTnLst>
+                          </p:cTn>
+                        </p:par>
+                      </p:childTnLst>
+                    </p:cTn>
+                  </p:par>
+                  <p:par>
+                    <p:cTn id="7" fill="hold">
+                      <p:stCondLst>
+                        <p:cond delay="indefinite"/>
+                      </p:stCondLst>
+                      <p:childTnLst>
+                        <p:par>
+                          <p:cTn id="8" fill="hold">
+                            <p:stCondLst>
+                              <p:cond delay="0"/>
+                            </p:stCondLst>
+                            <p:childTnLst>
+                              <p:par>
+                                <p:cTn id="9" presetID="1" presetClass="entr" presetSubtype="0" fill="hold" nodeType="clickEffect">
+                                  <p:stCondLst>
+                                    <p:cond delay="0"/>
+                                  </p:stCondLst>
+                                  <p:childTnLst>
+                                    <p:set>
+                                      <p:cBhvr>
+                                        <p:cTn id="10" dur="1" fill="hold">
+                                          <p:stCondLst>
+                                            <p:cond delay="0"/>
+                                          </p:stCondLst>
+                                        </p:cTn>
+                                        <p:tgtEl>
+                                          <p:spTgt spid="14"/>
+                                        </p:tgtEl>
+                                        <p:attrNameLst>
+                                          <p:attrName>style.visibility</p:attrName>
+                                        </p:attrNameLst>
+                                      </p:cBhvr>
+                                      <p:to>
+                                        <p:strVal val="visible"/>
+                                      </p:to>
+                                    </p:set>
+                                  </p:childTnLst>
+                                </p:cTn>
+                              </p:par>
+                            </p:childTnLst>
+                          </p:cTn>
+                        </p:par>
+                      </p:childTnLst>
+                    </p:cTn>
+                  </p:par>
+                </p:childTnLst>
+              </p:cTn>
+              <p:prevCondLst>
+                <p:cond evt="onPrev" delay="0">
+                  <p:tgtEl>
+                    <p:sldTgt/>
+                  </p:tgtEl>
+                </p:cond>
+              </p:prevCondLst>
+              <p:nextCondLst>
+                <p:cond evt="onNext" delay="0">
+                  <p:tgtEl>
+                    <p:sldTgt/>
+                  </p:tgtEl>
+                </p:cond>
+              </p:nextCondLst>
+            </p:seq>
+          </p:childTnLst>
+        </p:cTn>
       </p:par>
     </p:tnLst>
   </p:timing>
@@ -9788,8 +10168,8 @@
         </p:nvSpPr>
         <p:spPr>
           <a:xfrm>
-            <a:off x="1060172" y="1949119"/>
-            <a:ext cx="5931734" cy="3005529"/>
+            <a:off x="1060172" y="2218507"/>
+            <a:ext cx="5931734" cy="2566225"/>
           </a:xfrm>
         </p:spPr>
         <p:txBody>
@@ -9806,11 +10186,6 @@
               </a:rPr>
               <a:t>Background</a:t>
             </a:r>
-            <a:endParaRPr lang="en-US" sz="2800" dirty="0" smtClean="0">
-              <a:latin typeface="Calibri Light"/>
-              <a:ea typeface="Yu Gothic" panose="020B0400000000000000" pitchFamily="34" charset="-128"/>
-              <a:cs typeface="Calibri Light"/>
-            </a:endParaRPr>
           </a:p>
           <a:p>
             <a:endParaRPr lang="en-US" sz="1100" dirty="0">
@@ -9833,21 +10208,8 @@
                 <a:ea typeface="Yu Gothic" panose="020B0400000000000000" pitchFamily="34" charset="-128"/>
                 <a:cs typeface="Calibri Light"/>
               </a:rPr>
-              <a:t>Brute-force </a:t>
-            </a:r>
-            <a:r>
-              <a:rPr lang="en-US" sz="2800" dirty="0" smtClean="0">
-                <a:latin typeface="Calibri Light"/>
-                <a:ea typeface="Yu Gothic" panose="020B0400000000000000" pitchFamily="34" charset="-128"/>
-                <a:cs typeface="Calibri Light"/>
-              </a:rPr>
-              <a:t>algorithm</a:t>
-            </a:r>
-            <a:endParaRPr lang="en-US" sz="2800" dirty="0" smtClean="0">
-              <a:latin typeface="Calibri Light"/>
-              <a:ea typeface="Yu Gothic" panose="020B0400000000000000" pitchFamily="34" charset="-128"/>
-              <a:cs typeface="Calibri Light"/>
-            </a:endParaRPr>
+              <a:t>Brute-force algorithm</a:t>
+            </a:r>
           </a:p>
           <a:p>
             <a:endParaRPr lang="en-US" sz="1100" dirty="0">
@@ -9880,11 +10242,6 @@
               </a:rPr>
               <a:t>algorithm</a:t>
             </a:r>
-            <a:endParaRPr lang="en-US" sz="2800" dirty="0" smtClean="0">
-              <a:latin typeface="Calibri Light"/>
-              <a:ea typeface="Yu Gothic" panose="020B0400000000000000" pitchFamily="34" charset="-128"/>
-              <a:cs typeface="Calibri Light"/>
-            </a:endParaRPr>
           </a:p>
           <a:p>
             <a:endParaRPr lang="en-US" sz="2800" dirty="0">
@@ -9894,7 +10251,10 @@
             </a:endParaRPr>
           </a:p>
           <a:p>
-            <a:endParaRPr lang="en-US" sz="2800" dirty="0">
+            <a:pPr marL="0" indent="0">
+              <a:buNone/>
+            </a:pPr>
+            <a:endParaRPr lang="en-US" sz="2800" dirty="0" smtClean="0">
               <a:latin typeface="Calibri Light"/>
               <a:ea typeface="Yu Gothic" panose="020B0400000000000000" pitchFamily="34" charset="-128"/>
               <a:cs typeface="Calibri Light"/>
@@ -9940,7 +10300,7 @@
       </p:sp>
       <p:sp>
         <p:nvSpPr>
-          <p:cNvPr id="8" name="Footer Placeholder 8"/>
+          <p:cNvPr id="6" name="Footer Placeholder 8"/>
           <p:cNvSpPr>
             <a:spLocks noGrp="1"/>
           </p:cNvSpPr>
@@ -9972,7 +10332,21 @@
                 <a:latin typeface="Calibri Light"/>
                 <a:cs typeface="Calibri Light"/>
               </a:rPr>
-              <a:t>November 20, 2014</a:t>
+              <a:t>November </a:t>
+            </a:r>
+            <a:r>
+              <a:rPr lang="en-US" dirty="0" smtClean="0">
+                <a:latin typeface="Calibri Light"/>
+                <a:cs typeface="Calibri Light"/>
+              </a:rPr>
+              <a:t>24, </a:t>
+            </a:r>
+            <a:r>
+              <a:rPr lang="en-US" dirty="0" smtClean="0">
+                <a:latin typeface="Calibri Light"/>
+                <a:cs typeface="Calibri Light"/>
+              </a:rPr>
+              <a:t>2014</a:t>
             </a:r>
             <a:endParaRPr lang="en-US" dirty="0">
               <a:latin typeface="Calibri Light"/>
@@ -9994,9 +10368,182 @@
   <p:timing>
     <p:tnLst>
       <p:par>
-        <p:cTn xmlns:p14="http://schemas.microsoft.com/office/powerpoint/2010/main" id="1" dur="indefinite" restart="never" nodeType="tmRoot"/>
+        <p:cTn xmlns:p14="http://schemas.microsoft.com/office/powerpoint/2010/main" id="1" dur="indefinite" restart="never" nodeType="tmRoot">
+          <p:childTnLst>
+            <p:seq concurrent="1" nextAc="seek">
+              <p:cTn id="2" dur="indefinite" nodeType="mainSeq">
+                <p:childTnLst>
+                  <p:par>
+                    <p:cTn id="3" fill="hold">
+                      <p:stCondLst>
+                        <p:cond delay="indefinite"/>
+                      </p:stCondLst>
+                      <p:childTnLst>
+                        <p:par>
+                          <p:cTn id="4" fill="hold">
+                            <p:stCondLst>
+                              <p:cond delay="0"/>
+                            </p:stCondLst>
+                            <p:childTnLst>
+                              <p:par>
+                                <p:cTn id="5" presetID="1" presetClass="entr" presetSubtype="0" fill="hold" grpId="0" nodeType="clickEffect">
+                                  <p:stCondLst>
+                                    <p:cond delay="0"/>
+                                  </p:stCondLst>
+                                  <p:childTnLst>
+                                    <p:set>
+                                      <p:cBhvr>
+                                        <p:cTn id="6" dur="1" fill="hold">
+                                          <p:stCondLst>
+                                            <p:cond delay="0"/>
+                                          </p:stCondLst>
+                                        </p:cTn>
+                                        <p:tgtEl>
+                                          <p:spTgt spid="3">
+                                            <p:txEl>
+                                              <p:pRg st="0" end="0"/>
+                                            </p:txEl>
+                                          </p:spTgt>
+                                        </p:tgtEl>
+                                        <p:attrNameLst>
+                                          <p:attrName>style.visibility</p:attrName>
+                                        </p:attrNameLst>
+                                      </p:cBhvr>
+                                      <p:to>
+                                        <p:strVal val="visible"/>
+                                      </p:to>
+                                    </p:set>
+                                  </p:childTnLst>
+                                </p:cTn>
+                              </p:par>
+                            </p:childTnLst>
+                          </p:cTn>
+                        </p:par>
+                      </p:childTnLst>
+                    </p:cTn>
+                  </p:par>
+                  <p:par>
+                    <p:cTn id="7" fill="hold">
+                      <p:stCondLst>
+                        <p:cond delay="indefinite"/>
+                      </p:stCondLst>
+                      <p:childTnLst>
+                        <p:par>
+                          <p:cTn id="8" fill="hold">
+                            <p:stCondLst>
+                              <p:cond delay="0"/>
+                            </p:stCondLst>
+                            <p:childTnLst>
+                              <p:par>
+                                <p:cTn id="9" presetID="1" presetClass="entr" presetSubtype="0" fill="hold" grpId="0" nodeType="clickEffect">
+                                  <p:stCondLst>
+                                    <p:cond delay="0"/>
+                                  </p:stCondLst>
+                                  <p:childTnLst>
+                                    <p:set>
+                                      <p:cBhvr>
+                                        <p:cTn id="10" dur="1" fill="hold">
+                                          <p:stCondLst>
+                                            <p:cond delay="0"/>
+                                          </p:stCondLst>
+                                        </p:cTn>
+                                        <p:tgtEl>
+                                          <p:spTgt spid="3">
+                                            <p:txEl>
+                                              <p:pRg st="3" end="3"/>
+                                            </p:txEl>
+                                          </p:spTgt>
+                                        </p:tgtEl>
+                                        <p:attrNameLst>
+                                          <p:attrName>style.visibility</p:attrName>
+                                        </p:attrNameLst>
+                                      </p:cBhvr>
+                                      <p:to>
+                                        <p:strVal val="visible"/>
+                                      </p:to>
+                                    </p:set>
+                                  </p:childTnLst>
+                                </p:cTn>
+                              </p:par>
+                            </p:childTnLst>
+                          </p:cTn>
+                        </p:par>
+                      </p:childTnLst>
+                    </p:cTn>
+                  </p:par>
+                  <p:par>
+                    <p:cTn id="11" fill="hold">
+                      <p:stCondLst>
+                        <p:cond delay="indefinite"/>
+                      </p:stCondLst>
+                      <p:childTnLst>
+                        <p:par>
+                          <p:cTn id="12" fill="hold">
+                            <p:stCondLst>
+                              <p:cond delay="0"/>
+                            </p:stCondLst>
+                            <p:childTnLst>
+                              <p:par>
+                                <p:cTn id="13" presetID="1" presetClass="entr" presetSubtype="0" fill="hold" grpId="0" nodeType="clickEffect">
+                                  <p:stCondLst>
+                                    <p:cond delay="0"/>
+                                  </p:stCondLst>
+                                  <p:childTnLst>
+                                    <p:set>
+                                      <p:cBhvr>
+                                        <p:cTn id="14" dur="1" fill="hold">
+                                          <p:stCondLst>
+                                            <p:cond delay="0"/>
+                                          </p:stCondLst>
+                                        </p:cTn>
+                                        <p:tgtEl>
+                                          <p:spTgt spid="3">
+                                            <p:txEl>
+                                              <p:pRg st="6" end="6"/>
+                                            </p:txEl>
+                                          </p:spTgt>
+                                        </p:tgtEl>
+                                        <p:attrNameLst>
+                                          <p:attrName>style.visibility</p:attrName>
+                                        </p:attrNameLst>
+                                      </p:cBhvr>
+                                      <p:to>
+                                        <p:strVal val="visible"/>
+                                      </p:to>
+                                    </p:set>
+                                  </p:childTnLst>
+                                </p:cTn>
+                              </p:par>
+                            </p:childTnLst>
+                          </p:cTn>
+                        </p:par>
+                      </p:childTnLst>
+                    </p:cTn>
+                  </p:par>
+                </p:childTnLst>
+              </p:cTn>
+              <p:prevCondLst>
+                <p:cond evt="onPrev" delay="0">
+                  <p:tgtEl>
+                    <p:sldTgt/>
+                  </p:tgtEl>
+                </p:cond>
+              </p:prevCondLst>
+              <p:nextCondLst>
+                <p:cond evt="onNext" delay="0">
+                  <p:tgtEl>
+                    <p:sldTgt/>
+                  </p:tgtEl>
+                </p:cond>
+              </p:nextCondLst>
+            </p:seq>
+          </p:childTnLst>
+        </p:cTn>
       </p:par>
     </p:tnLst>
+    <p:bldLst>
+      <p:bldP spid="3" grpId="0" build="p"/>
+    </p:bldLst>
   </p:timing>
 </p:sld>
 </file>
@@ -10039,7 +10586,31 @@
                 <a:ea typeface="Yu Gothic" panose="020B0400000000000000" pitchFamily="34" charset="-128"/>
                 <a:cs typeface="Calibri Light"/>
               </a:rPr>
-              <a:t>Advancing Boundary Algorithm</a:t>
+              <a:t>Advancing </a:t>
+            </a:r>
+            <a:r>
+              <a:rPr lang="en-US" dirty="0" smtClean="0">
+                <a:latin typeface="Calibri Light"/>
+                <a:ea typeface="Yu Gothic" panose="020B0400000000000000" pitchFamily="34" charset="-128"/>
+                <a:cs typeface="Calibri Light"/>
+              </a:rPr>
+              <a:t>boundary </a:t>
+            </a:r>
+            <a:r>
+              <a:rPr lang="en-US" dirty="0">
+                <a:latin typeface="Calibri Light"/>
+                <a:ea typeface="Yu Gothic" panose="020B0400000000000000" pitchFamily="34" charset="-128"/>
+                <a:cs typeface="Calibri Light"/>
+              </a:rPr>
+              <a:t>a</a:t>
+            </a:r>
+            <a:r>
+              <a:rPr lang="en-US" dirty="0" smtClean="0">
+                <a:latin typeface="Calibri Light"/>
+                <a:ea typeface="Yu Gothic" panose="020B0400000000000000" pitchFamily="34" charset="-128"/>
+                <a:cs typeface="Calibri Light"/>
+              </a:rPr>
+              <a:t>lgorithm</a:t>
             </a:r>
             <a:endParaRPr lang="en-US" dirty="0">
               <a:latin typeface="Calibri Light"/>
@@ -10087,49 +10658,6 @@
       </p:sp>
       <p:sp>
         <p:nvSpPr>
-          <p:cNvPr id="8" name="Footer Placeholder 8"/>
-          <p:cNvSpPr>
-            <a:spLocks noGrp="1"/>
-          </p:cNvSpPr>
-          <p:nvPr>
-            <p:ph type="ftr" sz="quarter" idx="11"/>
-          </p:nvPr>
-        </p:nvSpPr>
-        <p:spPr>
-          <a:xfrm>
-            <a:off x="2936527" y="6328436"/>
-            <a:ext cx="3616673" cy="365125"/>
-          </a:xfrm>
-        </p:spPr>
-        <p:txBody>
-          <a:bodyPr/>
-          <a:lstStyle/>
-          <a:p>
-            <a:r>
-              <a:rPr lang="en-US" dirty="0" smtClean="0">
-                <a:latin typeface="Calibri Light"/>
-                <a:cs typeface="Calibri Light"/>
-              </a:rPr>
-              <a:t>Parallel Computing: Final Project</a:t>
-            </a:r>
-          </a:p>
-          <a:p>
-            <a:r>
-              <a:rPr lang="en-US" dirty="0" smtClean="0">
-                <a:latin typeface="Calibri Light"/>
-                <a:cs typeface="Calibri Light"/>
-              </a:rPr>
-              <a:t>November 20, 2014</a:t>
-            </a:r>
-            <a:endParaRPr lang="en-US" dirty="0">
-              <a:latin typeface="Calibri Light"/>
-              <a:cs typeface="Calibri Light"/>
-            </a:endParaRPr>
-          </a:p>
-        </p:txBody>
-      </p:sp>
-      <p:sp>
-        <p:nvSpPr>
           <p:cNvPr id="12" name="Content Placeholder 2"/>
           <p:cNvSpPr>
             <a:spLocks noGrp="1"/>
@@ -10156,17 +10684,12 @@
               </a:rPr>
               <a:t>Background: GPU-Kernel</a:t>
             </a:r>
-            <a:endParaRPr lang="en-US" dirty="0" smtClean="0">
-              <a:latin typeface="Calibri Light"/>
-              <a:ea typeface="Yu Gothic" panose="020B0400000000000000" pitchFamily="34" charset="-128"/>
-              <a:cs typeface="Calibri Light"/>
-            </a:endParaRPr>
           </a:p>
         </p:txBody>
       </p:sp>
       <p:pic>
         <p:nvPicPr>
-          <p:cNvPr id="6" name="Picture 5" descr="algorithm_diagram.png"/>
+          <p:cNvPr id="3" name="Picture 2" descr="algorithm_diagram.png"/>
           <p:cNvPicPr>
             <a:picLocks noChangeAspect="1"/>
           </p:cNvPicPr>
@@ -10180,13 +10703,13 @@
               </a:ext>
             </a:extLst>
           </a:blip>
-          <a:srcRect r="76935" b="53396"/>
+          <a:srcRect l="49667" b="53388"/>
           <a:stretch/>
         </p:blipFill>
         <p:spPr>
           <a:xfrm>
-            <a:off x="1204588" y="2209506"/>
-            <a:ext cx="2644167" cy="3553483"/>
+            <a:off x="814900" y="2475742"/>
+            <a:ext cx="5018983" cy="3091472"/>
           </a:xfrm>
           <a:prstGeom prst="rect">
             <a:avLst/>
@@ -10195,37 +10718,191 @@
       </p:pic>
       <p:pic>
         <p:nvPicPr>
-          <p:cNvPr id="14" name="Picture 13" descr="algorithm_diagram.png"/>
+          <p:cNvPr id="5" name="Picture 4" descr="Screen Shot 2014-11-22 at 4.16.48 PM.png"/>
           <p:cNvPicPr>
             <a:picLocks noChangeAspect="1"/>
           </p:cNvPicPr>
           <p:nvPr/>
         </p:nvPicPr>
-        <p:blipFill rotWithShape="1">
-          <a:blip r:embed="rId2">
+        <p:blipFill>
+          <a:blip r:embed="rId3">
             <a:extLst>
               <a:ext uri="{28A0092B-C50C-407E-A947-70E740481C1C}">
                 <a14:useLocalDpi xmlns:a14="http://schemas.microsoft.com/office/drawing/2010/main" val="0"/>
               </a:ext>
             </a:extLst>
           </a:blip>
-          <a:srcRect l="24562" r="52174" b="53396"/>
-          <a:stretch/>
+          <a:stretch>
+            <a:fillRect/>
+          </a:stretch>
         </p:blipFill>
         <p:spPr>
           <a:xfrm>
-            <a:off x="5003382" y="2209506"/>
-            <a:ext cx="2666920" cy="3553483"/>
+            <a:off x="6940143" y="1822427"/>
+            <a:ext cx="1520036" cy="3654994"/>
           </a:xfrm>
           <a:prstGeom prst="rect">
             <a:avLst/>
           </a:prstGeom>
         </p:spPr>
       </p:pic>
+      <p:sp>
+        <p:nvSpPr>
+          <p:cNvPr id="7" name="TextBox 6"/>
+          <p:cNvSpPr txBox="1"/>
+          <p:nvPr/>
+        </p:nvSpPr>
+        <p:spPr>
+          <a:xfrm>
+            <a:off x="6914485" y="5567214"/>
+            <a:ext cx="632449" cy="261610"/>
+          </a:xfrm>
+          <a:prstGeom prst="rect">
+            <a:avLst/>
+          </a:prstGeom>
+          <a:noFill/>
+        </p:spPr>
+        <p:txBody>
+          <a:bodyPr wrap="none" rtlCol="0">
+            <a:spAutoFit/>
+          </a:bodyPr>
+          <a:lstStyle/>
+          <a:p>
+            <a:r>
+              <a:rPr lang="en-US" sz="1100" dirty="0" smtClean="0"/>
+              <a:t>Original</a:t>
+            </a:r>
+            <a:endParaRPr lang="en-US" sz="1100" dirty="0"/>
+          </a:p>
+        </p:txBody>
+      </p:sp>
+      <p:sp>
+        <p:nvSpPr>
+          <p:cNvPr id="13" name="TextBox 12"/>
+          <p:cNvSpPr txBox="1"/>
+          <p:nvPr/>
+        </p:nvSpPr>
+        <p:spPr>
+          <a:xfrm>
+            <a:off x="7754131" y="5570738"/>
+            <a:ext cx="826274" cy="261610"/>
+          </a:xfrm>
+          <a:prstGeom prst="rect">
+            <a:avLst/>
+          </a:prstGeom>
+          <a:noFill/>
+        </p:spPr>
+        <p:txBody>
+          <a:bodyPr wrap="none" rtlCol="0">
+            <a:spAutoFit/>
+          </a:bodyPr>
+          <a:lstStyle/>
+          <a:p>
+            <a:r>
+              <a:rPr lang="en-US" sz="1100" dirty="0" smtClean="0"/>
+              <a:t>Condensed</a:t>
+            </a:r>
+            <a:endParaRPr lang="en-US" sz="1100" dirty="0"/>
+          </a:p>
+        </p:txBody>
+      </p:sp>
+      <p:cxnSp>
+        <p:nvCxnSpPr>
+          <p:cNvPr id="11" name="Straight Connector 10"/>
+          <p:cNvCxnSpPr/>
+          <p:nvPr/>
+        </p:nvCxnSpPr>
+        <p:spPr>
+          <a:xfrm flipH="1">
+            <a:off x="6388930" y="1731737"/>
+            <a:ext cx="0" cy="4097087"/>
+          </a:xfrm>
+          <a:prstGeom prst="line">
+            <a:avLst/>
+          </a:prstGeom>
+          <a:ln>
+            <a:solidFill>
+              <a:schemeClr val="tx1"/>
+            </a:solidFill>
+          </a:ln>
+          <a:effectLst/>
+        </p:spPr>
+        <p:style>
+          <a:lnRef idx="2">
+            <a:schemeClr val="accent1"/>
+          </a:lnRef>
+          <a:fillRef idx="0">
+            <a:schemeClr val="accent1"/>
+          </a:fillRef>
+          <a:effectRef idx="1">
+            <a:schemeClr val="accent1"/>
+          </a:effectRef>
+          <a:fontRef idx="minor">
+            <a:schemeClr val="tx1"/>
+          </a:fontRef>
+        </p:style>
+      </p:cxnSp>
+      <p:sp>
+        <p:nvSpPr>
+          <p:cNvPr id="14" name="Footer Placeholder 8"/>
+          <p:cNvSpPr>
+            <a:spLocks noGrp="1"/>
+          </p:cNvSpPr>
+          <p:nvPr>
+            <p:ph type="ftr" sz="quarter" idx="11"/>
+          </p:nvPr>
+        </p:nvSpPr>
+        <p:spPr>
+          <a:xfrm>
+            <a:off x="2936527" y="6328436"/>
+            <a:ext cx="3616673" cy="365125"/>
+          </a:xfrm>
+        </p:spPr>
+        <p:txBody>
+          <a:bodyPr/>
+          <a:lstStyle/>
+          <a:p>
+            <a:r>
+              <a:rPr lang="en-US" dirty="0" smtClean="0">
+                <a:latin typeface="Calibri Light"/>
+                <a:cs typeface="Calibri Light"/>
+              </a:rPr>
+              <a:t>Parallel Computing: Final Project</a:t>
+            </a:r>
+          </a:p>
+          <a:p>
+            <a:r>
+              <a:rPr lang="en-US" dirty="0" smtClean="0">
+                <a:latin typeface="Calibri Light"/>
+                <a:cs typeface="Calibri Light"/>
+              </a:rPr>
+              <a:t>November </a:t>
+            </a:r>
+            <a:r>
+              <a:rPr lang="en-US" dirty="0" smtClean="0">
+                <a:latin typeface="Calibri Light"/>
+                <a:cs typeface="Calibri Light"/>
+              </a:rPr>
+              <a:t>24, </a:t>
+            </a:r>
+            <a:r>
+              <a:rPr lang="en-US" dirty="0" smtClean="0">
+                <a:latin typeface="Calibri Light"/>
+                <a:cs typeface="Calibri Light"/>
+              </a:rPr>
+              <a:t>2014</a:t>
+            </a:r>
+            <a:endParaRPr lang="en-US" dirty="0">
+              <a:latin typeface="Calibri Light"/>
+              <a:cs typeface="Calibri Light"/>
+            </a:endParaRPr>
+          </a:p>
+        </p:txBody>
+      </p:sp>
     </p:spTree>
     <p:extLst>
       <p:ext uri="{BB962C8B-B14F-4D97-AF65-F5344CB8AC3E}">
-        <p14:creationId xmlns:p14="http://schemas.microsoft.com/office/powerpoint/2010/main" val="1219168344"/>
+        <p14:creationId xmlns:p14="http://schemas.microsoft.com/office/powerpoint/2010/main" val="1002795356"/>
       </p:ext>
     </p:extLst>
   </p:cSld>
@@ -10235,9 +10912,162 @@
   <p:timing>
     <p:tnLst>
       <p:par>
-        <p:cTn xmlns:p14="http://schemas.microsoft.com/office/powerpoint/2010/main" id="1" dur="indefinite" restart="never" nodeType="tmRoot"/>
+        <p:cTn xmlns:p14="http://schemas.microsoft.com/office/powerpoint/2010/main" id="1" dur="indefinite" restart="never" nodeType="tmRoot">
+          <p:childTnLst>
+            <p:seq concurrent="1" nextAc="seek">
+              <p:cTn id="2" dur="indefinite" nodeType="mainSeq">
+                <p:childTnLst>
+                  <p:par>
+                    <p:cTn id="3" fill="hold">
+                      <p:stCondLst>
+                        <p:cond delay="indefinite"/>
+                      </p:stCondLst>
+                      <p:childTnLst>
+                        <p:par>
+                          <p:cTn id="4" fill="hold">
+                            <p:stCondLst>
+                              <p:cond delay="0"/>
+                            </p:stCondLst>
+                            <p:childTnLst>
+                              <p:par>
+                                <p:cTn id="5" presetID="1" presetClass="entr" presetSubtype="0" fill="hold" nodeType="clickEffect">
+                                  <p:stCondLst>
+                                    <p:cond delay="0"/>
+                                  </p:stCondLst>
+                                  <p:childTnLst>
+                                    <p:set>
+                                      <p:cBhvr>
+                                        <p:cTn id="6" dur="1" fill="hold">
+                                          <p:stCondLst>
+                                            <p:cond delay="0"/>
+                                          </p:stCondLst>
+                                        </p:cTn>
+                                        <p:tgtEl>
+                                          <p:spTgt spid="11"/>
+                                        </p:tgtEl>
+                                        <p:attrNameLst>
+                                          <p:attrName>style.visibility</p:attrName>
+                                        </p:attrNameLst>
+                                      </p:cBhvr>
+                                      <p:to>
+                                        <p:strVal val="visible"/>
+                                      </p:to>
+                                    </p:set>
+                                  </p:childTnLst>
+                                </p:cTn>
+                              </p:par>
+                              <p:par>
+                                <p:cTn id="7" presetID="1" presetClass="entr" presetSubtype="0" fill="hold" nodeType="withEffect">
+                                  <p:stCondLst>
+                                    <p:cond delay="0"/>
+                                  </p:stCondLst>
+                                  <p:childTnLst>
+                                    <p:set>
+                                      <p:cBhvr>
+                                        <p:cTn id="8" dur="1" fill="hold">
+                                          <p:stCondLst>
+                                            <p:cond delay="0"/>
+                                          </p:stCondLst>
+                                        </p:cTn>
+                                        <p:tgtEl>
+                                          <p:spTgt spid="5"/>
+                                        </p:tgtEl>
+                                        <p:attrNameLst>
+                                          <p:attrName>style.visibility</p:attrName>
+                                        </p:attrNameLst>
+                                      </p:cBhvr>
+                                      <p:to>
+                                        <p:strVal val="visible"/>
+                                      </p:to>
+                                    </p:set>
+                                  </p:childTnLst>
+                                </p:cTn>
+                              </p:par>
+                              <p:par>
+                                <p:cTn id="9" presetID="1" presetClass="entr" presetSubtype="0" fill="hold" grpId="0" nodeType="withEffect">
+                                  <p:stCondLst>
+                                    <p:cond delay="0"/>
+                                  </p:stCondLst>
+                                  <p:childTnLst>
+                                    <p:set>
+                                      <p:cBhvr>
+                                        <p:cTn id="10" dur="1" fill="hold">
+                                          <p:stCondLst>
+                                            <p:cond delay="0"/>
+                                          </p:stCondLst>
+                                        </p:cTn>
+                                        <p:tgtEl>
+                                          <p:spTgt spid="7"/>
+                                        </p:tgtEl>
+                                        <p:attrNameLst>
+                                          <p:attrName>style.visibility</p:attrName>
+                                        </p:attrNameLst>
+                                      </p:cBhvr>
+                                      <p:to>
+                                        <p:strVal val="visible"/>
+                                      </p:to>
+                                    </p:set>
+                                  </p:childTnLst>
+                                </p:cTn>
+                              </p:par>
+                              <p:par>
+                                <p:cTn id="11" presetID="1" presetClass="entr" presetSubtype="0" fill="hold" grpId="0" nodeType="withEffect">
+                                  <p:stCondLst>
+                                    <p:cond delay="0"/>
+                                  </p:stCondLst>
+                                  <p:childTnLst>
+                                    <p:set>
+                                      <p:cBhvr>
+                                        <p:cTn id="12" dur="1" fill="hold">
+                                          <p:stCondLst>
+                                            <p:cond delay="0"/>
+                                          </p:stCondLst>
+                                        </p:cTn>
+                                        <p:tgtEl>
+                                          <p:spTgt spid="13"/>
+                                        </p:tgtEl>
+                                        <p:attrNameLst>
+                                          <p:attrName>style.visibility</p:attrName>
+                                        </p:attrNameLst>
+                                      </p:cBhvr>
+                                      <p:to>
+                                        <p:strVal val="visible"/>
+                                      </p:to>
+                                    </p:set>
+                                  </p:childTnLst>
+                                </p:cTn>
+                              </p:par>
+                            </p:childTnLst>
+                          </p:cTn>
+                        </p:par>
+                      </p:childTnLst>
+                    </p:cTn>
+                  </p:par>
+                </p:childTnLst>
+              </p:cTn>
+              <p:prevCondLst>
+                <p:cond evt="onPrev" delay="0">
+                  <p:tgtEl>
+                    <p:sldTgt/>
+                  </p:tgtEl>
+                </p:cond>
+              </p:prevCondLst>
+              <p:nextCondLst>
+                <p:cond evt="onNext" delay="0">
+                  <p:tgtEl>
+                    <p:sldTgt/>
+                  </p:tgtEl>
+                </p:cond>
+              </p:nextCondLst>
+            </p:seq>
+          </p:childTnLst>
+        </p:cTn>
       </p:par>
     </p:tnLst>
+    <p:bldLst>
+      <p:bldP spid="7" grpId="0"/>
+      <p:bldP spid="13" grpId="0"/>
+    </p:bldLst>
   </p:timing>
 </p:sld>
 </file>
@@ -10280,7 +11110,31 @@
                 <a:ea typeface="Yu Gothic" panose="020B0400000000000000" pitchFamily="34" charset="-128"/>
                 <a:cs typeface="Calibri Light"/>
               </a:rPr>
-              <a:t>Advancing Boundary Algorithm</a:t>
+              <a:t>Advancing </a:t>
+            </a:r>
+            <a:r>
+              <a:rPr lang="en-US" dirty="0" smtClean="0">
+                <a:latin typeface="Calibri Light"/>
+                <a:ea typeface="Yu Gothic" panose="020B0400000000000000" pitchFamily="34" charset="-128"/>
+                <a:cs typeface="Calibri Light"/>
+              </a:rPr>
+              <a:t>boundary </a:t>
+            </a:r>
+            <a:r>
+              <a:rPr lang="en-US" dirty="0">
+                <a:latin typeface="Calibri Light"/>
+                <a:ea typeface="Yu Gothic" panose="020B0400000000000000" pitchFamily="34" charset="-128"/>
+                <a:cs typeface="Calibri Light"/>
+              </a:rPr>
+              <a:t>a</a:t>
+            </a:r>
+            <a:r>
+              <a:rPr lang="en-US" dirty="0" smtClean="0">
+                <a:latin typeface="Calibri Light"/>
+                <a:ea typeface="Yu Gothic" panose="020B0400000000000000" pitchFamily="34" charset="-128"/>
+                <a:cs typeface="Calibri Light"/>
+              </a:rPr>
+              <a:t>lgorithm</a:t>
             </a:r>
             <a:endParaRPr lang="en-US" dirty="0">
               <a:latin typeface="Calibri Light"/>
@@ -10328,49 +11182,6 @@
       </p:sp>
       <p:sp>
         <p:nvSpPr>
-          <p:cNvPr id="8" name="Footer Placeholder 8"/>
-          <p:cNvSpPr>
-            <a:spLocks noGrp="1"/>
-          </p:cNvSpPr>
-          <p:nvPr>
-            <p:ph type="ftr" sz="quarter" idx="11"/>
-          </p:nvPr>
-        </p:nvSpPr>
-        <p:spPr>
-          <a:xfrm>
-            <a:off x="2936527" y="6328436"/>
-            <a:ext cx="3616673" cy="365125"/>
-          </a:xfrm>
-        </p:spPr>
-        <p:txBody>
-          <a:bodyPr/>
-          <a:lstStyle/>
-          <a:p>
-            <a:r>
-              <a:rPr lang="en-US" dirty="0" smtClean="0">
-                <a:latin typeface="Calibri Light"/>
-                <a:cs typeface="Calibri Light"/>
-              </a:rPr>
-              <a:t>Parallel Computing: Final Project</a:t>
-            </a:r>
-          </a:p>
-          <a:p>
-            <a:r>
-              <a:rPr lang="en-US" dirty="0" smtClean="0">
-                <a:latin typeface="Calibri Light"/>
-                <a:cs typeface="Calibri Light"/>
-              </a:rPr>
-              <a:t>November 20, 2014</a:t>
-            </a:r>
-            <a:endParaRPr lang="en-US" dirty="0">
-              <a:latin typeface="Calibri Light"/>
-              <a:cs typeface="Calibri Light"/>
-            </a:endParaRPr>
-          </a:p>
-        </p:txBody>
-      </p:sp>
-      <p:sp>
-        <p:nvSpPr>
           <p:cNvPr id="12" name="Content Placeholder 2"/>
           <p:cNvSpPr>
             <a:spLocks noGrp="1"/>
@@ -10397,349 +11208,6 @@
               </a:rPr>
               <a:t>Background: GPU-Kernel</a:t>
             </a:r>
-            <a:endParaRPr lang="en-US" dirty="0" smtClean="0">
-              <a:latin typeface="Calibri Light"/>
-              <a:ea typeface="Yu Gothic" panose="020B0400000000000000" pitchFamily="34" charset="-128"/>
-              <a:cs typeface="Calibri Light"/>
-            </a:endParaRPr>
-          </a:p>
-        </p:txBody>
-      </p:sp>
-      <p:pic>
-        <p:nvPicPr>
-          <p:cNvPr id="3" name="Picture 2" descr="algorithm_diagram.png"/>
-          <p:cNvPicPr>
-            <a:picLocks noChangeAspect="1"/>
-          </p:cNvPicPr>
-          <p:nvPr/>
-        </p:nvPicPr>
-        <p:blipFill rotWithShape="1">
-          <a:blip r:embed="rId2">
-            <a:extLst>
-              <a:ext uri="{28A0092B-C50C-407E-A947-70E740481C1C}">
-                <a14:useLocalDpi xmlns:a14="http://schemas.microsoft.com/office/drawing/2010/main" val="0"/>
-              </a:ext>
-            </a:extLst>
-          </a:blip>
-          <a:srcRect l="49667" b="53388"/>
-          <a:stretch/>
-        </p:blipFill>
-        <p:spPr>
-          <a:xfrm>
-            <a:off x="814900" y="2475742"/>
-            <a:ext cx="5018983" cy="3091472"/>
-          </a:xfrm>
-          <a:prstGeom prst="rect">
-            <a:avLst/>
-          </a:prstGeom>
-        </p:spPr>
-      </p:pic>
-      <p:pic>
-        <p:nvPicPr>
-          <p:cNvPr id="5" name="Picture 4" descr="Screen Shot 2014-11-22 at 4.16.48 PM.png"/>
-          <p:cNvPicPr>
-            <a:picLocks noChangeAspect="1"/>
-          </p:cNvPicPr>
-          <p:nvPr/>
-        </p:nvPicPr>
-        <p:blipFill>
-          <a:blip r:embed="rId3">
-            <a:extLst>
-              <a:ext uri="{28A0092B-C50C-407E-A947-70E740481C1C}">
-                <a14:useLocalDpi xmlns:a14="http://schemas.microsoft.com/office/drawing/2010/main" val="0"/>
-              </a:ext>
-            </a:extLst>
-          </a:blip>
-          <a:stretch>
-            <a:fillRect/>
-          </a:stretch>
-        </p:blipFill>
-        <p:spPr>
-          <a:xfrm>
-            <a:off x="6940143" y="1822427"/>
-            <a:ext cx="1520036" cy="3654994"/>
-          </a:xfrm>
-          <a:prstGeom prst="rect">
-            <a:avLst/>
-          </a:prstGeom>
-        </p:spPr>
-      </p:pic>
-      <p:sp>
-        <p:nvSpPr>
-          <p:cNvPr id="7" name="TextBox 6"/>
-          <p:cNvSpPr txBox="1"/>
-          <p:nvPr/>
-        </p:nvSpPr>
-        <p:spPr>
-          <a:xfrm>
-            <a:off x="6914485" y="5567214"/>
-            <a:ext cx="632449" cy="261610"/>
-          </a:xfrm>
-          <a:prstGeom prst="rect">
-            <a:avLst/>
-          </a:prstGeom>
-          <a:noFill/>
-        </p:spPr>
-        <p:txBody>
-          <a:bodyPr wrap="none" rtlCol="0">
-            <a:spAutoFit/>
-          </a:bodyPr>
-          <a:lstStyle/>
-          <a:p>
-            <a:r>
-              <a:rPr lang="en-US" sz="1100" dirty="0" smtClean="0"/>
-              <a:t>Original</a:t>
-            </a:r>
-            <a:endParaRPr lang="en-US" sz="1100" dirty="0"/>
-          </a:p>
-        </p:txBody>
-      </p:sp>
-      <p:sp>
-        <p:nvSpPr>
-          <p:cNvPr id="13" name="TextBox 12"/>
-          <p:cNvSpPr txBox="1"/>
-          <p:nvPr/>
-        </p:nvSpPr>
-        <p:spPr>
-          <a:xfrm>
-            <a:off x="7754131" y="5570738"/>
-            <a:ext cx="826274" cy="261610"/>
-          </a:xfrm>
-          <a:prstGeom prst="rect">
-            <a:avLst/>
-          </a:prstGeom>
-          <a:noFill/>
-        </p:spPr>
-        <p:txBody>
-          <a:bodyPr wrap="none" rtlCol="0">
-            <a:spAutoFit/>
-          </a:bodyPr>
-          <a:lstStyle/>
-          <a:p>
-            <a:r>
-              <a:rPr lang="en-US" sz="1100" dirty="0" smtClean="0"/>
-              <a:t>Condensed</a:t>
-            </a:r>
-            <a:endParaRPr lang="en-US" sz="1100" dirty="0"/>
-          </a:p>
-        </p:txBody>
-      </p:sp>
-      <p:cxnSp>
-        <p:nvCxnSpPr>
-          <p:cNvPr id="11" name="Straight Connector 10"/>
-          <p:cNvCxnSpPr/>
-          <p:nvPr/>
-        </p:nvCxnSpPr>
-        <p:spPr>
-          <a:xfrm flipH="1">
-            <a:off x="6388930" y="1731737"/>
-            <a:ext cx="0" cy="4097087"/>
-          </a:xfrm>
-          <a:prstGeom prst="line">
-            <a:avLst/>
-          </a:prstGeom>
-          <a:ln>
-            <a:solidFill>
-              <a:schemeClr val="tx1"/>
-            </a:solidFill>
-          </a:ln>
-          <a:effectLst/>
-        </p:spPr>
-        <p:style>
-          <a:lnRef idx="2">
-            <a:schemeClr val="accent1"/>
-          </a:lnRef>
-          <a:fillRef idx="0">
-            <a:schemeClr val="accent1"/>
-          </a:fillRef>
-          <a:effectRef idx="1">
-            <a:schemeClr val="accent1"/>
-          </a:effectRef>
-          <a:fontRef idx="minor">
-            <a:schemeClr val="tx1"/>
-          </a:fontRef>
-        </p:style>
-      </p:cxnSp>
-    </p:spTree>
-    <p:extLst>
-      <p:ext uri="{BB962C8B-B14F-4D97-AF65-F5344CB8AC3E}">
-        <p14:creationId xmlns:p14="http://schemas.microsoft.com/office/powerpoint/2010/main" val="1002795356"/>
-      </p:ext>
-    </p:extLst>
-  </p:cSld>
-  <p:clrMapOvr>
-    <a:masterClrMapping/>
-  </p:clrMapOvr>
-  <p:timing>
-    <p:tnLst>
-      <p:par>
-        <p:cTn xmlns:p14="http://schemas.microsoft.com/office/powerpoint/2010/main" id="1" dur="indefinite" restart="never" nodeType="tmRoot"/>
-      </p:par>
-    </p:tnLst>
-  </p:timing>
-</p:sld>
-</file>
-
-<file path=ppt/slides/slide22.xml><?xml version="1.0" encoding="utf-8"?>
-<p:sld xmlns:a="http://schemas.openxmlformats.org/drawingml/2006/main" xmlns:r="http://schemas.openxmlformats.org/officeDocument/2006/relationships" xmlns:p="http://schemas.openxmlformats.org/presentationml/2006/main">
-  <p:cSld>
-    <p:spTree>
-      <p:nvGrpSpPr>
-        <p:cNvPr id="1" name=""/>
-        <p:cNvGrpSpPr/>
-        <p:nvPr/>
-      </p:nvGrpSpPr>
-      <p:grpSpPr>
-        <a:xfrm>
-          <a:off x="0" y="0"/>
-          <a:ext cx="0" cy="0"/>
-          <a:chOff x="0" y="0"/>
-          <a:chExt cx="0" cy="0"/>
-        </a:xfrm>
-      </p:grpSpPr>
-      <p:sp>
-        <p:nvSpPr>
-          <p:cNvPr id="2" name="Title 1"/>
-          <p:cNvSpPr>
-            <a:spLocks noGrp="1"/>
-          </p:cNvSpPr>
-          <p:nvPr>
-            <p:ph type="title"/>
-          </p:nvPr>
-        </p:nvSpPr>
-        <p:spPr/>
-        <p:txBody>
-          <a:bodyPr/>
-          <a:lstStyle/>
-          <a:p>
-            <a:r>
-              <a:rPr lang="en-US" dirty="0" smtClean="0">
-                <a:latin typeface="Calibri Light"/>
-                <a:ea typeface="Yu Gothic" panose="020B0400000000000000" pitchFamily="34" charset="-128"/>
-                <a:cs typeface="Calibri Light"/>
-              </a:rPr>
-              <a:t>Advancing Boundary Algorithm</a:t>
-            </a:r>
-            <a:endParaRPr lang="en-US" dirty="0">
-              <a:latin typeface="Calibri Light"/>
-              <a:ea typeface="Yu Gothic" panose="020B0400000000000000" pitchFamily="34" charset="-128"/>
-              <a:cs typeface="Calibri Light"/>
-            </a:endParaRPr>
-          </a:p>
-        </p:txBody>
-      </p:sp>
-      <p:sp>
-        <p:nvSpPr>
-          <p:cNvPr id="4" name="Slide Number Placeholder 3"/>
-          <p:cNvSpPr>
-            <a:spLocks noGrp="1"/>
-          </p:cNvSpPr>
-          <p:nvPr>
-            <p:ph type="sldNum" sz="quarter" idx="12"/>
-          </p:nvPr>
-        </p:nvSpPr>
-        <p:spPr>
-          <a:xfrm>
-            <a:off x="6553200" y="6356350"/>
-            <a:ext cx="2133600" cy="365125"/>
-          </a:xfrm>
-        </p:spPr>
-        <p:txBody>
-          <a:bodyPr/>
-          <a:lstStyle/>
-          <a:p>
-            <a:fld id="{48AF6223-66F3-D241-A5F9-F452865A7EAF}" type="slidenum">
-              <a:rPr lang="en-US" smtClean="0">
-                <a:latin typeface="Calibri Light"/>
-                <a:ea typeface="Yu Gothic" panose="020B0400000000000000" pitchFamily="34" charset="-128"/>
-                <a:cs typeface="Calibri Light"/>
-              </a:rPr>
-              <a:t>22</a:t>
-            </a:fld>
-            <a:endParaRPr lang="en-US">
-              <a:latin typeface="Calibri Light"/>
-              <a:ea typeface="Yu Gothic" panose="020B0400000000000000" pitchFamily="34" charset="-128"/>
-              <a:cs typeface="Calibri Light"/>
-            </a:endParaRPr>
-          </a:p>
-        </p:txBody>
-      </p:sp>
-      <p:sp>
-        <p:nvSpPr>
-          <p:cNvPr id="8" name="Footer Placeholder 8"/>
-          <p:cNvSpPr>
-            <a:spLocks noGrp="1"/>
-          </p:cNvSpPr>
-          <p:nvPr>
-            <p:ph type="ftr" sz="quarter" idx="11"/>
-          </p:nvPr>
-        </p:nvSpPr>
-        <p:spPr>
-          <a:xfrm>
-            <a:off x="2936527" y="6328436"/>
-            <a:ext cx="3616673" cy="365125"/>
-          </a:xfrm>
-        </p:spPr>
-        <p:txBody>
-          <a:bodyPr/>
-          <a:lstStyle/>
-          <a:p>
-            <a:r>
-              <a:rPr lang="en-US" dirty="0" smtClean="0">
-                <a:latin typeface="Calibri Light"/>
-                <a:cs typeface="Calibri Light"/>
-              </a:rPr>
-              <a:t>Parallel Computing: Final Project</a:t>
-            </a:r>
-          </a:p>
-          <a:p>
-            <a:r>
-              <a:rPr lang="en-US" dirty="0" smtClean="0">
-                <a:latin typeface="Calibri Light"/>
-                <a:cs typeface="Calibri Light"/>
-              </a:rPr>
-              <a:t>November 20, 2014</a:t>
-            </a:r>
-            <a:endParaRPr lang="en-US" dirty="0">
-              <a:latin typeface="Calibri Light"/>
-              <a:cs typeface="Calibri Light"/>
-            </a:endParaRPr>
-          </a:p>
-        </p:txBody>
-      </p:sp>
-      <p:sp>
-        <p:nvSpPr>
-          <p:cNvPr id="12" name="Content Placeholder 2"/>
-          <p:cNvSpPr>
-            <a:spLocks noGrp="1"/>
-          </p:cNvSpPr>
-          <p:nvPr>
-            <p:ph idx="1"/>
-          </p:nvPr>
-        </p:nvSpPr>
-        <p:spPr>
-          <a:xfrm>
-            <a:off x="457199" y="1530409"/>
-            <a:ext cx="8510399" cy="679097"/>
-          </a:xfrm>
-        </p:spPr>
-        <p:txBody>
-          <a:bodyPr/>
-          <a:lstStyle/>
-          <a:p>
-            <a:r>
-              <a:rPr lang="en-US" dirty="0" smtClean="0">
-                <a:latin typeface="Calibri Light"/>
-                <a:ea typeface="Yu Gothic" panose="020B0400000000000000" pitchFamily="34" charset="-128"/>
-                <a:cs typeface="Calibri Light"/>
-              </a:rPr>
-              <a:t>Background: GPU-Kernel</a:t>
-            </a:r>
-            <a:endParaRPr lang="en-US" dirty="0" smtClean="0">
-              <a:latin typeface="Calibri Light"/>
-              <a:ea typeface="Yu Gothic" panose="020B0400000000000000" pitchFamily="34" charset="-128"/>
-              <a:cs typeface="Calibri Light"/>
-            </a:endParaRPr>
           </a:p>
         </p:txBody>
       </p:sp>
@@ -11122,10 +11590,341 @@
           </p:txBody>
         </p:sp>
       </p:grpSp>
+      <p:sp>
+        <p:nvSpPr>
+          <p:cNvPr id="22" name="Footer Placeholder 8"/>
+          <p:cNvSpPr>
+            <a:spLocks noGrp="1"/>
+          </p:cNvSpPr>
+          <p:nvPr>
+            <p:ph type="ftr" sz="quarter" idx="11"/>
+          </p:nvPr>
+        </p:nvSpPr>
+        <p:spPr>
+          <a:xfrm>
+            <a:off x="2936527" y="6328436"/>
+            <a:ext cx="3616673" cy="365125"/>
+          </a:xfrm>
+        </p:spPr>
+        <p:txBody>
+          <a:bodyPr/>
+          <a:lstStyle/>
+          <a:p>
+            <a:r>
+              <a:rPr lang="en-US" dirty="0" smtClean="0">
+                <a:latin typeface="Calibri Light"/>
+                <a:cs typeface="Calibri Light"/>
+              </a:rPr>
+              <a:t>Parallel Computing: Final Project</a:t>
+            </a:r>
+          </a:p>
+          <a:p>
+            <a:r>
+              <a:rPr lang="en-US" dirty="0" smtClean="0">
+                <a:latin typeface="Calibri Light"/>
+                <a:cs typeface="Calibri Light"/>
+              </a:rPr>
+              <a:t>November </a:t>
+            </a:r>
+            <a:r>
+              <a:rPr lang="en-US" dirty="0" smtClean="0">
+                <a:latin typeface="Calibri Light"/>
+                <a:cs typeface="Calibri Light"/>
+              </a:rPr>
+              <a:t>24, </a:t>
+            </a:r>
+            <a:r>
+              <a:rPr lang="en-US" dirty="0" smtClean="0">
+                <a:latin typeface="Calibri Light"/>
+                <a:cs typeface="Calibri Light"/>
+              </a:rPr>
+              <a:t>2014</a:t>
+            </a:r>
+            <a:endParaRPr lang="en-US" dirty="0">
+              <a:latin typeface="Calibri Light"/>
+              <a:cs typeface="Calibri Light"/>
+            </a:endParaRPr>
+          </a:p>
+        </p:txBody>
+      </p:sp>
     </p:spTree>
     <p:extLst>
       <p:ext uri="{BB962C8B-B14F-4D97-AF65-F5344CB8AC3E}">
         <p14:creationId xmlns:p14="http://schemas.microsoft.com/office/powerpoint/2010/main" val="4230665367"/>
+      </p:ext>
+    </p:extLst>
+  </p:cSld>
+  <p:clrMapOvr>
+    <a:masterClrMapping/>
+  </p:clrMapOvr>
+  <p:timing>
+    <p:tnLst>
+      <p:par>
+        <p:cTn xmlns:p14="http://schemas.microsoft.com/office/powerpoint/2010/main" id="1" dur="indefinite" restart="never" nodeType="tmRoot"/>
+      </p:par>
+    </p:tnLst>
+  </p:timing>
+</p:sld>
+</file>
+
+<file path=ppt/slides/slide22.xml><?xml version="1.0" encoding="utf-8"?>
+<p:sld xmlns:a="http://schemas.openxmlformats.org/drawingml/2006/main" xmlns:r="http://schemas.openxmlformats.org/officeDocument/2006/relationships" xmlns:p="http://schemas.openxmlformats.org/presentationml/2006/main">
+  <p:cSld>
+    <p:spTree>
+      <p:nvGrpSpPr>
+        <p:cNvPr id="1" name=""/>
+        <p:cNvGrpSpPr/>
+        <p:nvPr/>
+      </p:nvGrpSpPr>
+      <p:grpSpPr>
+        <a:xfrm>
+          <a:off x="0" y="0"/>
+          <a:ext cx="0" cy="0"/>
+          <a:chOff x="0" y="0"/>
+          <a:chExt cx="0" cy="0"/>
+        </a:xfrm>
+      </p:grpSpPr>
+      <p:sp>
+        <p:nvSpPr>
+          <p:cNvPr id="2" name="Title 1"/>
+          <p:cNvSpPr>
+            <a:spLocks noGrp="1"/>
+          </p:cNvSpPr>
+          <p:nvPr>
+            <p:ph type="title"/>
+          </p:nvPr>
+        </p:nvSpPr>
+        <p:spPr/>
+        <p:txBody>
+          <a:bodyPr/>
+          <a:lstStyle/>
+          <a:p>
+            <a:r>
+              <a:rPr lang="en-US" dirty="0" smtClean="0">
+                <a:latin typeface="Calibri Light"/>
+                <a:ea typeface="Yu Gothic" panose="020B0400000000000000" pitchFamily="34" charset="-128"/>
+                <a:cs typeface="Calibri Light"/>
+              </a:rPr>
+              <a:t>Advancing </a:t>
+            </a:r>
+            <a:r>
+              <a:rPr lang="en-US" dirty="0" smtClean="0">
+                <a:latin typeface="Calibri Light"/>
+                <a:ea typeface="Yu Gothic" panose="020B0400000000000000" pitchFamily="34" charset="-128"/>
+                <a:cs typeface="Calibri Light"/>
+              </a:rPr>
+              <a:t>boundary </a:t>
+            </a:r>
+            <a:r>
+              <a:rPr lang="en-US" dirty="0">
+                <a:latin typeface="Calibri Light"/>
+                <a:ea typeface="Yu Gothic" panose="020B0400000000000000" pitchFamily="34" charset="-128"/>
+                <a:cs typeface="Calibri Light"/>
+              </a:rPr>
+              <a:t>a</a:t>
+            </a:r>
+            <a:r>
+              <a:rPr lang="en-US" dirty="0" smtClean="0">
+                <a:latin typeface="Calibri Light"/>
+                <a:ea typeface="Yu Gothic" panose="020B0400000000000000" pitchFamily="34" charset="-128"/>
+                <a:cs typeface="Calibri Light"/>
+              </a:rPr>
+              <a:t>lgorithm</a:t>
+            </a:r>
+            <a:endParaRPr lang="en-US" dirty="0">
+              <a:latin typeface="Calibri Light"/>
+              <a:ea typeface="Yu Gothic" panose="020B0400000000000000" pitchFamily="34" charset="-128"/>
+              <a:cs typeface="Calibri Light"/>
+            </a:endParaRPr>
+          </a:p>
+        </p:txBody>
+      </p:sp>
+      <p:sp>
+        <p:nvSpPr>
+          <p:cNvPr id="4" name="Slide Number Placeholder 3"/>
+          <p:cNvSpPr>
+            <a:spLocks noGrp="1"/>
+          </p:cNvSpPr>
+          <p:nvPr>
+            <p:ph type="sldNum" sz="quarter" idx="12"/>
+          </p:nvPr>
+        </p:nvSpPr>
+        <p:spPr>
+          <a:xfrm>
+            <a:off x="6553200" y="6356350"/>
+            <a:ext cx="2133600" cy="365125"/>
+          </a:xfrm>
+        </p:spPr>
+        <p:txBody>
+          <a:bodyPr/>
+          <a:lstStyle/>
+          <a:p>
+            <a:fld id="{48AF6223-66F3-D241-A5F9-F452865A7EAF}" type="slidenum">
+              <a:rPr lang="en-US" smtClean="0">
+                <a:latin typeface="Calibri Light"/>
+                <a:ea typeface="Yu Gothic" panose="020B0400000000000000" pitchFamily="34" charset="-128"/>
+                <a:cs typeface="Calibri Light"/>
+              </a:rPr>
+              <a:t>22</a:t>
+            </a:fld>
+            <a:endParaRPr lang="en-US">
+              <a:latin typeface="Calibri Light"/>
+              <a:ea typeface="Yu Gothic" panose="020B0400000000000000" pitchFamily="34" charset="-128"/>
+              <a:cs typeface="Calibri Light"/>
+            </a:endParaRPr>
+          </a:p>
+        </p:txBody>
+      </p:sp>
+      <p:sp>
+        <p:nvSpPr>
+          <p:cNvPr id="12" name="Content Placeholder 2"/>
+          <p:cNvSpPr>
+            <a:spLocks noGrp="1"/>
+          </p:cNvSpPr>
+          <p:nvPr>
+            <p:ph idx="1"/>
+          </p:nvPr>
+        </p:nvSpPr>
+        <p:spPr>
+          <a:xfrm>
+            <a:off x="457199" y="1530409"/>
+            <a:ext cx="8510399" cy="679097"/>
+          </a:xfrm>
+        </p:spPr>
+        <p:txBody>
+          <a:bodyPr/>
+          <a:lstStyle/>
+          <a:p>
+            <a:r>
+              <a:rPr lang="en-US" dirty="0" smtClean="0">
+                <a:latin typeface="Calibri Light"/>
+                <a:ea typeface="Yu Gothic" panose="020B0400000000000000" pitchFamily="34" charset="-128"/>
+                <a:cs typeface="Calibri Light"/>
+              </a:rPr>
+              <a:t>Implementation: Pre-processing</a:t>
+            </a:r>
+          </a:p>
+        </p:txBody>
+      </p:sp>
+      <p:pic>
+        <p:nvPicPr>
+          <p:cNvPr id="3" name="Picture 2" descr="ab_serial_auxCells.png"/>
+          <p:cNvPicPr>
+            <a:picLocks noChangeAspect="1"/>
+          </p:cNvPicPr>
+          <p:nvPr/>
+        </p:nvPicPr>
+        <p:blipFill rotWithShape="1">
+          <a:blip r:embed="rId2">
+            <a:extLst>
+              <a:ext uri="{28A0092B-C50C-407E-A947-70E740481C1C}">
+                <a14:useLocalDpi xmlns:a14="http://schemas.microsoft.com/office/drawing/2010/main" val="0"/>
+              </a:ext>
+            </a:extLst>
+          </a:blip>
+          <a:srcRect l="17503" t="1997" r="14772" b="4363"/>
+          <a:stretch/>
+        </p:blipFill>
+        <p:spPr>
+          <a:xfrm>
+            <a:off x="580458" y="2209506"/>
+            <a:ext cx="3576198" cy="3575780"/>
+          </a:xfrm>
+          <a:prstGeom prst="rect">
+            <a:avLst/>
+          </a:prstGeom>
+        </p:spPr>
+      </p:pic>
+      <p:pic>
+        <p:nvPicPr>
+          <p:cNvPr id="5" name="Picture 4" descr="ab_serial_compAuxCells.png"/>
+          <p:cNvPicPr>
+            <a:picLocks noChangeAspect="1"/>
+          </p:cNvPicPr>
+          <p:nvPr/>
+        </p:nvPicPr>
+        <p:blipFill rotWithShape="1">
+          <a:blip r:embed="rId3">
+            <a:extLst>
+              <a:ext uri="{28A0092B-C50C-407E-A947-70E740481C1C}">
+                <a14:useLocalDpi xmlns:a14="http://schemas.microsoft.com/office/drawing/2010/main" val="0"/>
+              </a:ext>
+            </a:extLst>
+          </a:blip>
+          <a:srcRect l="16373" t="2015" r="14236" b="3871"/>
+          <a:stretch/>
+        </p:blipFill>
+        <p:spPr>
+          <a:xfrm>
+            <a:off x="4968281" y="2222334"/>
+            <a:ext cx="3586271" cy="3575780"/>
+          </a:xfrm>
+          <a:prstGeom prst="rect">
+            <a:avLst/>
+          </a:prstGeom>
+        </p:spPr>
+      </p:pic>
+      <p:sp>
+        <p:nvSpPr>
+          <p:cNvPr id="9" name="Footer Placeholder 8"/>
+          <p:cNvSpPr>
+            <a:spLocks noGrp="1"/>
+          </p:cNvSpPr>
+          <p:nvPr>
+            <p:ph type="ftr" sz="quarter" idx="11"/>
+          </p:nvPr>
+        </p:nvSpPr>
+        <p:spPr>
+          <a:xfrm>
+            <a:off x="2936527" y="6328436"/>
+            <a:ext cx="3616673" cy="365125"/>
+          </a:xfrm>
+        </p:spPr>
+        <p:txBody>
+          <a:bodyPr/>
+          <a:lstStyle/>
+          <a:p>
+            <a:r>
+              <a:rPr lang="en-US" dirty="0" smtClean="0">
+                <a:latin typeface="Calibri Light"/>
+                <a:cs typeface="Calibri Light"/>
+              </a:rPr>
+              <a:t>Parallel Computing: Final Project</a:t>
+            </a:r>
+          </a:p>
+          <a:p>
+            <a:r>
+              <a:rPr lang="en-US" dirty="0" smtClean="0">
+                <a:latin typeface="Calibri Light"/>
+                <a:cs typeface="Calibri Light"/>
+              </a:rPr>
+              <a:t>November </a:t>
+            </a:r>
+            <a:r>
+              <a:rPr lang="en-US" dirty="0" smtClean="0">
+                <a:latin typeface="Calibri Light"/>
+                <a:cs typeface="Calibri Light"/>
+              </a:rPr>
+              <a:t>24, </a:t>
+            </a:r>
+            <a:r>
+              <a:rPr lang="en-US" dirty="0" smtClean="0">
+                <a:latin typeface="Calibri Light"/>
+                <a:cs typeface="Calibri Light"/>
+              </a:rPr>
+              <a:t>2014</a:t>
+            </a:r>
+            <a:endParaRPr lang="en-US" dirty="0">
+              <a:latin typeface="Calibri Light"/>
+              <a:cs typeface="Calibri Light"/>
+            </a:endParaRPr>
+          </a:p>
+        </p:txBody>
+      </p:sp>
+    </p:spTree>
+    <p:extLst>
+      <p:ext uri="{BB962C8B-B14F-4D97-AF65-F5344CB8AC3E}">
+        <p14:creationId xmlns:p14="http://schemas.microsoft.com/office/powerpoint/2010/main" val="3163815554"/>
       </p:ext>
     </p:extLst>
   </p:cSld>
@@ -11161,37 +11960,6 @@
       </p:grpSpPr>
       <p:sp>
         <p:nvSpPr>
-          <p:cNvPr id="2" name="Title 1"/>
-          <p:cNvSpPr>
-            <a:spLocks noGrp="1"/>
-          </p:cNvSpPr>
-          <p:nvPr>
-            <p:ph type="title"/>
-          </p:nvPr>
-        </p:nvSpPr>
-        <p:spPr/>
-        <p:txBody>
-          <a:bodyPr/>
-          <a:lstStyle/>
-          <a:p>
-            <a:r>
-              <a:rPr lang="en-US" dirty="0" smtClean="0">
-                <a:latin typeface="Calibri Light"/>
-                <a:ea typeface="Yu Gothic" panose="020B0400000000000000" pitchFamily="34" charset="-128"/>
-                <a:cs typeface="Calibri Light"/>
-              </a:rPr>
-              <a:t>Advancing Boundary Algorithm</a:t>
-            </a:r>
-            <a:endParaRPr lang="en-US" dirty="0">
-              <a:latin typeface="Calibri Light"/>
-              <a:ea typeface="Yu Gothic" panose="020B0400000000000000" pitchFamily="34" charset="-128"/>
-              <a:cs typeface="Calibri Light"/>
-            </a:endParaRPr>
-          </a:p>
-        </p:txBody>
-      </p:sp>
-      <p:sp>
-        <p:nvSpPr>
           <p:cNvPr id="4" name="Slide Number Placeholder 3"/>
           <p:cNvSpPr>
             <a:spLocks noGrp="1"/>
@@ -11226,88 +11994,9 @@
           </a:p>
         </p:txBody>
       </p:sp>
-      <p:sp>
-        <p:nvSpPr>
-          <p:cNvPr id="8" name="Footer Placeholder 8"/>
-          <p:cNvSpPr>
-            <a:spLocks noGrp="1"/>
-          </p:cNvSpPr>
-          <p:nvPr>
-            <p:ph type="ftr" sz="quarter" idx="11"/>
-          </p:nvPr>
-        </p:nvSpPr>
-        <p:spPr>
-          <a:xfrm>
-            <a:off x="2936527" y="6328436"/>
-            <a:ext cx="3616673" cy="365125"/>
-          </a:xfrm>
-        </p:spPr>
-        <p:txBody>
-          <a:bodyPr/>
-          <a:lstStyle/>
-          <a:p>
-            <a:r>
-              <a:rPr lang="en-US" dirty="0" smtClean="0">
-                <a:latin typeface="Calibri Light"/>
-                <a:cs typeface="Calibri Light"/>
-              </a:rPr>
-              <a:t>Parallel Computing: Final Project</a:t>
-            </a:r>
-          </a:p>
-          <a:p>
-            <a:r>
-              <a:rPr lang="en-US" dirty="0" smtClean="0">
-                <a:latin typeface="Calibri Light"/>
-                <a:cs typeface="Calibri Light"/>
-              </a:rPr>
-              <a:t>November 20, 2014</a:t>
-            </a:r>
-            <a:endParaRPr lang="en-US" dirty="0">
-              <a:latin typeface="Calibri Light"/>
-              <a:cs typeface="Calibri Light"/>
-            </a:endParaRPr>
-          </a:p>
-        </p:txBody>
-      </p:sp>
-      <p:sp>
-        <p:nvSpPr>
-          <p:cNvPr id="12" name="Content Placeholder 2"/>
-          <p:cNvSpPr>
-            <a:spLocks noGrp="1"/>
-          </p:cNvSpPr>
-          <p:nvPr>
-            <p:ph idx="1"/>
-          </p:nvPr>
-        </p:nvSpPr>
-        <p:spPr>
-          <a:xfrm>
-            <a:off x="457199" y="1530409"/>
-            <a:ext cx="8510399" cy="679097"/>
-          </a:xfrm>
-        </p:spPr>
-        <p:txBody>
-          <a:bodyPr/>
-          <a:lstStyle/>
-          <a:p>
-            <a:r>
-              <a:rPr lang="en-US" dirty="0" smtClean="0">
-                <a:latin typeface="Calibri Light"/>
-                <a:ea typeface="Yu Gothic" panose="020B0400000000000000" pitchFamily="34" charset="-128"/>
-                <a:cs typeface="Calibri Light"/>
-              </a:rPr>
-              <a:t>Implementation: Pre-processing</a:t>
-            </a:r>
-            <a:endParaRPr lang="en-US" dirty="0" smtClean="0">
-              <a:latin typeface="Calibri Light"/>
-              <a:ea typeface="Yu Gothic" panose="020B0400000000000000" pitchFamily="34" charset="-128"/>
-              <a:cs typeface="Calibri Light"/>
-            </a:endParaRPr>
-          </a:p>
-        </p:txBody>
-      </p:sp>
       <p:pic>
         <p:nvPicPr>
-          <p:cNvPr id="3" name="Picture 2" descr="ab_serial_auxCells.png"/>
+          <p:cNvPr id="11" name="Picture 10" descr="AB_aux_optimization_2.png"/>
           <p:cNvPicPr>
             <a:picLocks noChangeAspect="1"/>
           </p:cNvPicPr>
@@ -11321,52 +12010,80 @@
               </a:ext>
             </a:extLst>
           </a:blip>
-          <a:srcRect l="17503" t="1997" r="14772" b="4363"/>
+          <a:srcRect l="1493" t="1975" r="1772" b="1917"/>
           <a:stretch/>
         </p:blipFill>
         <p:spPr>
           <a:xfrm>
-            <a:off x="580458" y="2209506"/>
-            <a:ext cx="3576198" cy="3575780"/>
+            <a:off x="320730" y="205243"/>
+            <a:ext cx="8314754" cy="5618526"/>
           </a:xfrm>
           <a:prstGeom prst="rect">
             <a:avLst/>
           </a:prstGeom>
         </p:spPr>
       </p:pic>
-      <p:pic>
-        <p:nvPicPr>
-          <p:cNvPr id="5" name="Picture 4" descr="ab_serial_compAuxCells.png"/>
-          <p:cNvPicPr>
-            <a:picLocks noChangeAspect="1"/>
-          </p:cNvPicPr>
-          <p:nvPr/>
-        </p:nvPicPr>
-        <p:blipFill rotWithShape="1">
-          <a:blip r:embed="rId3">
-            <a:extLst>
-              <a:ext uri="{28A0092B-C50C-407E-A947-70E740481C1C}">
-                <a14:useLocalDpi xmlns:a14="http://schemas.microsoft.com/office/drawing/2010/main" val="0"/>
-              </a:ext>
-            </a:extLst>
-          </a:blip>
-          <a:srcRect l="16373" t="2015" r="14236" b="3871"/>
-          <a:stretch/>
-        </p:blipFill>
-        <p:spPr>
-          <a:xfrm>
-            <a:off x="4968281" y="2222334"/>
-            <a:ext cx="3586271" cy="3575780"/>
-          </a:xfrm>
-          <a:prstGeom prst="rect">
-            <a:avLst/>
-          </a:prstGeom>
-        </p:spPr>
-      </p:pic>
+      <p:sp>
+        <p:nvSpPr>
+          <p:cNvPr id="5" name="Footer Placeholder 8"/>
+          <p:cNvSpPr>
+            <a:spLocks noGrp="1"/>
+          </p:cNvSpPr>
+          <p:nvPr>
+            <p:ph type="ftr" sz="quarter" idx="11"/>
+          </p:nvPr>
+        </p:nvSpPr>
+        <p:spPr>
+          <a:xfrm>
+            <a:off x="2936527" y="6328436"/>
+            <a:ext cx="3616673" cy="365125"/>
+          </a:xfrm>
+        </p:spPr>
+        <p:txBody>
+          <a:bodyPr/>
+          <a:lstStyle/>
+          <a:p>
+            <a:r>
+              <a:rPr lang="en-US" dirty="0" smtClean="0">
+                <a:latin typeface="Calibri Light"/>
+                <a:cs typeface="Calibri Light"/>
+              </a:rPr>
+              <a:t>Parallel Computing: Final Project</a:t>
+            </a:r>
+          </a:p>
+          <a:p>
+            <a:r>
+              <a:rPr lang="en-US" dirty="0" smtClean="0">
+                <a:latin typeface="Calibri Light"/>
+                <a:cs typeface="Calibri Light"/>
+              </a:rPr>
+              <a:t>November </a:t>
+            </a:r>
+            <a:r>
+              <a:rPr lang="en-US" dirty="0" smtClean="0">
+                <a:latin typeface="Calibri Light"/>
+                <a:cs typeface="Calibri Light"/>
+              </a:rPr>
+              <a:t>24, </a:t>
+            </a:r>
+            <a:r>
+              <a:rPr lang="en-US" dirty="0" smtClean="0">
+                <a:latin typeface="Calibri Light"/>
+                <a:cs typeface="Calibri Light"/>
+              </a:rPr>
+              <a:t>2014</a:t>
+            </a:r>
+            <a:endParaRPr lang="en-US" dirty="0">
+              <a:latin typeface="Calibri Light"/>
+              <a:cs typeface="Calibri Light"/>
+            </a:endParaRPr>
+          </a:p>
+        </p:txBody>
+      </p:sp>
     </p:spTree>
     <p:extLst>
       <p:ext uri="{BB962C8B-B14F-4D97-AF65-F5344CB8AC3E}">
-        <p14:creationId xmlns:p14="http://schemas.microsoft.com/office/powerpoint/2010/main" val="3163815554"/>
+        <p14:creationId xmlns:p14="http://schemas.microsoft.com/office/powerpoint/2010/main" val="1819500669"/>
       </p:ext>
     </p:extLst>
   </p:cSld>
@@ -11402,6 +12119,61 @@
       </p:grpSpPr>
       <p:sp>
         <p:nvSpPr>
+          <p:cNvPr id="2" name="Title 1"/>
+          <p:cNvSpPr>
+            <a:spLocks noGrp="1"/>
+          </p:cNvSpPr>
+          <p:nvPr>
+            <p:ph type="title"/>
+          </p:nvPr>
+        </p:nvSpPr>
+        <p:spPr/>
+        <p:txBody>
+          <a:bodyPr/>
+          <a:lstStyle/>
+          <a:p>
+            <a:r>
+              <a:rPr lang="en-US" dirty="0" smtClean="0">
+                <a:latin typeface="Calibri Light"/>
+                <a:ea typeface="Yu Gothic" panose="020B0400000000000000" pitchFamily="34" charset="-128"/>
+                <a:cs typeface="Calibri Light"/>
+              </a:rPr>
+              <a:t>Advancing </a:t>
+            </a:r>
+            <a:r>
+              <a:rPr lang="en-US" dirty="0" smtClean="0">
+                <a:latin typeface="Calibri Light"/>
+                <a:ea typeface="Yu Gothic" panose="020B0400000000000000" pitchFamily="34" charset="-128"/>
+                <a:cs typeface="Calibri Light"/>
+              </a:rPr>
+              <a:t>boundary </a:t>
+            </a:r>
+            <a:r>
+              <a:rPr lang="en-US" dirty="0">
+                <a:latin typeface="Calibri Light"/>
+                <a:ea typeface="Yu Gothic" panose="020B0400000000000000" pitchFamily="34" charset="-128"/>
+                <a:cs typeface="Calibri Light"/>
+              </a:rPr>
+              <a:t>a</a:t>
+            </a:r>
+            <a:r>
+              <a:rPr lang="en-US" dirty="0" smtClean="0">
+                <a:latin typeface="Calibri Light"/>
+                <a:ea typeface="Yu Gothic" panose="020B0400000000000000" pitchFamily="34" charset="-128"/>
+                <a:cs typeface="Calibri Light"/>
+              </a:rPr>
+              <a:t>lgorithm</a:t>
+            </a:r>
+            <a:endParaRPr lang="en-US" dirty="0">
+              <a:latin typeface="Calibri Light"/>
+              <a:ea typeface="Yu Gothic" panose="020B0400000000000000" pitchFamily="34" charset="-128"/>
+              <a:cs typeface="Calibri Light"/>
+            </a:endParaRPr>
+          </a:p>
+        </p:txBody>
+      </p:sp>
+      <p:sp>
+        <p:nvSpPr>
           <p:cNvPr id="4" name="Slide Number Placeholder 3"/>
           <p:cNvSpPr>
             <a:spLocks noGrp="1"/>
@@ -11438,18 +12210,18 @@
       </p:sp>
       <p:sp>
         <p:nvSpPr>
-          <p:cNvPr id="8" name="Footer Placeholder 8"/>
+          <p:cNvPr id="12" name="Content Placeholder 2"/>
           <p:cNvSpPr>
             <a:spLocks noGrp="1"/>
           </p:cNvSpPr>
           <p:nvPr>
-            <p:ph type="ftr" sz="quarter" idx="11"/>
-          </p:nvPr>
-        </p:nvSpPr>
-        <p:spPr>
-          <a:xfrm>
-            <a:off x="2936527" y="6328436"/>
-            <a:ext cx="3616673" cy="365125"/>
+            <p:ph idx="1"/>
+          </p:nvPr>
+        </p:nvSpPr>
+        <p:spPr>
+          <a:xfrm>
+            <a:off x="457199" y="1530409"/>
+            <a:ext cx="8510399" cy="679097"/>
           </a:xfrm>
         </p:spPr>
         <p:txBody>
@@ -11459,21 +12231,22 @@
             <a:r>
               <a:rPr lang="en-US" dirty="0" smtClean="0">
                 <a:latin typeface="Calibri Light"/>
-                <a:cs typeface="Calibri Light"/>
-              </a:rPr>
-              <a:t>Parallel Computing: Final Project</a:t>
-            </a:r>
-          </a:p>
-          <a:p>
+                <a:ea typeface="Yu Gothic" panose="020B0400000000000000" pitchFamily="34" charset="-128"/>
+                <a:cs typeface="Calibri Light"/>
+              </a:rPr>
+              <a:t>Implementation: Aux </a:t>
+            </a:r>
             <a:r>
               <a:rPr lang="en-US" dirty="0" smtClean="0">
                 <a:latin typeface="Calibri Light"/>
-                <a:cs typeface="Calibri Light"/>
-              </a:rPr>
-              <a:t>November 20, 2014</a:t>
-            </a:r>
-            <a:endParaRPr lang="en-US" dirty="0">
+                <a:ea typeface="Yu Gothic" panose="020B0400000000000000" pitchFamily="34" charset="-128"/>
+                <a:cs typeface="Calibri Light"/>
+              </a:rPr>
+              <a:t>Cell Structs</a:t>
+            </a:r>
+            <a:endParaRPr lang="en-US" dirty="0" smtClean="0">
               <a:latin typeface="Calibri Light"/>
+              <a:ea typeface="Yu Gothic" panose="020B0400000000000000" pitchFamily="34" charset="-128"/>
               <a:cs typeface="Calibri Light"/>
             </a:endParaRPr>
           </a:p>
@@ -11481,7 +12254,7 @@
       </p:sp>
       <p:pic>
         <p:nvPicPr>
-          <p:cNvPr id="11" name="Picture 10" descr="AB_aux_optimization_2.png"/>
+          <p:cNvPr id="6" name="Picture 5" descr="cell_linked_list.png"/>
           <p:cNvPicPr>
             <a:picLocks noChangeAspect="1"/>
           </p:cNvPicPr>
@@ -11495,23 +12268,287 @@
               </a:ext>
             </a:extLst>
           </a:blip>
-          <a:srcRect l="1493" t="1975" r="1772" b="1917"/>
+          <a:srcRect l="26574" t="17630" r="56226" b="68710"/>
           <a:stretch/>
         </p:blipFill>
         <p:spPr>
           <a:xfrm>
-            <a:off x="320730" y="205243"/>
-            <a:ext cx="8314754" cy="5618526"/>
+            <a:off x="252625" y="2414755"/>
+            <a:ext cx="2072653" cy="1234440"/>
           </a:xfrm>
           <a:prstGeom prst="rect">
             <a:avLst/>
           </a:prstGeom>
         </p:spPr>
       </p:pic>
+      <p:pic>
+        <p:nvPicPr>
+          <p:cNvPr id="7" name="Picture 6" descr="cell_pointers.png"/>
+          <p:cNvPicPr>
+            <a:picLocks noChangeAspect="1"/>
+          </p:cNvPicPr>
+          <p:nvPr/>
+        </p:nvPicPr>
+        <p:blipFill rotWithShape="1">
+          <a:blip r:embed="rId3">
+            <a:extLst>
+              <a:ext uri="{28A0092B-C50C-407E-A947-70E740481C1C}">
+                <a14:useLocalDpi xmlns:a14="http://schemas.microsoft.com/office/drawing/2010/main" val="0"/>
+              </a:ext>
+            </a:extLst>
+          </a:blip>
+          <a:srcRect l="26236" t="15151" r="56366" b="65957"/>
+          <a:stretch/>
+        </p:blipFill>
+        <p:spPr>
+          <a:xfrm>
+            <a:off x="3270086" y="2414754"/>
+            <a:ext cx="1962734" cy="1598490"/>
+          </a:xfrm>
+          <a:prstGeom prst="rect">
+            <a:avLst/>
+          </a:prstGeom>
+        </p:spPr>
+      </p:pic>
+      <p:pic>
+        <p:nvPicPr>
+          <p:cNvPr id="10" name="Picture 9" descr="cell_arrays.png"/>
+          <p:cNvPicPr>
+            <a:picLocks noChangeAspect="1"/>
+          </p:cNvPicPr>
+          <p:nvPr/>
+        </p:nvPicPr>
+        <p:blipFill rotWithShape="1">
+          <a:blip r:embed="rId4">
+            <a:extLst>
+              <a:ext uri="{28A0092B-C50C-407E-A947-70E740481C1C}">
+                <a14:useLocalDpi xmlns:a14="http://schemas.microsoft.com/office/drawing/2010/main" val="0"/>
+              </a:ext>
+            </a:extLst>
+          </a:blip>
+          <a:srcRect l="26377" t="14964" r="56647" b="67226"/>
+          <a:stretch/>
+        </p:blipFill>
+        <p:spPr>
+          <a:xfrm>
+            <a:off x="252625" y="4207480"/>
+            <a:ext cx="2031610" cy="1598490"/>
+          </a:xfrm>
+          <a:prstGeom prst="rect">
+            <a:avLst/>
+          </a:prstGeom>
+        </p:spPr>
+      </p:pic>
+      <p:grpSp>
+        <p:nvGrpSpPr>
+          <p:cNvPr id="5" name="Group 4"/>
+          <p:cNvGrpSpPr>
+            <a:grpSpLocks noChangeAspect="1"/>
+          </p:cNvGrpSpPr>
+          <p:nvPr/>
+        </p:nvGrpSpPr>
+        <p:grpSpPr>
+          <a:xfrm>
+            <a:off x="5747793" y="2301991"/>
+            <a:ext cx="2955101" cy="1558551"/>
+            <a:chOff x="6796955" y="1404810"/>
+            <a:chExt cx="1970084" cy="1039043"/>
+          </a:xfrm>
+        </p:grpSpPr>
+        <p:pic>
+          <p:nvPicPr>
+            <p:cNvPr id="9" name="Picture 8" descr="algorithm_diagram.png"/>
+            <p:cNvPicPr>
+              <a:picLocks noChangeAspect="1"/>
+            </p:cNvPicPr>
+            <p:nvPr/>
+          </p:nvPicPr>
+          <p:blipFill rotWithShape="1">
+            <a:blip r:embed="rId5">
+              <a:extLst>
+                <a:ext uri="{28A0092B-C50C-407E-A947-70E740481C1C}">
+                  <a14:useLocalDpi xmlns:a14="http://schemas.microsoft.com/office/drawing/2010/main" val="0"/>
+                </a:ext>
+              </a:extLst>
+            </a:blip>
+            <a:srcRect l="52044" t="2514" r="24540" b="78919"/>
+            <a:stretch/>
+          </p:blipFill>
+          <p:spPr>
+            <a:xfrm>
+              <a:off x="6796955" y="1404810"/>
+              <a:ext cx="1970084" cy="1039043"/>
+            </a:xfrm>
+            <a:prstGeom prst="rect">
+              <a:avLst/>
+            </a:prstGeom>
+          </p:spPr>
+        </p:pic>
+        <p:sp>
+          <p:nvSpPr>
+            <p:cNvPr id="11" name="Rectangle 10"/>
+            <p:cNvSpPr/>
+            <p:nvPr/>
+          </p:nvSpPr>
+          <p:spPr>
+            <a:xfrm>
+              <a:off x="6873925" y="1962633"/>
+              <a:ext cx="457200" cy="457200"/>
+            </a:xfrm>
+            <a:prstGeom prst="rect">
+              <a:avLst/>
+            </a:prstGeom>
+            <a:noFill/>
+            <a:ln w="25400">
+              <a:solidFill>
+                <a:srgbClr val="FF0000"/>
+              </a:solidFill>
+            </a:ln>
+            <a:effectLst/>
+          </p:spPr>
+          <p:style>
+            <a:lnRef idx="1">
+              <a:schemeClr val="accent1"/>
+            </a:lnRef>
+            <a:fillRef idx="3">
+              <a:schemeClr val="accent1"/>
+            </a:fillRef>
+            <a:effectRef idx="2">
+              <a:schemeClr val="accent1"/>
+            </a:effectRef>
+            <a:fontRef idx="minor">
+              <a:schemeClr val="lt1"/>
+            </a:fontRef>
+          </p:style>
+          <p:txBody>
+            <a:bodyPr rtlCol="0" anchor="ctr"/>
+            <a:lstStyle/>
+            <a:p>
+              <a:pPr algn="ctr"/>
+              <a:endParaRPr lang="en-US"/>
+            </a:p>
+          </p:txBody>
+        </p:sp>
+      </p:grpSp>
+      <p:pic>
+        <p:nvPicPr>
+          <p:cNvPr id="13" name="Picture 12" descr="cell_array.png"/>
+          <p:cNvPicPr>
+            <a:picLocks noChangeAspect="1"/>
+          </p:cNvPicPr>
+          <p:nvPr/>
+        </p:nvPicPr>
+        <p:blipFill rotWithShape="1">
+          <a:blip r:embed="rId6">
+            <a:extLst>
+              <a:ext uri="{28A0092B-C50C-407E-A947-70E740481C1C}">
+                <a14:useLocalDpi xmlns:a14="http://schemas.microsoft.com/office/drawing/2010/main" val="0"/>
+              </a:ext>
+            </a:extLst>
+          </a:blip>
+          <a:srcRect l="26377" t="14776" r="56786" b="68581"/>
+          <a:stretch/>
+        </p:blipFill>
+        <p:spPr>
+          <a:xfrm>
+            <a:off x="3270086" y="4178581"/>
+            <a:ext cx="2194990" cy="1627389"/>
+          </a:xfrm>
+          <a:prstGeom prst="rect">
+            <a:avLst/>
+          </a:prstGeom>
+        </p:spPr>
+      </p:pic>
+      <p:pic>
+        <p:nvPicPr>
+          <p:cNvPr id="3" name="Picture 2" descr="cell_index.png"/>
+          <p:cNvPicPr>
+            <a:picLocks noChangeAspect="1"/>
+          </p:cNvPicPr>
+          <p:nvPr/>
+        </p:nvPicPr>
+        <p:blipFill rotWithShape="1">
+          <a:blip r:embed="rId7">
+            <a:extLst>
+              <a:ext uri="{28A0092B-C50C-407E-A947-70E740481C1C}">
+                <a14:useLocalDpi xmlns:a14="http://schemas.microsoft.com/office/drawing/2010/main" val="0"/>
+              </a:ext>
+            </a:extLst>
+          </a:blip>
+          <a:srcRect l="26377" t="14777" r="56506" b="67204"/>
+          <a:stretch/>
+        </p:blipFill>
+        <p:spPr>
+          <a:xfrm>
+            <a:off x="5811938" y="4178581"/>
+            <a:ext cx="2103668" cy="1660901"/>
+          </a:xfrm>
+          <a:prstGeom prst="rect">
+            <a:avLst/>
+          </a:prstGeom>
+        </p:spPr>
+      </p:pic>
+      <p:sp>
+        <p:nvSpPr>
+          <p:cNvPr id="14" name="Footer Placeholder 8"/>
+          <p:cNvSpPr>
+            <a:spLocks noGrp="1"/>
+          </p:cNvSpPr>
+          <p:nvPr>
+            <p:ph type="ftr" sz="quarter" idx="11"/>
+          </p:nvPr>
+        </p:nvSpPr>
+        <p:spPr>
+          <a:xfrm>
+            <a:off x="2936527" y="6328436"/>
+            <a:ext cx="3616673" cy="365125"/>
+          </a:xfrm>
+        </p:spPr>
+        <p:txBody>
+          <a:bodyPr/>
+          <a:lstStyle/>
+          <a:p>
+            <a:r>
+              <a:rPr lang="en-US" dirty="0" smtClean="0">
+                <a:latin typeface="Calibri Light"/>
+                <a:cs typeface="Calibri Light"/>
+              </a:rPr>
+              <a:t>Parallel Computing: Final Project</a:t>
+            </a:r>
+          </a:p>
+          <a:p>
+            <a:r>
+              <a:rPr lang="en-US" dirty="0" smtClean="0">
+                <a:latin typeface="Calibri Light"/>
+                <a:cs typeface="Calibri Light"/>
+              </a:rPr>
+              <a:t>November </a:t>
+            </a:r>
+            <a:r>
+              <a:rPr lang="en-US" dirty="0" smtClean="0">
+                <a:latin typeface="Calibri Light"/>
+                <a:cs typeface="Calibri Light"/>
+              </a:rPr>
+              <a:t>24, </a:t>
+            </a:r>
+            <a:r>
+              <a:rPr lang="en-US" dirty="0" smtClean="0">
+                <a:latin typeface="Calibri Light"/>
+                <a:cs typeface="Calibri Light"/>
+              </a:rPr>
+              <a:t>2014</a:t>
+            </a:r>
+            <a:endParaRPr lang="en-US" dirty="0">
+              <a:latin typeface="Calibri Light"/>
+              <a:cs typeface="Calibri Light"/>
+            </a:endParaRPr>
+          </a:p>
+        </p:txBody>
+      </p:sp>
     </p:spTree>
     <p:extLst>
       <p:ext uri="{BB962C8B-B14F-4D97-AF65-F5344CB8AC3E}">
-        <p14:creationId xmlns:p14="http://schemas.microsoft.com/office/powerpoint/2010/main" val="1819500669"/>
+        <p14:creationId xmlns:p14="http://schemas.microsoft.com/office/powerpoint/2010/main" val="3043252308"/>
       </p:ext>
     </p:extLst>
   </p:cSld>
@@ -11566,7 +12603,31 @@
                 <a:ea typeface="Yu Gothic" panose="020B0400000000000000" pitchFamily="34" charset="-128"/>
                 <a:cs typeface="Calibri Light"/>
               </a:rPr>
-              <a:t>Advancing Boundary Algorithm</a:t>
+              <a:t>Advancing </a:t>
+            </a:r>
+            <a:r>
+              <a:rPr lang="en-US" dirty="0" smtClean="0">
+                <a:latin typeface="Calibri Light"/>
+                <a:ea typeface="Yu Gothic" panose="020B0400000000000000" pitchFamily="34" charset="-128"/>
+                <a:cs typeface="Calibri Light"/>
+              </a:rPr>
+              <a:t>boundary </a:t>
+            </a:r>
+            <a:r>
+              <a:rPr lang="en-US" dirty="0">
+                <a:latin typeface="Calibri Light"/>
+                <a:ea typeface="Yu Gothic" panose="020B0400000000000000" pitchFamily="34" charset="-128"/>
+                <a:cs typeface="Calibri Light"/>
+              </a:rPr>
+              <a:t>a</a:t>
+            </a:r>
+            <a:r>
+              <a:rPr lang="en-US" dirty="0" smtClean="0">
+                <a:latin typeface="Calibri Light"/>
+                <a:ea typeface="Yu Gothic" panose="020B0400000000000000" pitchFamily="34" charset="-128"/>
+                <a:cs typeface="Calibri Light"/>
+              </a:rPr>
+              <a:t>lgorithm</a:t>
             </a:r>
             <a:endParaRPr lang="en-US" dirty="0">
               <a:latin typeface="Calibri Light"/>
@@ -11612,94 +12673,15 @@
           </a:p>
         </p:txBody>
       </p:sp>
-      <p:sp>
-        <p:nvSpPr>
-          <p:cNvPr id="8" name="Footer Placeholder 8"/>
-          <p:cNvSpPr>
-            <a:spLocks noGrp="1"/>
-          </p:cNvSpPr>
-          <p:nvPr>
-            <p:ph type="ftr" sz="quarter" idx="11"/>
-          </p:nvPr>
-        </p:nvSpPr>
-        <p:spPr>
-          <a:xfrm>
-            <a:off x="2936527" y="6328436"/>
-            <a:ext cx="3616673" cy="365125"/>
-          </a:xfrm>
-        </p:spPr>
-        <p:txBody>
-          <a:bodyPr/>
-          <a:lstStyle/>
-          <a:p>
-            <a:r>
-              <a:rPr lang="en-US" dirty="0" smtClean="0">
-                <a:latin typeface="Calibri Light"/>
-                <a:cs typeface="Calibri Light"/>
-              </a:rPr>
-              <a:t>Parallel Computing: Final Project</a:t>
-            </a:r>
-          </a:p>
-          <a:p>
-            <a:r>
-              <a:rPr lang="en-US" dirty="0" smtClean="0">
-                <a:latin typeface="Calibri Light"/>
-                <a:cs typeface="Calibri Light"/>
-              </a:rPr>
-              <a:t>November 20, 2014</a:t>
-            </a:r>
-            <a:endParaRPr lang="en-US" dirty="0">
-              <a:latin typeface="Calibri Light"/>
-              <a:cs typeface="Calibri Light"/>
-            </a:endParaRPr>
-          </a:p>
-        </p:txBody>
-      </p:sp>
-      <p:sp>
-        <p:nvSpPr>
-          <p:cNvPr id="12" name="Content Placeholder 2"/>
-          <p:cNvSpPr>
-            <a:spLocks noGrp="1"/>
-          </p:cNvSpPr>
-          <p:nvPr>
-            <p:ph idx="1"/>
-          </p:nvPr>
-        </p:nvSpPr>
-        <p:spPr>
-          <a:xfrm>
-            <a:off x="457199" y="1530409"/>
-            <a:ext cx="8510399" cy="679097"/>
-          </a:xfrm>
-        </p:spPr>
-        <p:txBody>
-          <a:bodyPr/>
-          <a:lstStyle/>
-          <a:p>
-            <a:r>
-              <a:rPr lang="en-US" dirty="0" smtClean="0">
-                <a:latin typeface="Calibri Light"/>
-                <a:ea typeface="Yu Gothic" panose="020B0400000000000000" pitchFamily="34" charset="-128"/>
-                <a:cs typeface="Calibri Light"/>
-              </a:rPr>
-              <a:t>Implementation: Aux Cells</a:t>
-            </a:r>
-            <a:endParaRPr lang="en-US" dirty="0" smtClean="0">
-              <a:latin typeface="Calibri Light"/>
-              <a:ea typeface="Yu Gothic" panose="020B0400000000000000" pitchFamily="34" charset="-128"/>
-              <a:cs typeface="Calibri Light"/>
-            </a:endParaRPr>
-          </a:p>
-        </p:txBody>
-      </p:sp>
       <p:pic>
         <p:nvPicPr>
-          <p:cNvPr id="9" name="Picture 8" descr="algorithm_diagram.png"/>
+          <p:cNvPr id="3" name="Picture 2" descr="Screen Shot 2014-11-23 at 2.46.34 PM.png"/>
           <p:cNvPicPr>
             <a:picLocks noChangeAspect="1"/>
           </p:cNvPicPr>
           <p:nvPr/>
         </p:nvPicPr>
-        <p:blipFill rotWithShape="1">
+        <p:blipFill>
           <a:blip r:embed="rId2">
             <a:extLst>
               <a:ext uri="{28A0092B-C50C-407E-A947-70E740481C1C}">
@@ -11707,184 +12689,81 @@
               </a:ext>
             </a:extLst>
           </a:blip>
-          <a:srcRect l="52044" t="2514" r="24540" b="78919"/>
-          <a:stretch/>
+          <a:stretch>
+            <a:fillRect/>
+          </a:stretch>
         </p:blipFill>
         <p:spPr>
           <a:xfrm>
-            <a:off x="6796955" y="1404810"/>
-            <a:ext cx="1970084" cy="1039043"/>
+            <a:off x="102632" y="1579340"/>
+            <a:ext cx="8953498" cy="3840479"/>
           </a:xfrm>
           <a:prstGeom prst="rect">
             <a:avLst/>
           </a:prstGeom>
         </p:spPr>
       </p:pic>
-      <p:pic>
-        <p:nvPicPr>
-          <p:cNvPr id="6" name="Picture 5" descr="cell_linked_list.png"/>
-          <p:cNvPicPr>
-            <a:picLocks noChangeAspect="1"/>
-          </p:cNvPicPr>
-          <p:nvPr/>
-        </p:nvPicPr>
-        <p:blipFill rotWithShape="1">
-          <a:blip r:embed="rId3">
-            <a:extLst>
-              <a:ext uri="{28A0092B-C50C-407E-A947-70E740481C1C}">
-                <a14:useLocalDpi xmlns:a14="http://schemas.microsoft.com/office/drawing/2010/main" val="0"/>
-              </a:ext>
-            </a:extLst>
-          </a:blip>
-          <a:srcRect l="26574" t="17630" r="56226" b="68710"/>
-          <a:stretch/>
-        </p:blipFill>
-        <p:spPr>
-          <a:xfrm>
-            <a:off x="252625" y="2209506"/>
-            <a:ext cx="2683902" cy="1598490"/>
-          </a:xfrm>
-          <a:prstGeom prst="rect">
-            <a:avLst/>
-          </a:prstGeom>
-        </p:spPr>
-      </p:pic>
-      <p:pic>
-        <p:nvPicPr>
-          <p:cNvPr id="7" name="Picture 6" descr="cell_pointers.png"/>
-          <p:cNvPicPr>
-            <a:picLocks noChangeAspect="1"/>
-          </p:cNvPicPr>
-          <p:nvPr/>
-        </p:nvPicPr>
-        <p:blipFill rotWithShape="1">
-          <a:blip r:embed="rId4">
-            <a:extLst>
-              <a:ext uri="{28A0092B-C50C-407E-A947-70E740481C1C}">
-                <a14:useLocalDpi xmlns:a14="http://schemas.microsoft.com/office/drawing/2010/main" val="0"/>
-              </a:ext>
-            </a:extLst>
-          </a:blip>
-          <a:srcRect l="26236" t="15151" r="56366" b="65957"/>
-          <a:stretch/>
-        </p:blipFill>
-        <p:spPr>
-          <a:xfrm>
-            <a:off x="3270086" y="2209506"/>
-            <a:ext cx="1962734" cy="1598490"/>
-          </a:xfrm>
-          <a:prstGeom prst="rect">
-            <a:avLst/>
-          </a:prstGeom>
-        </p:spPr>
-      </p:pic>
-      <p:pic>
-        <p:nvPicPr>
-          <p:cNvPr id="10" name="Picture 9" descr="cell_arrays.png"/>
-          <p:cNvPicPr>
-            <a:picLocks noChangeAspect="1"/>
-          </p:cNvPicPr>
-          <p:nvPr/>
-        </p:nvPicPr>
-        <p:blipFill rotWithShape="1">
-          <a:blip r:embed="rId5">
-            <a:extLst>
-              <a:ext uri="{28A0092B-C50C-407E-A947-70E740481C1C}">
-                <a14:useLocalDpi xmlns:a14="http://schemas.microsoft.com/office/drawing/2010/main" val="0"/>
-              </a:ext>
-            </a:extLst>
-          </a:blip>
-          <a:srcRect l="26377" t="14964" r="56647" b="67226"/>
-          <a:stretch/>
-        </p:blipFill>
-        <p:spPr>
-          <a:xfrm>
-            <a:off x="252625" y="4207480"/>
-            <a:ext cx="2031610" cy="1598490"/>
-          </a:xfrm>
-          <a:prstGeom prst="rect">
-            <a:avLst/>
-          </a:prstGeom>
-        </p:spPr>
-      </p:pic>
-      <p:sp>
-        <p:nvSpPr>
-          <p:cNvPr id="11" name="Rectangle 10"/>
-          <p:cNvSpPr/>
-          <p:nvPr/>
-        </p:nvSpPr>
-        <p:spPr>
-          <a:xfrm>
-            <a:off x="6873925" y="1962633"/>
-            <a:ext cx="457200" cy="457200"/>
-          </a:xfrm>
-          <a:prstGeom prst="rect">
-            <a:avLst/>
-          </a:prstGeom>
-          <a:noFill/>
-          <a:ln w="25400">
-            <a:solidFill>
-              <a:srgbClr val="FF0000"/>
-            </a:solidFill>
-          </a:ln>
-          <a:effectLst/>
-        </p:spPr>
-        <p:style>
-          <a:lnRef idx="1">
-            <a:schemeClr val="accent1"/>
-          </a:lnRef>
-          <a:fillRef idx="3">
-            <a:schemeClr val="accent1"/>
-          </a:fillRef>
-          <a:effectRef idx="2">
-            <a:schemeClr val="accent1"/>
-          </a:effectRef>
-          <a:fontRef idx="minor">
-            <a:schemeClr val="lt1"/>
-          </a:fontRef>
-        </p:style>
-        <p:txBody>
-          <a:bodyPr rtlCol="0" anchor="ctr"/>
+      <p:sp>
+        <p:nvSpPr>
+          <p:cNvPr id="7" name="Footer Placeholder 8"/>
+          <p:cNvSpPr>
+            <a:spLocks noGrp="1"/>
+          </p:cNvSpPr>
+          <p:nvPr>
+            <p:ph type="ftr" sz="quarter" idx="11"/>
+          </p:nvPr>
+        </p:nvSpPr>
+        <p:spPr>
+          <a:xfrm>
+            <a:off x="2936527" y="6328436"/>
+            <a:ext cx="3616673" cy="365125"/>
+          </a:xfrm>
+        </p:spPr>
+        <p:txBody>
+          <a:bodyPr/>
           <a:lstStyle/>
           <a:p>
-            <a:pPr algn="ctr"/>
-            <a:endParaRPr lang="en-US"/>
-          </a:p>
-        </p:txBody>
-      </p:sp>
-      <p:pic>
-        <p:nvPicPr>
-          <p:cNvPr id="13" name="Picture 12" descr="cell_array.png"/>
-          <p:cNvPicPr>
-            <a:picLocks noChangeAspect="1"/>
-          </p:cNvPicPr>
-          <p:nvPr/>
-        </p:nvPicPr>
-        <p:blipFill rotWithShape="1">
-          <a:blip r:embed="rId6">
-            <a:extLst>
-              <a:ext uri="{28A0092B-C50C-407E-A947-70E740481C1C}">
-                <a14:useLocalDpi xmlns:a14="http://schemas.microsoft.com/office/drawing/2010/main" val="0"/>
-              </a:ext>
-            </a:extLst>
-          </a:blip>
-          <a:srcRect l="26377" t="14776" r="56786" b="68581"/>
-          <a:stretch/>
-        </p:blipFill>
-        <p:spPr>
-          <a:xfrm>
-            <a:off x="3270086" y="4178581"/>
-            <a:ext cx="2194990" cy="1627389"/>
-          </a:xfrm>
-          <a:prstGeom prst="rect">
-            <a:avLst/>
-          </a:prstGeom>
-        </p:spPr>
-      </p:pic>
+            <a:r>
+              <a:rPr lang="en-US" dirty="0" smtClean="0">
+                <a:latin typeface="Calibri Light"/>
+                <a:cs typeface="Calibri Light"/>
+              </a:rPr>
+              <a:t>Parallel Computing: Final Project</a:t>
+            </a:r>
+          </a:p>
+          <a:p>
+            <a:r>
+              <a:rPr lang="en-US" dirty="0" smtClean="0">
+                <a:latin typeface="Calibri Light"/>
+                <a:cs typeface="Calibri Light"/>
+              </a:rPr>
+              <a:t>November </a:t>
+            </a:r>
+            <a:r>
+              <a:rPr lang="en-US" dirty="0" smtClean="0">
+                <a:latin typeface="Calibri Light"/>
+                <a:cs typeface="Calibri Light"/>
+              </a:rPr>
+              <a:t>24, </a:t>
+            </a:r>
+            <a:r>
+              <a:rPr lang="en-US" dirty="0" smtClean="0">
+                <a:latin typeface="Calibri Light"/>
+                <a:cs typeface="Calibri Light"/>
+              </a:rPr>
+              <a:t>2014</a:t>
+            </a:r>
+            <a:endParaRPr lang="en-US" dirty="0">
+              <a:latin typeface="Calibri Light"/>
+              <a:cs typeface="Calibri Light"/>
+            </a:endParaRPr>
+          </a:p>
+        </p:txBody>
+      </p:sp>
     </p:spTree>
     <p:extLst>
       <p:ext uri="{BB962C8B-B14F-4D97-AF65-F5344CB8AC3E}">
-        <p14:creationId xmlns:p14="http://schemas.microsoft.com/office/powerpoint/2010/main" val="3043252308"/>
+        <p14:creationId xmlns:p14="http://schemas.microsoft.com/office/powerpoint/2010/main" val="2867310826"/>
       </p:ext>
     </p:extLst>
   </p:cSld>
@@ -11939,7 +12818,7 @@
                 <a:ea typeface="Yu Gothic" panose="020B0400000000000000" pitchFamily="34" charset="-128"/>
                 <a:cs typeface="Calibri Light"/>
               </a:rPr>
-              <a:t>Advancing Boundary Algorithm</a:t>
+              <a:t>Conclusions</a:t>
             </a:r>
             <a:endParaRPr lang="en-US" dirty="0">
               <a:latin typeface="Calibri Light"/>
@@ -11987,11 +12866,122 @@
       </p:sp>
       <p:sp>
         <p:nvSpPr>
-          <p:cNvPr id="8" name="Footer Placeholder 8"/>
+          <p:cNvPr id="6" name="Content Placeholder 2"/>
           <p:cNvSpPr>
             <a:spLocks noGrp="1"/>
           </p:cNvSpPr>
           <p:nvPr>
+            <p:ph idx="1"/>
+          </p:nvPr>
+        </p:nvSpPr>
+        <p:spPr>
+          <a:xfrm>
+            <a:off x="561275" y="2103055"/>
+            <a:ext cx="7046430" cy="3005529"/>
+          </a:xfrm>
+        </p:spPr>
+        <p:txBody>
+          <a:bodyPr>
+            <a:normAutofit/>
+          </a:bodyPr>
+          <a:lstStyle/>
+          <a:p>
+            <a:r>
+              <a:rPr lang="en-US" sz="2400" dirty="0" smtClean="0">
+                <a:latin typeface="Calibri Light"/>
+                <a:ea typeface="Yu Gothic" panose="020B0400000000000000" pitchFamily="34" charset="-128"/>
+                <a:cs typeface="Calibri Light"/>
+              </a:rPr>
+              <a:t>Successful GPU implementation of two wall distance algorithms</a:t>
+            </a:r>
+            <a:endParaRPr lang="en-US" sz="2400" dirty="0" smtClean="0">
+              <a:latin typeface="Calibri Light"/>
+              <a:ea typeface="Yu Gothic" panose="020B0400000000000000" pitchFamily="34" charset="-128"/>
+              <a:cs typeface="Calibri Light"/>
+            </a:endParaRPr>
+          </a:p>
+          <a:p>
+            <a:endParaRPr lang="en-US" sz="1050" dirty="0">
+              <a:latin typeface="Calibri Light"/>
+              <a:ea typeface="Yu Gothic" panose="020B0400000000000000" pitchFamily="34" charset="-128"/>
+              <a:cs typeface="Calibri Light"/>
+            </a:endParaRPr>
+          </a:p>
+          <a:p>
+            <a:endParaRPr lang="en-US" sz="1050" dirty="0" smtClean="0">
+              <a:latin typeface="Calibri Light"/>
+              <a:ea typeface="Yu Gothic" panose="020B0400000000000000" pitchFamily="34" charset="-128"/>
+              <a:cs typeface="Calibri Light"/>
+            </a:endParaRPr>
+          </a:p>
+          <a:p>
+            <a:pPr marL="0" indent="0">
+              <a:buNone/>
+            </a:pPr>
+            <a:endParaRPr lang="en-US" sz="1050" dirty="0" smtClean="0">
+              <a:latin typeface="Calibri Light"/>
+              <a:ea typeface="Yu Gothic" panose="020B0400000000000000" pitchFamily="34" charset="-128"/>
+              <a:cs typeface="Calibri Light"/>
+            </a:endParaRPr>
+          </a:p>
+          <a:p>
+            <a:pPr marL="0" indent="0">
+              <a:buNone/>
+            </a:pPr>
+            <a:endParaRPr lang="en-US" sz="1050" dirty="0" smtClean="0">
+              <a:latin typeface="Calibri Light"/>
+              <a:ea typeface="Yu Gothic" panose="020B0400000000000000" pitchFamily="34" charset="-128"/>
+              <a:cs typeface="Calibri Light"/>
+            </a:endParaRPr>
+          </a:p>
+          <a:p>
+            <a:r>
+              <a:rPr lang="en-US" sz="2400" dirty="0" smtClean="0">
+                <a:latin typeface="Calibri Light"/>
+                <a:ea typeface="Yu Gothic" panose="020B0400000000000000" pitchFamily="34" charset="-128"/>
+                <a:cs typeface="Calibri Light"/>
+              </a:rPr>
+              <a:t>Order-of-magnitude type speedups realized</a:t>
+            </a:r>
+            <a:endParaRPr lang="en-US" sz="2400" dirty="0" smtClean="0">
+              <a:latin typeface="Calibri Light"/>
+              <a:ea typeface="Yu Gothic" panose="020B0400000000000000" pitchFamily="34" charset="-128"/>
+              <a:cs typeface="Calibri Light"/>
+            </a:endParaRPr>
+          </a:p>
+          <a:p>
+            <a:endParaRPr lang="en-US" sz="1050" dirty="0">
+              <a:latin typeface="Calibri Light"/>
+              <a:ea typeface="Yu Gothic" panose="020B0400000000000000" pitchFamily="34" charset="-128"/>
+              <a:cs typeface="Calibri Light"/>
+            </a:endParaRPr>
+          </a:p>
+          <a:p>
+            <a:pPr marL="0" indent="0">
+              <a:buNone/>
+            </a:pPr>
+            <a:endParaRPr lang="en-US" sz="2400" dirty="0">
+              <a:latin typeface="Calibri Light"/>
+              <a:ea typeface="Yu Gothic" panose="020B0400000000000000" pitchFamily="34" charset="-128"/>
+              <a:cs typeface="Calibri Light"/>
+            </a:endParaRPr>
+          </a:p>
+          <a:p>
+            <a:endParaRPr lang="en-US" sz="2400" dirty="0">
+              <a:latin typeface="Calibri Light"/>
+              <a:ea typeface="Yu Gothic" panose="020B0400000000000000" pitchFamily="34" charset="-128"/>
+              <a:cs typeface="Calibri Light"/>
+            </a:endParaRPr>
+          </a:p>
+        </p:txBody>
+      </p:sp>
+      <p:sp>
+        <p:nvSpPr>
+          <p:cNvPr id="7" name="Footer Placeholder 8"/>
+          <p:cNvSpPr>
+            <a:spLocks noGrp="1"/>
+          </p:cNvSpPr>
+          <p:nvPr>
             <p:ph type="ftr" sz="quarter" idx="11"/>
           </p:nvPr>
         </p:nvSpPr>
@@ -12019,7 +13009,21 @@
                 <a:latin typeface="Calibri Light"/>
                 <a:cs typeface="Calibri Light"/>
               </a:rPr>
-              <a:t>November 20, 2014</a:t>
+              <a:t>November </a:t>
+            </a:r>
+            <a:r>
+              <a:rPr lang="en-US" dirty="0" smtClean="0">
+                <a:latin typeface="Calibri Light"/>
+                <a:cs typeface="Calibri Light"/>
+              </a:rPr>
+              <a:t>24, </a:t>
+            </a:r>
+            <a:r>
+              <a:rPr lang="en-US" dirty="0" smtClean="0">
+                <a:latin typeface="Calibri Light"/>
+                <a:cs typeface="Calibri Light"/>
+              </a:rPr>
+              <a:t>2014</a:t>
             </a:r>
             <a:endParaRPr lang="en-US" dirty="0">
               <a:latin typeface="Calibri Light"/>
@@ -12028,39 +13032,10 @@
           </a:p>
         </p:txBody>
       </p:sp>
-      <p:pic>
-        <p:nvPicPr>
-          <p:cNvPr id="11" name="Picture 10" descr="Screen Shot 2014-11-23 at 1.53.52 PM.png"/>
-          <p:cNvPicPr>
-            <a:picLocks noChangeAspect="1"/>
-          </p:cNvPicPr>
-          <p:nvPr/>
-        </p:nvPicPr>
-        <p:blipFill rotWithShape="1">
-          <a:blip r:embed="rId2">
-            <a:extLst>
-              <a:ext uri="{28A0092B-C50C-407E-A947-70E740481C1C}">
-                <a14:useLocalDpi xmlns:a14="http://schemas.microsoft.com/office/drawing/2010/main" val="0"/>
-              </a:ext>
-            </a:extLst>
-          </a:blip>
-          <a:srcRect t="10592"/>
-          <a:stretch/>
-        </p:blipFill>
-        <p:spPr>
-          <a:xfrm>
-            <a:off x="128291" y="1590626"/>
-            <a:ext cx="8873844" cy="3842476"/>
-          </a:xfrm>
-          <a:prstGeom prst="rect">
-            <a:avLst/>
-          </a:prstGeom>
-        </p:spPr>
-      </p:pic>
     </p:spTree>
     <p:extLst>
       <p:ext uri="{BB962C8B-B14F-4D97-AF65-F5344CB8AC3E}">
-        <p14:creationId xmlns:p14="http://schemas.microsoft.com/office/powerpoint/2010/main" val="2867310826"/>
+        <p14:creationId xmlns:p14="http://schemas.microsoft.com/office/powerpoint/2010/main" val="3495122230"/>
       </p:ext>
     </p:extLst>
   </p:cSld>
@@ -12166,7 +13141,7 @@
       </p:sp>
       <p:sp>
         <p:nvSpPr>
-          <p:cNvPr id="8" name="Footer Placeholder 8"/>
+          <p:cNvPr id="6" name="Footer Placeholder 8"/>
           <p:cNvSpPr>
             <a:spLocks noGrp="1"/>
           </p:cNvSpPr>
@@ -12198,7 +13173,21 @@
                 <a:latin typeface="Calibri Light"/>
                 <a:cs typeface="Calibri Light"/>
               </a:rPr>
-              <a:t>November 20, 2014</a:t>
+              <a:t>November </a:t>
+            </a:r>
+            <a:r>
+              <a:rPr lang="en-US" dirty="0" smtClean="0">
+                <a:latin typeface="Calibri Light"/>
+                <a:cs typeface="Calibri Light"/>
+              </a:rPr>
+              <a:t>24, </a:t>
+            </a:r>
+            <a:r>
+              <a:rPr lang="en-US" dirty="0" smtClean="0">
+                <a:latin typeface="Calibri Light"/>
+                <a:cs typeface="Calibri Light"/>
+              </a:rPr>
+              <a:t>2014</a:t>
             </a:r>
             <a:endParaRPr lang="en-US" dirty="0">
               <a:latin typeface="Calibri Light"/>
@@ -12303,11 +13292,6 @@
               </a:rPr>
               <a:t>Reynolds-Averaged Navier-Stokes calculation</a:t>
             </a:r>
-            <a:endParaRPr lang="en-US" dirty="0" smtClean="0">
-              <a:latin typeface="Calibri Light"/>
-              <a:ea typeface="Yu Gothic" panose="020B0400000000000000" pitchFamily="34" charset="-128"/>
-              <a:cs typeface="Calibri Light"/>
-            </a:endParaRPr>
           </a:p>
         </p:txBody>
       </p:sp>
@@ -12349,49 +13333,6 @@
       </p:sp>
       <p:sp>
         <p:nvSpPr>
-          <p:cNvPr id="8" name="Footer Placeholder 8"/>
-          <p:cNvSpPr>
-            <a:spLocks noGrp="1"/>
-          </p:cNvSpPr>
-          <p:nvPr>
-            <p:ph type="ftr" sz="quarter" idx="11"/>
-          </p:nvPr>
-        </p:nvSpPr>
-        <p:spPr>
-          <a:xfrm>
-            <a:off x="2936527" y="6328436"/>
-            <a:ext cx="3616673" cy="365125"/>
-          </a:xfrm>
-        </p:spPr>
-        <p:txBody>
-          <a:bodyPr/>
-          <a:lstStyle/>
-          <a:p>
-            <a:r>
-              <a:rPr lang="en-US" dirty="0" smtClean="0">
-                <a:latin typeface="Calibri Light"/>
-                <a:cs typeface="Calibri Light"/>
-              </a:rPr>
-              <a:t>Parallel Computing: Final Project</a:t>
-            </a:r>
-          </a:p>
-          <a:p>
-            <a:r>
-              <a:rPr lang="en-US" dirty="0" smtClean="0">
-                <a:latin typeface="Calibri Light"/>
-                <a:cs typeface="Calibri Light"/>
-              </a:rPr>
-              <a:t>November 20, 2014</a:t>
-            </a:r>
-            <a:endParaRPr lang="en-US" dirty="0">
-              <a:latin typeface="Calibri Light"/>
-              <a:cs typeface="Calibri Light"/>
-            </a:endParaRPr>
-          </a:p>
-        </p:txBody>
-      </p:sp>
-      <p:sp>
-        <p:nvSpPr>
           <p:cNvPr id="5" name="TextBox 4"/>
           <p:cNvSpPr txBox="1"/>
           <p:nvPr/>
@@ -12428,7 +13369,7 @@
         </p:nvSpPr>
         <p:spPr>
           <a:xfrm>
-            <a:off x="1047702" y="3723536"/>
+            <a:off x="1047702" y="3749192"/>
             <a:ext cx="2828982" cy="369332"/>
           </a:xfrm>
           <a:prstGeom prst="rect">
@@ -12600,6 +13541,63 @@
           </a:p>
         </p:txBody>
       </p:sp>
+      <p:sp>
+        <p:nvSpPr>
+          <p:cNvPr id="15" name="Footer Placeholder 8"/>
+          <p:cNvSpPr>
+            <a:spLocks noGrp="1"/>
+          </p:cNvSpPr>
+          <p:nvPr>
+            <p:ph type="ftr" sz="quarter" idx="11"/>
+          </p:nvPr>
+        </p:nvSpPr>
+        <p:spPr>
+          <a:xfrm>
+            <a:off x="2936527" y="6328436"/>
+            <a:ext cx="3616673" cy="365125"/>
+          </a:xfrm>
+        </p:spPr>
+        <p:txBody>
+          <a:bodyPr/>
+          <a:lstStyle/>
+          <a:p>
+            <a:r>
+              <a:rPr lang="en-US" dirty="0" smtClean="0">
+                <a:latin typeface="Calibri Light"/>
+                <a:cs typeface="Calibri Light"/>
+              </a:rPr>
+              <a:t>Parallel Computing: Final Project</a:t>
+            </a:r>
+          </a:p>
+          <a:p>
+            <a:r>
+              <a:rPr lang="en-US" dirty="0" smtClean="0">
+                <a:latin typeface="Calibri Light"/>
+                <a:cs typeface="Calibri Light"/>
+              </a:rPr>
+              <a:t>November </a:t>
+            </a:r>
+            <a:r>
+              <a:rPr lang="en-US" dirty="0" smtClean="0">
+                <a:latin typeface="Calibri Light"/>
+                <a:cs typeface="Calibri Light"/>
+              </a:rPr>
+              <a:t>24, </a:t>
+            </a:r>
+            <a:r>
+              <a:rPr lang="en-US" dirty="0" smtClean="0">
+                <a:latin typeface="Calibri Light"/>
+                <a:cs typeface="Calibri Light"/>
+              </a:rPr>
+              <a:t>2014</a:t>
+            </a:r>
+            <a:endParaRPr lang="en-US" dirty="0">
+              <a:latin typeface="Calibri Light"/>
+              <a:cs typeface="Calibri Light"/>
+            </a:endParaRPr>
+          </a:p>
+        </p:txBody>
+      </p:sp>
     </p:spTree>
     <p:extLst>
       <p:ext uri="{BB962C8B-B14F-4D97-AF65-F5344CB8AC3E}">
@@ -12613,9 +13611,161 @@
   <p:timing>
     <p:tnLst>
       <p:par>
-        <p:cTn xmlns:p14="http://schemas.microsoft.com/office/powerpoint/2010/main" id="1" dur="indefinite" restart="never" nodeType="tmRoot"/>
+        <p:cTn xmlns:p14="http://schemas.microsoft.com/office/powerpoint/2010/main" id="1" dur="indefinite" restart="never" nodeType="tmRoot">
+          <p:childTnLst>
+            <p:seq concurrent="1" nextAc="seek">
+              <p:cTn id="2" dur="indefinite" nodeType="mainSeq">
+                <p:childTnLst>
+                  <p:par>
+                    <p:cTn id="3" fill="hold">
+                      <p:stCondLst>
+                        <p:cond delay="indefinite"/>
+                      </p:stCondLst>
+                      <p:childTnLst>
+                        <p:par>
+                          <p:cTn id="4" fill="hold">
+                            <p:stCondLst>
+                              <p:cond delay="0"/>
+                            </p:stCondLst>
+                            <p:childTnLst>
+                              <p:par>
+                                <p:cTn id="5" presetID="1" presetClass="entr" presetSubtype="0" fill="hold" nodeType="clickEffect">
+                                  <p:stCondLst>
+                                    <p:cond delay="0"/>
+                                  </p:stCondLst>
+                                  <p:childTnLst>
+                                    <p:set>
+                                      <p:cBhvr>
+                                        <p:cTn id="6" dur="1" fill="hold">
+                                          <p:stCondLst>
+                                            <p:cond delay="0"/>
+                                          </p:stCondLst>
+                                        </p:cTn>
+                                        <p:tgtEl>
+                                          <p:spTgt spid="12"/>
+                                        </p:tgtEl>
+                                        <p:attrNameLst>
+                                          <p:attrName>style.visibility</p:attrName>
+                                        </p:attrNameLst>
+                                      </p:cBhvr>
+                                      <p:to>
+                                        <p:strVal val="visible"/>
+                                      </p:to>
+                                    </p:set>
+                                  </p:childTnLst>
+                                </p:cTn>
+                              </p:par>
+                              <p:par>
+                                <p:cTn id="7" presetID="1" presetClass="entr" presetSubtype="0" fill="hold" nodeType="withEffect">
+                                  <p:stCondLst>
+                                    <p:cond delay="0"/>
+                                  </p:stCondLst>
+                                  <p:childTnLst>
+                                    <p:set>
+                                      <p:cBhvr>
+                                        <p:cTn id="8" dur="1" fill="hold">
+                                          <p:stCondLst>
+                                            <p:cond delay="0"/>
+                                          </p:stCondLst>
+                                        </p:cTn>
+                                        <p:tgtEl>
+                                          <p:spTgt spid="11"/>
+                                        </p:tgtEl>
+                                        <p:attrNameLst>
+                                          <p:attrName>style.visibility</p:attrName>
+                                        </p:attrNameLst>
+                                      </p:cBhvr>
+                                      <p:to>
+                                        <p:strVal val="visible"/>
+                                      </p:to>
+                                    </p:set>
+                                  </p:childTnLst>
+                                </p:cTn>
+                              </p:par>
+                              <p:par>
+                                <p:cTn id="9" presetID="1" presetClass="entr" presetSubtype="0" fill="hold" nodeType="withEffect">
+                                  <p:stCondLst>
+                                    <p:cond delay="0"/>
+                                  </p:stCondLst>
+                                  <p:childTnLst>
+                                    <p:set>
+                                      <p:cBhvr>
+                                        <p:cTn id="10" dur="1" fill="hold">
+                                          <p:stCondLst>
+                                            <p:cond delay="0"/>
+                                          </p:stCondLst>
+                                        </p:cTn>
+                                        <p:tgtEl>
+                                          <p:spTgt spid="13"/>
+                                        </p:tgtEl>
+                                        <p:attrNameLst>
+                                          <p:attrName>style.visibility</p:attrName>
+                                        </p:attrNameLst>
+                                      </p:cBhvr>
+                                      <p:to>
+                                        <p:strVal val="visible"/>
+                                      </p:to>
+                                    </p:set>
+                                  </p:childTnLst>
+                                </p:cTn>
+                              </p:par>
+                              <p:par>
+                                <p:cTn id="11" presetID="1" presetClass="entr" presetSubtype="0" fill="hold" grpId="0" nodeType="withEffect">
+                                  <p:stCondLst>
+                                    <p:cond delay="0"/>
+                                  </p:stCondLst>
+                                  <p:childTnLst>
+                                    <p:set>
+                                      <p:cBhvr>
+                                        <p:cTn id="12" dur="1" fill="hold">
+                                          <p:stCondLst>
+                                            <p:cond delay="0"/>
+                                          </p:stCondLst>
+                                        </p:cTn>
+                                        <p:tgtEl>
+                                          <p:spTgt spid="14"/>
+                                        </p:tgtEl>
+                                        <p:attrNameLst>
+                                          <p:attrName>style.visibility</p:attrName>
+                                        </p:attrNameLst>
+                                      </p:cBhvr>
+                                      <p:to>
+                                        <p:strVal val="visible"/>
+                                      </p:to>
+                                    </p:set>
+                                  </p:childTnLst>
+                                </p:cTn>
+                              </p:par>
+                            </p:childTnLst>
+                          </p:cTn>
+                        </p:par>
+                      </p:childTnLst>
+                    </p:cTn>
+                  </p:par>
+                </p:childTnLst>
+              </p:cTn>
+              <p:prevCondLst>
+                <p:cond evt="onPrev" delay="0">
+                  <p:tgtEl>
+                    <p:sldTgt/>
+                  </p:tgtEl>
+                </p:cond>
+              </p:prevCondLst>
+              <p:nextCondLst>
+                <p:cond evt="onNext" delay="0">
+                  <p:tgtEl>
+                    <p:sldTgt/>
+                  </p:tgtEl>
+                </p:cond>
+              </p:nextCondLst>
+            </p:seq>
+          </p:childTnLst>
+        </p:cTn>
       </p:par>
     </p:tnLst>
+    <p:bldLst>
+      <p:bldP spid="14" grpId="0"/>
+    </p:bldLst>
   </p:timing>
 </p:sld>
 </file>
@@ -12680,8 +13830,8 @@
         </p:nvSpPr>
         <p:spPr>
           <a:xfrm>
-            <a:off x="457199" y="1530410"/>
-            <a:ext cx="8510399" cy="814326"/>
+            <a:off x="457199" y="1530409"/>
+            <a:ext cx="8510399" cy="842239"/>
           </a:xfrm>
         </p:spPr>
         <p:txBody>
@@ -12694,9 +13844,16 @@
                 <a:ea typeface="Yu Gothic" panose="020B0400000000000000" pitchFamily="34" charset="-128"/>
                 <a:cs typeface="Calibri Light"/>
               </a:rPr>
-              <a:t>Turbulence modeling</a:t>
-            </a:r>
-            <a:endParaRPr lang="en-US" dirty="0" smtClean="0">
+              <a:t>Cell-centered, Finite Volume discretization</a:t>
+            </a:r>
+            <a:endParaRPr lang="en-US" dirty="0">
+              <a:latin typeface="Calibri Light"/>
+              <a:ea typeface="Yu Gothic" panose="020B0400000000000000" pitchFamily="34" charset="-128"/>
+              <a:cs typeface="Calibri Light"/>
+            </a:endParaRPr>
+          </a:p>
+          <a:p>
+            <a:endParaRPr lang="en-US" dirty="0">
               <a:latin typeface="Calibri Light"/>
               <a:ea typeface="Yu Gothic" panose="020B0400000000000000" pitchFamily="34" charset="-128"/>
               <a:cs typeface="Calibri Light"/>
@@ -12740,142 +13897,9 @@
           </a:p>
         </p:txBody>
       </p:sp>
-      <p:sp>
-        <p:nvSpPr>
-          <p:cNvPr id="8" name="Footer Placeholder 8"/>
-          <p:cNvSpPr>
-            <a:spLocks noGrp="1"/>
-          </p:cNvSpPr>
-          <p:nvPr>
-            <p:ph type="ftr" sz="quarter" idx="11"/>
-          </p:nvPr>
-        </p:nvSpPr>
-        <p:spPr>
-          <a:xfrm>
-            <a:off x="2936527" y="6328436"/>
-            <a:ext cx="3616673" cy="365125"/>
-          </a:xfrm>
-        </p:spPr>
-        <p:txBody>
-          <a:bodyPr/>
-          <a:lstStyle/>
-          <a:p>
-            <a:r>
-              <a:rPr lang="en-US" dirty="0" smtClean="0">
-                <a:latin typeface="Calibri Light"/>
-                <a:cs typeface="Calibri Light"/>
-              </a:rPr>
-              <a:t>Parallel Computing: Final Project</a:t>
-            </a:r>
-          </a:p>
-          <a:p>
-            <a:r>
-              <a:rPr lang="en-US" dirty="0" smtClean="0">
-                <a:latin typeface="Calibri Light"/>
-                <a:cs typeface="Calibri Light"/>
-              </a:rPr>
-              <a:t>November 20, 2014</a:t>
-            </a:r>
-            <a:endParaRPr lang="en-US" dirty="0">
-              <a:latin typeface="Calibri Light"/>
-              <a:cs typeface="Calibri Light"/>
-            </a:endParaRPr>
-          </a:p>
-        </p:txBody>
-      </p:sp>
-      <p:sp>
-        <p:nvSpPr>
-          <p:cNvPr id="5" name="TextBox 4"/>
-          <p:cNvSpPr txBox="1"/>
-          <p:nvPr/>
-        </p:nvSpPr>
-        <p:spPr>
-          <a:xfrm>
-            <a:off x="1047702" y="3056496"/>
-            <a:ext cx="2198038" cy="369332"/>
-          </a:xfrm>
-          <a:prstGeom prst="rect">
-            <a:avLst/>
-          </a:prstGeom>
-          <a:noFill/>
-        </p:spPr>
-        <p:txBody>
-          <a:bodyPr wrap="none" rtlCol="0">
-            <a:spAutoFit/>
-          </a:bodyPr>
-          <a:lstStyle/>
-          <a:p>
-            <a:r>
-              <a:rPr lang="en-US" dirty="0" smtClean="0"/>
-              <a:t>Conservation of mass</a:t>
-            </a:r>
-            <a:endParaRPr lang="en-US" dirty="0"/>
-          </a:p>
-        </p:txBody>
-      </p:sp>
-      <p:sp>
-        <p:nvSpPr>
-          <p:cNvPr id="7" name="TextBox 6"/>
-          <p:cNvSpPr txBox="1"/>
-          <p:nvPr/>
-        </p:nvSpPr>
-        <p:spPr>
-          <a:xfrm>
-            <a:off x="1047702" y="3723536"/>
-            <a:ext cx="2828982" cy="369332"/>
-          </a:xfrm>
-          <a:prstGeom prst="rect">
-            <a:avLst/>
-          </a:prstGeom>
-          <a:noFill/>
-        </p:spPr>
-        <p:txBody>
-          <a:bodyPr wrap="none" rtlCol="0">
-            <a:spAutoFit/>
-          </a:bodyPr>
-          <a:lstStyle/>
-          <a:p>
-            <a:r>
-              <a:rPr lang="en-US" dirty="0" smtClean="0"/>
-              <a:t>Conservation of momentum</a:t>
-            </a:r>
-            <a:endParaRPr lang="en-US" dirty="0"/>
-          </a:p>
-        </p:txBody>
-      </p:sp>
-      <p:sp>
-        <p:nvSpPr>
-          <p:cNvPr id="9" name="TextBox 8"/>
-          <p:cNvSpPr txBox="1"/>
-          <p:nvPr/>
-        </p:nvSpPr>
-        <p:spPr>
-          <a:xfrm>
-            <a:off x="1047702" y="4429934"/>
-            <a:ext cx="2364750" cy="369332"/>
-          </a:xfrm>
-          <a:prstGeom prst="rect">
-            <a:avLst/>
-          </a:prstGeom>
-          <a:noFill/>
-        </p:spPr>
-        <p:txBody>
-          <a:bodyPr wrap="none" rtlCol="0">
-            <a:spAutoFit/>
-          </a:bodyPr>
-          <a:lstStyle/>
-          <a:p>
-            <a:r>
-              <a:rPr lang="en-US" dirty="0" smtClean="0"/>
-              <a:t>Conservation of energy</a:t>
-            </a:r>
-            <a:endParaRPr lang="en-US" dirty="0"/>
-          </a:p>
-        </p:txBody>
-      </p:sp>
       <p:pic>
         <p:nvPicPr>
-          <p:cNvPr id="11" name="Picture 10" descr="grid_v5_top.png"/>
+          <p:cNvPr id="10" name="Picture 9" descr="Screen Shot 2014-11-20 at 8.27.18 PM.png"/>
           <p:cNvPicPr>
             <a:picLocks noChangeAspect="1"/>
           </p:cNvPicPr>
@@ -12883,6 +13907,13 @@
         </p:nvPicPr>
         <p:blipFill>
           <a:blip r:embed="rId2">
+            <a:duotone>
+              <a:schemeClr val="accent6">
+                <a:shade val="45000"/>
+                <a:satMod val="135000"/>
+              </a:schemeClr>
+              <a:prstClr val="white"/>
+            </a:duotone>
             <a:extLst>
               <a:ext uri="{28A0092B-C50C-407E-A947-70E740481C1C}">
                 <a14:useLocalDpi xmlns:a14="http://schemas.microsoft.com/office/drawing/2010/main" val="0"/>
@@ -12895,89 +13926,325 @@
         </p:blipFill>
         <p:spPr>
           <a:xfrm>
-            <a:off x="7700245" y="2618749"/>
-            <a:ext cx="1060022" cy="1377683"/>
+            <a:off x="782186" y="2476375"/>
+            <a:ext cx="2748424" cy="2734728"/>
           </a:xfrm>
           <a:prstGeom prst="rect">
             <a:avLst/>
           </a:prstGeom>
         </p:spPr>
       </p:pic>
-      <p:pic>
-        <p:nvPicPr>
-          <p:cNvPr id="12" name="Picture 11" descr="inlet_1.png"/>
-          <p:cNvPicPr>
-            <a:picLocks noChangeAspect="1"/>
-          </p:cNvPicPr>
+      <p:sp>
+        <p:nvSpPr>
+          <p:cNvPr id="11" name="Rectangle 10"/>
+          <p:cNvSpPr/>
           <p:nvPr/>
-        </p:nvPicPr>
-        <p:blipFill>
-          <a:blip r:embed="rId3">
-            <a:extLst>
-              <a:ext uri="{28A0092B-C50C-407E-A947-70E740481C1C}">
-                <a14:useLocalDpi xmlns:a14="http://schemas.microsoft.com/office/drawing/2010/main" val="0"/>
-              </a:ext>
-            </a:extLst>
-          </a:blip>
-          <a:stretch>
-            <a:fillRect/>
-          </a:stretch>
-        </p:blipFill>
-        <p:spPr>
-          <a:xfrm>
-            <a:off x="4332184" y="2713336"/>
-            <a:ext cx="3169057" cy="1232112"/>
+        </p:nvSpPr>
+        <p:spPr>
+          <a:xfrm>
+            <a:off x="2939969" y="3199538"/>
+            <a:ext cx="146304" cy="151117"/>
           </a:xfrm>
           <a:prstGeom prst="rect">
             <a:avLst/>
           </a:prstGeom>
-        </p:spPr>
-      </p:pic>
-      <p:pic>
-        <p:nvPicPr>
-          <p:cNvPr id="13" name="Picture 12" descr="v5_physics.png"/>
-          <p:cNvPicPr>
-            <a:picLocks noChangeAspect="1"/>
-          </p:cNvPicPr>
+          <a:solidFill>
+            <a:schemeClr val="bg1">
+              <a:lumMod val="65000"/>
+            </a:schemeClr>
+          </a:solidFill>
+          <a:ln>
+            <a:noFill/>
+          </a:ln>
+          <a:effectLst/>
+        </p:spPr>
+        <p:style>
+          <a:lnRef idx="1">
+            <a:schemeClr val="accent1"/>
+          </a:lnRef>
+          <a:fillRef idx="3">
+            <a:schemeClr val="accent1"/>
+          </a:fillRef>
+          <a:effectRef idx="2">
+            <a:schemeClr val="accent1"/>
+          </a:effectRef>
+          <a:fontRef idx="minor">
+            <a:schemeClr val="lt1"/>
+          </a:fontRef>
+        </p:style>
+        <p:txBody>
+          <a:bodyPr rtlCol="0" anchor="ctr"/>
+          <a:lstStyle/>
+          <a:p>
+            <a:pPr algn="ctr"/>
+            <a:endParaRPr lang="en-US"/>
+          </a:p>
+        </p:txBody>
+      </p:sp>
+      <p:sp>
+        <p:nvSpPr>
+          <p:cNvPr id="12" name="Rectangle 11"/>
+          <p:cNvSpPr/>
           <p:nvPr/>
-        </p:nvPicPr>
-        <p:blipFill>
-          <a:blip r:embed="rId4">
-            <a:extLst>
-              <a:ext uri="{28A0092B-C50C-407E-A947-70E740481C1C}">
-                <a14:useLocalDpi xmlns:a14="http://schemas.microsoft.com/office/drawing/2010/main" val="0"/>
-              </a:ext>
-            </a:extLst>
-          </a:blip>
-          <a:stretch>
-            <a:fillRect/>
-          </a:stretch>
-        </p:blipFill>
-        <p:spPr>
-          <a:xfrm>
-            <a:off x="4332185" y="4253796"/>
-            <a:ext cx="4558796" cy="922199"/>
+        </p:nvSpPr>
+        <p:spPr>
+          <a:xfrm>
+            <a:off x="5864225" y="3712525"/>
+            <a:ext cx="1371600" cy="1371600"/>
           </a:xfrm>
           <a:prstGeom prst="rect">
             <a:avLst/>
           </a:prstGeom>
-        </p:spPr>
-      </p:pic>
-      <p:sp>
-        <p:nvSpPr>
-          <p:cNvPr id="14" name="TextBox 13"/>
-          <p:cNvSpPr txBox="1"/>
+          <a:solidFill>
+            <a:schemeClr val="bg1">
+              <a:lumMod val="65000"/>
+            </a:schemeClr>
+          </a:solidFill>
+          <a:ln w="3175">
+            <a:solidFill>
+              <a:schemeClr val="tx1"/>
+            </a:solidFill>
+          </a:ln>
+          <a:effectLst/>
+        </p:spPr>
+        <p:style>
+          <a:lnRef idx="1">
+            <a:schemeClr val="accent1"/>
+          </a:lnRef>
+          <a:fillRef idx="3">
+            <a:schemeClr val="accent1"/>
+          </a:fillRef>
+          <a:effectRef idx="2">
+            <a:schemeClr val="accent1"/>
+          </a:effectRef>
+          <a:fontRef idx="minor">
+            <a:schemeClr val="lt1"/>
+          </a:fontRef>
+        </p:style>
+        <p:txBody>
+          <a:bodyPr rtlCol="0" anchor="ctr"/>
+          <a:lstStyle/>
+          <a:p>
+            <a:pPr algn="ctr"/>
+            <a:endParaRPr lang="en-US"/>
+          </a:p>
+        </p:txBody>
+      </p:sp>
+      <p:cxnSp>
+        <p:nvCxnSpPr>
+          <p:cNvPr id="14" name="Straight Connector 13"/>
+          <p:cNvCxnSpPr/>
           <p:nvPr/>
-        </p:nvSpPr>
-        <p:spPr>
-          <a:xfrm>
-            <a:off x="7980033" y="5259974"/>
-            <a:ext cx="990889" cy="230832"/>
+        </p:nvCxnSpPr>
+        <p:spPr>
+          <a:xfrm>
+            <a:off x="3073687" y="3206879"/>
+            <a:ext cx="4165313" cy="505646"/>
+          </a:xfrm>
+          <a:prstGeom prst="line">
+            <a:avLst/>
+          </a:prstGeom>
+          <a:ln w="6350">
+            <a:solidFill>
+              <a:schemeClr val="tx1"/>
+            </a:solidFill>
+          </a:ln>
+          <a:effectLst/>
+        </p:spPr>
+        <p:style>
+          <a:lnRef idx="2">
+            <a:schemeClr val="accent1"/>
+          </a:lnRef>
+          <a:fillRef idx="0">
+            <a:schemeClr val="accent1"/>
+          </a:fillRef>
+          <a:effectRef idx="1">
+            <a:schemeClr val="accent1"/>
+          </a:effectRef>
+          <a:fontRef idx="minor">
+            <a:schemeClr val="tx1"/>
+          </a:fontRef>
+        </p:style>
+      </p:cxnSp>
+      <p:cxnSp>
+        <p:nvCxnSpPr>
+          <p:cNvPr id="15" name="Straight Connector 14"/>
+          <p:cNvCxnSpPr/>
+          <p:nvPr/>
+        </p:nvCxnSpPr>
+        <p:spPr>
+          <a:xfrm>
+            <a:off x="2942877" y="3343772"/>
+            <a:ext cx="2924523" cy="1743528"/>
+          </a:xfrm>
+          <a:prstGeom prst="line">
+            <a:avLst/>
+          </a:prstGeom>
+          <a:ln w="6350">
+            <a:solidFill>
+              <a:schemeClr val="tx1"/>
+            </a:solidFill>
+          </a:ln>
+          <a:effectLst/>
+        </p:spPr>
+        <p:style>
+          <a:lnRef idx="2">
+            <a:schemeClr val="accent1"/>
+          </a:lnRef>
+          <a:fillRef idx="0">
+            <a:schemeClr val="accent1"/>
+          </a:fillRef>
+          <a:effectRef idx="1">
+            <a:schemeClr val="accent1"/>
+          </a:effectRef>
+          <a:fontRef idx="minor">
+            <a:schemeClr val="tx1"/>
+          </a:fontRef>
+        </p:style>
+      </p:cxnSp>
+      <p:cxnSp>
+        <p:nvCxnSpPr>
+          <p:cNvPr id="19" name="Straight Connector 18"/>
+          <p:cNvCxnSpPr/>
+          <p:nvPr/>
+        </p:nvCxnSpPr>
+        <p:spPr>
+          <a:xfrm>
+            <a:off x="2942877" y="3206612"/>
+            <a:ext cx="2924523" cy="509088"/>
+          </a:xfrm>
+          <a:prstGeom prst="line">
+            <a:avLst/>
+          </a:prstGeom>
+          <a:ln w="6350">
+            <a:solidFill>
+              <a:schemeClr val="tx1"/>
+            </a:solidFill>
+          </a:ln>
+          <a:effectLst/>
+        </p:spPr>
+        <p:style>
+          <a:lnRef idx="2">
+            <a:schemeClr val="accent1"/>
+          </a:lnRef>
+          <a:fillRef idx="0">
+            <a:schemeClr val="accent1"/>
+          </a:fillRef>
+          <a:effectRef idx="1">
+            <a:schemeClr val="accent1"/>
+          </a:effectRef>
+          <a:fontRef idx="minor">
+            <a:schemeClr val="tx1"/>
+          </a:fontRef>
+        </p:style>
+      </p:cxnSp>
+      <p:sp>
+        <p:nvSpPr>
+          <p:cNvPr id="21" name="Oval 20"/>
+          <p:cNvSpPr/>
+          <p:nvPr/>
+        </p:nvSpPr>
+        <p:spPr>
+          <a:xfrm>
+            <a:off x="6522561" y="4352248"/>
+            <a:ext cx="91440" cy="91440"/>
+          </a:xfrm>
+          <a:prstGeom prst="ellipse">
+            <a:avLst/>
+          </a:prstGeom>
+          <a:solidFill>
+            <a:srgbClr val="0000FF"/>
+          </a:solidFill>
+          <a:ln>
+            <a:solidFill>
+              <a:srgbClr val="0000FF"/>
+            </a:solidFill>
+          </a:ln>
+          <a:effectLst/>
+        </p:spPr>
+        <p:style>
+          <a:lnRef idx="1">
+            <a:schemeClr val="accent1"/>
+          </a:lnRef>
+          <a:fillRef idx="3">
+            <a:schemeClr val="accent1"/>
+          </a:fillRef>
+          <a:effectRef idx="2">
+            <a:schemeClr val="accent1"/>
+          </a:effectRef>
+          <a:fontRef idx="minor">
+            <a:schemeClr val="lt1"/>
+          </a:fontRef>
+        </p:style>
+        <p:txBody>
+          <a:bodyPr rtlCol="0" anchor="ctr"/>
+          <a:lstStyle/>
+          <a:p>
+            <a:pPr algn="ctr"/>
+            <a:endParaRPr lang="en-US"/>
+          </a:p>
+        </p:txBody>
+      </p:sp>
+      <p:sp>
+        <p:nvSpPr>
+          <p:cNvPr id="22" name="Rectangle 21"/>
+          <p:cNvSpPr/>
+          <p:nvPr/>
+        </p:nvSpPr>
+        <p:spPr>
+          <a:xfrm>
+            <a:off x="2943411" y="3206612"/>
+            <a:ext cx="137160" cy="137160"/>
           </a:xfrm>
           <a:prstGeom prst="rect">
             <a:avLst/>
           </a:prstGeom>
           <a:noFill/>
+          <a:ln w="6350">
+            <a:solidFill>
+              <a:schemeClr val="tx1"/>
+            </a:solidFill>
+          </a:ln>
+          <a:effectLst/>
+        </p:spPr>
+        <p:style>
+          <a:lnRef idx="1">
+            <a:schemeClr val="accent1"/>
+          </a:lnRef>
+          <a:fillRef idx="3">
+            <a:schemeClr val="accent1"/>
+          </a:fillRef>
+          <a:effectRef idx="2">
+            <a:schemeClr val="accent1"/>
+          </a:effectRef>
+          <a:fontRef idx="minor">
+            <a:schemeClr val="lt1"/>
+          </a:fontRef>
+        </p:style>
+        <p:txBody>
+          <a:bodyPr rtlCol="0" anchor="ctr"/>
+          <a:lstStyle/>
+          <a:p>
+            <a:pPr algn="ctr"/>
+            <a:endParaRPr lang="en-US"/>
+          </a:p>
+        </p:txBody>
+      </p:sp>
+      <p:sp>
+        <p:nvSpPr>
+          <p:cNvPr id="29" name="TextBox 28"/>
+          <p:cNvSpPr txBox="1"/>
+          <p:nvPr/>
+        </p:nvSpPr>
+        <p:spPr>
+          <a:xfrm>
+            <a:off x="4638100" y="5211103"/>
+            <a:ext cx="3794579" cy="369332"/>
+          </a:xfrm>
+          <a:prstGeom prst="rect">
+            <a:avLst/>
+          </a:prstGeom>
+          <a:noFill/>
         </p:spPr>
         <p:txBody>
           <a:bodyPr wrap="none" rtlCol="0">
@@ -12986,23 +14253,80 @@
           <a:lstStyle/>
           <a:p>
             <a:r>
-              <a:rPr lang="en-US" sz="900" dirty="0" smtClean="0">
-                <a:latin typeface="Calibri Light"/>
-                <a:cs typeface="Calibri Light"/>
-              </a:rPr>
-              <a:t>Wukie et al. 2012</a:t>
-            </a:r>
-            <a:endParaRPr lang="en-US" sz="900" dirty="0">
+              <a:rPr lang="en-US" dirty="0" smtClean="0">
+                <a:latin typeface="Calibri Light"/>
+                <a:cs typeface="Calibri Light"/>
+              </a:rPr>
+              <a:t>Solution variables stored at cell-center</a:t>
+            </a:r>
+            <a:endParaRPr lang="en-US" dirty="0">
               <a:latin typeface="Calibri Light"/>
               <a:cs typeface="Calibri Light"/>
             </a:endParaRPr>
           </a:p>
         </p:txBody>
       </p:sp>
+      <p:sp>
+        <p:nvSpPr>
+          <p:cNvPr id="16" name="Footer Placeholder 8"/>
+          <p:cNvSpPr>
+            <a:spLocks noGrp="1"/>
+          </p:cNvSpPr>
+          <p:nvPr>
+            <p:ph type="ftr" sz="quarter" idx="11"/>
+          </p:nvPr>
+        </p:nvSpPr>
+        <p:spPr>
+          <a:xfrm>
+            <a:off x="2936527" y="6328436"/>
+            <a:ext cx="3616673" cy="365125"/>
+          </a:xfrm>
+        </p:spPr>
+        <p:txBody>
+          <a:bodyPr/>
+          <a:lstStyle/>
+          <a:p>
+            <a:r>
+              <a:rPr lang="en-US" dirty="0" smtClean="0">
+                <a:latin typeface="Calibri Light"/>
+                <a:cs typeface="Calibri Light"/>
+              </a:rPr>
+              <a:t>Parallel Computing: Final Project</a:t>
+            </a:r>
+          </a:p>
+          <a:p>
+            <a:r>
+              <a:rPr lang="en-US" dirty="0" smtClean="0">
+                <a:latin typeface="Calibri Light"/>
+                <a:cs typeface="Calibri Light"/>
+              </a:rPr>
+              <a:t>November </a:t>
+            </a:r>
+            <a:r>
+              <a:rPr lang="en-US" dirty="0" smtClean="0">
+                <a:latin typeface="Calibri Light"/>
+                <a:cs typeface="Calibri Light"/>
+              </a:rPr>
+              <a:t>24, </a:t>
+            </a:r>
+            <a:r>
+              <a:rPr lang="en-US" dirty="0" smtClean="0">
+                <a:latin typeface="Calibri Light"/>
+                <a:cs typeface="Calibri Light"/>
+              </a:rPr>
+              <a:t>2014</a:t>
+            </a:r>
+            <a:endParaRPr lang="en-US" dirty="0">
+              <a:latin typeface="Calibri Light"/>
+              <a:cs typeface="Calibri Light"/>
+            </a:endParaRPr>
+          </a:p>
+        </p:txBody>
+      </p:sp>
     </p:spTree>
     <p:extLst>
       <p:ext uri="{BB962C8B-B14F-4D97-AF65-F5344CB8AC3E}">
-        <p14:creationId xmlns:p14="http://schemas.microsoft.com/office/powerpoint/2010/main" val="3331376684"/>
+        <p14:creationId xmlns:p14="http://schemas.microsoft.com/office/powerpoint/2010/main" val="4021281708"/>
       </p:ext>
     </p:extLst>
   </p:cSld>
@@ -13080,7 +14404,7 @@
         <p:spPr>
           <a:xfrm>
             <a:off x="457199" y="1530409"/>
-            <a:ext cx="8510399" cy="842239"/>
+            <a:ext cx="8510399" cy="679097"/>
           </a:xfrm>
         </p:spPr>
         <p:txBody>
@@ -13093,20 +14417,8 @@
                 <a:ea typeface="Yu Gothic" panose="020B0400000000000000" pitchFamily="34" charset="-128"/>
                 <a:cs typeface="Calibri Light"/>
               </a:rPr>
-              <a:t>Cell-centered, Finite Volume discretization</a:t>
-            </a:r>
-            <a:endParaRPr lang="en-US" dirty="0">
-              <a:latin typeface="Calibri Light"/>
-              <a:ea typeface="Yu Gothic" panose="020B0400000000000000" pitchFamily="34" charset="-128"/>
-              <a:cs typeface="Calibri Light"/>
-            </a:endParaRPr>
-          </a:p>
-          <a:p>
-            <a:endParaRPr lang="en-US" dirty="0">
-              <a:latin typeface="Calibri Light"/>
-              <a:ea typeface="Yu Gothic" panose="020B0400000000000000" pitchFamily="34" charset="-128"/>
-              <a:cs typeface="Calibri Light"/>
-            </a:endParaRPr>
+              <a:t>Moving mesh calculation</a:t>
+            </a:r>
           </a:p>
         </p:txBody>
       </p:sp>
@@ -13146,52 +14458,9 @@
           </a:p>
         </p:txBody>
       </p:sp>
-      <p:sp>
-        <p:nvSpPr>
-          <p:cNvPr id="8" name="Footer Placeholder 8"/>
-          <p:cNvSpPr>
-            <a:spLocks noGrp="1"/>
-          </p:cNvSpPr>
-          <p:nvPr>
-            <p:ph type="ftr" sz="quarter" idx="11"/>
-          </p:nvPr>
-        </p:nvSpPr>
-        <p:spPr>
-          <a:xfrm>
-            <a:off x="2936527" y="6328436"/>
-            <a:ext cx="3616673" cy="365125"/>
-          </a:xfrm>
-        </p:spPr>
-        <p:txBody>
-          <a:bodyPr/>
-          <a:lstStyle/>
-          <a:p>
-            <a:r>
-              <a:rPr lang="en-US" dirty="0" smtClean="0">
-                <a:latin typeface="Calibri Light"/>
-                <a:cs typeface="Calibri Light"/>
-              </a:rPr>
-              <a:t>Parallel Computing: Final Project</a:t>
-            </a:r>
-          </a:p>
-          <a:p>
-            <a:r>
-              <a:rPr lang="en-US" dirty="0" smtClean="0">
-                <a:latin typeface="Calibri Light"/>
-                <a:cs typeface="Calibri Light"/>
-              </a:rPr>
-              <a:t>November 20, 2014</a:t>
-            </a:r>
-            <a:endParaRPr lang="en-US" dirty="0">
-              <a:latin typeface="Calibri Light"/>
-              <a:cs typeface="Calibri Light"/>
-            </a:endParaRPr>
-          </a:p>
-        </p:txBody>
-      </p:sp>
       <p:pic>
         <p:nvPicPr>
-          <p:cNvPr id="10" name="Picture 9" descr="Screen Shot 2014-11-20 at 8.27.18 PM.png"/>
+          <p:cNvPr id="6" name="Picture 5" descr="Screen Shot 2014-11-20 at 8.24.27 PM.png"/>
           <p:cNvPicPr>
             <a:picLocks noChangeAspect="1"/>
           </p:cNvPicPr>
@@ -13199,13 +14468,6 @@
         </p:nvPicPr>
         <p:blipFill>
           <a:blip r:embed="rId2">
-            <a:duotone>
-              <a:schemeClr val="accent6">
-                <a:shade val="45000"/>
-                <a:satMod val="135000"/>
-              </a:schemeClr>
-              <a:prstClr val="white"/>
-            </a:duotone>
             <a:extLst>
               <a:ext uri="{28A0092B-C50C-407E-A947-70E740481C1C}">
                 <a14:useLocalDpi xmlns:a14="http://schemas.microsoft.com/office/drawing/2010/main" val="0"/>
@@ -13218,128 +14480,63 @@
         </p:blipFill>
         <p:spPr>
           <a:xfrm>
-            <a:off x="782186" y="2476375"/>
-            <a:ext cx="2748424" cy="2734728"/>
+            <a:off x="795434" y="2531898"/>
+            <a:ext cx="3098006" cy="3082200"/>
           </a:xfrm>
           <a:prstGeom prst="rect">
             <a:avLst/>
           </a:prstGeom>
         </p:spPr>
       </p:pic>
-      <p:sp>
-        <p:nvSpPr>
-          <p:cNvPr id="11" name="Rectangle 10"/>
-          <p:cNvSpPr/>
+      <p:pic>
+        <p:nvPicPr>
+          <p:cNvPr id="7" name="Picture 6" descr="Screen Shot 2014-11-20 at 8.25.27 PM.png"/>
+          <p:cNvPicPr>
+            <a:picLocks noChangeAspect="1"/>
+          </p:cNvPicPr>
           <p:nvPr/>
-        </p:nvSpPr>
-        <p:spPr>
-          <a:xfrm>
-            <a:off x="2939969" y="3199538"/>
-            <a:ext cx="146304" cy="151117"/>
+        </p:nvPicPr>
+        <p:blipFill>
+          <a:blip r:embed="rId3">
+            <a:extLst>
+              <a:ext uri="{28A0092B-C50C-407E-A947-70E740481C1C}">
+                <a14:useLocalDpi xmlns:a14="http://schemas.microsoft.com/office/drawing/2010/main" val="0"/>
+              </a:ext>
+            </a:extLst>
+          </a:blip>
+          <a:stretch>
+            <a:fillRect/>
+          </a:stretch>
+        </p:blipFill>
+        <p:spPr>
+          <a:xfrm>
+            <a:off x="5179167" y="2531898"/>
+            <a:ext cx="3096136" cy="3080706"/>
           </a:xfrm>
           <a:prstGeom prst="rect">
             <a:avLst/>
           </a:prstGeom>
-          <a:solidFill>
-            <a:schemeClr val="bg1">
-              <a:lumMod val="65000"/>
-            </a:schemeClr>
-          </a:solidFill>
-          <a:ln>
-            <a:noFill/>
-          </a:ln>
-          <a:effectLst/>
-        </p:spPr>
-        <p:style>
-          <a:lnRef idx="1">
-            <a:schemeClr val="accent1"/>
-          </a:lnRef>
-          <a:fillRef idx="3">
-            <a:schemeClr val="accent1"/>
-          </a:fillRef>
-          <a:effectRef idx="2">
-            <a:schemeClr val="accent1"/>
-          </a:effectRef>
-          <a:fontRef idx="minor">
-            <a:schemeClr val="lt1"/>
-          </a:fontRef>
-        </p:style>
-        <p:txBody>
-          <a:bodyPr rtlCol="0" anchor="ctr"/>
-          <a:lstStyle/>
-          <a:p>
-            <a:pPr algn="ctr"/>
-            <a:endParaRPr lang="en-US"/>
-          </a:p>
-        </p:txBody>
-      </p:sp>
-      <p:sp>
-        <p:nvSpPr>
-          <p:cNvPr id="12" name="Rectangle 11"/>
-          <p:cNvSpPr/>
+        </p:spPr>
+      </p:pic>
+      <p:cxnSp>
+        <p:nvCxnSpPr>
+          <p:cNvPr id="10" name="Straight Arrow Connector 9"/>
+          <p:cNvCxnSpPr/>
           <p:nvPr/>
-        </p:nvSpPr>
-        <p:spPr>
-          <a:xfrm>
-            <a:off x="5864225" y="3712525"/>
-            <a:ext cx="1371600" cy="1371600"/>
-          </a:xfrm>
-          <a:prstGeom prst="rect">
+        </p:nvCxnSpPr>
+        <p:spPr>
+          <a:xfrm>
+            <a:off x="4246460" y="4053551"/>
+            <a:ext cx="641459" cy="0"/>
+          </a:xfrm>
+          <a:prstGeom prst="straightConnector1">
             <a:avLst/>
           </a:prstGeom>
-          <a:solidFill>
-            <a:schemeClr val="bg1">
-              <a:lumMod val="65000"/>
-            </a:schemeClr>
-          </a:solidFill>
-          <a:ln w="3175">
+          <a:ln>
             <a:solidFill>
               <a:schemeClr val="tx1"/>
             </a:solidFill>
-          </a:ln>
-          <a:effectLst/>
-        </p:spPr>
-        <p:style>
-          <a:lnRef idx="1">
-            <a:schemeClr val="accent1"/>
-          </a:lnRef>
-          <a:fillRef idx="3">
-            <a:schemeClr val="accent1"/>
-          </a:fillRef>
-          <a:effectRef idx="2">
-            <a:schemeClr val="accent1"/>
-          </a:effectRef>
-          <a:fontRef idx="minor">
-            <a:schemeClr val="lt1"/>
-          </a:fontRef>
-        </p:style>
-        <p:txBody>
-          <a:bodyPr rtlCol="0" anchor="ctr"/>
-          <a:lstStyle/>
-          <a:p>
-            <a:pPr algn="ctr"/>
-            <a:endParaRPr lang="en-US"/>
-          </a:p>
-        </p:txBody>
-      </p:sp>
-      <p:cxnSp>
-        <p:nvCxnSpPr>
-          <p:cNvPr id="14" name="Straight Connector 13"/>
-          <p:cNvCxnSpPr/>
-          <p:nvPr/>
-        </p:nvCxnSpPr>
-        <p:spPr>
-          <a:xfrm>
-            <a:off x="3073687" y="3206879"/>
-            <a:ext cx="4165313" cy="505646"/>
-          </a:xfrm>
-          <a:prstGeom prst="line">
-            <a:avLst/>
-          </a:prstGeom>
-          <a:ln w="6350">
-            <a:solidFill>
-              <a:schemeClr val="tx1"/>
-            </a:solidFill>
+            <a:tailEnd type="stealth" w="med" len="med"/>
           </a:ln>
           <a:effectLst/>
         </p:spPr>
@@ -13358,198 +14555,55 @@
           </a:fontRef>
         </p:style>
       </p:cxnSp>
-      <p:cxnSp>
-        <p:nvCxnSpPr>
-          <p:cNvPr id="15" name="Straight Connector 14"/>
-          <p:cNvCxnSpPr/>
-          <p:nvPr/>
-        </p:nvCxnSpPr>
-        <p:spPr>
-          <a:xfrm>
-            <a:off x="2942877" y="3343772"/>
-            <a:ext cx="2924523" cy="1743528"/>
-          </a:xfrm>
-          <a:prstGeom prst="line">
-            <a:avLst/>
-          </a:prstGeom>
-          <a:ln w="6350">
-            <a:solidFill>
-              <a:schemeClr val="tx1"/>
-            </a:solidFill>
-          </a:ln>
-          <a:effectLst/>
-        </p:spPr>
-        <p:style>
-          <a:lnRef idx="2">
-            <a:schemeClr val="accent1"/>
-          </a:lnRef>
-          <a:fillRef idx="0">
-            <a:schemeClr val="accent1"/>
-          </a:fillRef>
-          <a:effectRef idx="1">
-            <a:schemeClr val="accent1"/>
-          </a:effectRef>
-          <a:fontRef idx="minor">
-            <a:schemeClr val="tx1"/>
-          </a:fontRef>
-        </p:style>
-      </p:cxnSp>
-      <p:cxnSp>
-        <p:nvCxnSpPr>
-          <p:cNvPr id="19" name="Straight Connector 18"/>
-          <p:cNvCxnSpPr/>
-          <p:nvPr/>
-        </p:nvCxnSpPr>
-        <p:spPr>
-          <a:xfrm>
-            <a:off x="2942877" y="3206612"/>
-            <a:ext cx="2924523" cy="509088"/>
-          </a:xfrm>
-          <a:prstGeom prst="line">
-            <a:avLst/>
-          </a:prstGeom>
-          <a:ln w="6350">
-            <a:solidFill>
-              <a:schemeClr val="tx1"/>
-            </a:solidFill>
-          </a:ln>
-          <a:effectLst/>
-        </p:spPr>
-        <p:style>
-          <a:lnRef idx="2">
-            <a:schemeClr val="accent1"/>
-          </a:lnRef>
-          <a:fillRef idx="0">
-            <a:schemeClr val="accent1"/>
-          </a:fillRef>
-          <a:effectRef idx="1">
-            <a:schemeClr val="accent1"/>
-          </a:effectRef>
-          <a:fontRef idx="minor">
-            <a:schemeClr val="tx1"/>
-          </a:fontRef>
-        </p:style>
-      </p:cxnSp>
-      <p:sp>
-        <p:nvSpPr>
-          <p:cNvPr id="21" name="Oval 20"/>
-          <p:cNvSpPr/>
-          <p:nvPr/>
-        </p:nvSpPr>
-        <p:spPr>
-          <a:xfrm>
-            <a:off x="6522561" y="4352248"/>
-            <a:ext cx="91440" cy="91440"/>
-          </a:xfrm>
-          <a:prstGeom prst="ellipse">
-            <a:avLst/>
-          </a:prstGeom>
-          <a:solidFill>
-            <a:srgbClr val="0000FF"/>
-          </a:solidFill>
-          <a:ln>
-            <a:solidFill>
-              <a:srgbClr val="0000FF"/>
-            </a:solidFill>
-          </a:ln>
-          <a:effectLst/>
-        </p:spPr>
-        <p:style>
-          <a:lnRef idx="1">
-            <a:schemeClr val="accent1"/>
-          </a:lnRef>
-          <a:fillRef idx="3">
-            <a:schemeClr val="accent1"/>
-          </a:fillRef>
-          <a:effectRef idx="2">
-            <a:schemeClr val="accent1"/>
-          </a:effectRef>
-          <a:fontRef idx="minor">
-            <a:schemeClr val="lt1"/>
-          </a:fontRef>
-        </p:style>
-        <p:txBody>
-          <a:bodyPr rtlCol="0" anchor="ctr"/>
+      <p:sp>
+        <p:nvSpPr>
+          <p:cNvPr id="9" name="Footer Placeholder 8"/>
+          <p:cNvSpPr>
+            <a:spLocks noGrp="1"/>
+          </p:cNvSpPr>
+          <p:nvPr>
+            <p:ph type="ftr" sz="quarter" idx="11"/>
+          </p:nvPr>
+        </p:nvSpPr>
+        <p:spPr>
+          <a:xfrm>
+            <a:off x="2936527" y="6328436"/>
+            <a:ext cx="3616673" cy="365125"/>
+          </a:xfrm>
+        </p:spPr>
+        <p:txBody>
+          <a:bodyPr/>
           <a:lstStyle/>
           <a:p>
-            <a:pPr algn="ctr"/>
-            <a:endParaRPr lang="en-US"/>
-          </a:p>
-        </p:txBody>
-      </p:sp>
-      <p:sp>
-        <p:nvSpPr>
-          <p:cNvPr id="22" name="Rectangle 21"/>
-          <p:cNvSpPr/>
-          <p:nvPr/>
-        </p:nvSpPr>
-        <p:spPr>
-          <a:xfrm>
-            <a:off x="2943411" y="3206612"/>
-            <a:ext cx="137160" cy="137160"/>
-          </a:xfrm>
-          <a:prstGeom prst="rect">
-            <a:avLst/>
-          </a:prstGeom>
-          <a:noFill/>
-          <a:ln w="6350">
-            <a:solidFill>
-              <a:schemeClr val="tx1"/>
-            </a:solidFill>
-          </a:ln>
-          <a:effectLst/>
-        </p:spPr>
-        <p:style>
-          <a:lnRef idx="1">
-            <a:schemeClr val="accent1"/>
-          </a:lnRef>
-          <a:fillRef idx="3">
-            <a:schemeClr val="accent1"/>
-          </a:fillRef>
-          <a:effectRef idx="2">
-            <a:schemeClr val="accent1"/>
-          </a:effectRef>
-          <a:fontRef idx="minor">
-            <a:schemeClr val="lt1"/>
-          </a:fontRef>
-        </p:style>
-        <p:txBody>
-          <a:bodyPr rtlCol="0" anchor="ctr"/>
-          <a:lstStyle/>
-          <a:p>
-            <a:pPr algn="ctr"/>
-            <a:endParaRPr lang="en-US"/>
-          </a:p>
-        </p:txBody>
-      </p:sp>
-      <p:sp>
-        <p:nvSpPr>
-          <p:cNvPr id="29" name="TextBox 28"/>
-          <p:cNvSpPr txBox="1"/>
-          <p:nvPr/>
-        </p:nvSpPr>
-        <p:spPr>
-          <a:xfrm>
-            <a:off x="4638100" y="5211103"/>
-            <a:ext cx="3794579" cy="369332"/>
-          </a:xfrm>
-          <a:prstGeom prst="rect">
-            <a:avLst/>
-          </a:prstGeom>
-          <a:noFill/>
-        </p:spPr>
-        <p:txBody>
-          <a:bodyPr wrap="none" rtlCol="0">
-            <a:spAutoFit/>
-          </a:bodyPr>
-          <a:lstStyle/>
-          <a:p>
             <a:r>
               <a:rPr lang="en-US" dirty="0" smtClean="0">
                 <a:latin typeface="Calibri Light"/>
                 <a:cs typeface="Calibri Light"/>
               </a:rPr>
-              <a:t>Solution variables stored at cell-center</a:t>
+              <a:t>Parallel Computing: Final Project</a:t>
+            </a:r>
+          </a:p>
+          <a:p>
+            <a:r>
+              <a:rPr lang="en-US" dirty="0" smtClean="0">
+                <a:latin typeface="Calibri Light"/>
+                <a:cs typeface="Calibri Light"/>
+              </a:rPr>
+              <a:t>November </a:t>
+            </a:r>
+            <a:r>
+              <a:rPr lang="en-US" dirty="0" smtClean="0">
+                <a:latin typeface="Calibri Light"/>
+                <a:cs typeface="Calibri Light"/>
+              </a:rPr>
+              <a:t>24, </a:t>
+            </a:r>
+            <a:r>
+              <a:rPr lang="en-US" dirty="0" smtClean="0">
+                <a:latin typeface="Calibri Light"/>
+                <a:cs typeface="Calibri Light"/>
+              </a:rPr>
+              <a:t>2014</a:t>
             </a:r>
             <a:endParaRPr lang="en-US" dirty="0">
               <a:latin typeface="Calibri Light"/>
@@ -13652,13 +14706,8 @@
                 <a:ea typeface="Yu Gothic" panose="020B0400000000000000" pitchFamily="34" charset="-128"/>
                 <a:cs typeface="Calibri Light"/>
               </a:rPr>
-              <a:t>Moving mesh calculation</a:t>
-            </a:r>
-            <a:endParaRPr lang="en-US" dirty="0" smtClean="0">
-              <a:latin typeface="Calibri Light"/>
-              <a:ea typeface="Yu Gothic" panose="020B0400000000000000" pitchFamily="34" charset="-128"/>
-              <a:cs typeface="Calibri Light"/>
-            </a:endParaRPr>
+              <a:t>Test case: circle</a:t>
+            </a:r>
           </a:p>
         </p:txBody>
       </p:sp>
@@ -13698,52 +14747,9 @@
           </a:p>
         </p:txBody>
       </p:sp>
-      <p:sp>
-        <p:nvSpPr>
-          <p:cNvPr id="8" name="Footer Placeholder 8"/>
-          <p:cNvSpPr>
-            <a:spLocks noGrp="1"/>
-          </p:cNvSpPr>
-          <p:nvPr>
-            <p:ph type="ftr" sz="quarter" idx="11"/>
-          </p:nvPr>
-        </p:nvSpPr>
-        <p:spPr>
-          <a:xfrm>
-            <a:off x="2936527" y="6328436"/>
-            <a:ext cx="3616673" cy="365125"/>
-          </a:xfrm>
-        </p:spPr>
-        <p:txBody>
-          <a:bodyPr/>
-          <a:lstStyle/>
-          <a:p>
-            <a:r>
-              <a:rPr lang="en-US" dirty="0" smtClean="0">
-                <a:latin typeface="Calibri Light"/>
-                <a:cs typeface="Calibri Light"/>
-              </a:rPr>
-              <a:t>Parallel Computing: Final Project</a:t>
-            </a:r>
-          </a:p>
-          <a:p>
-            <a:r>
-              <a:rPr lang="en-US" dirty="0" smtClean="0">
-                <a:latin typeface="Calibri Light"/>
-                <a:cs typeface="Calibri Light"/>
-              </a:rPr>
-              <a:t>November 20, 2014</a:t>
-            </a:r>
-            <a:endParaRPr lang="en-US" dirty="0">
-              <a:latin typeface="Calibri Light"/>
-              <a:cs typeface="Calibri Light"/>
-            </a:endParaRPr>
-          </a:p>
-        </p:txBody>
-      </p:sp>
       <p:pic>
         <p:nvPicPr>
-          <p:cNvPr id="6" name="Picture 5" descr="Screen Shot 2014-11-20 at 8.24.27 PM.png"/>
+          <p:cNvPr id="5" name="Picture 4" descr="Screen Shot 2014-11-23 at 2.00.54 PM.png"/>
           <p:cNvPicPr>
             <a:picLocks noChangeAspect="1"/>
           </p:cNvPicPr>
@@ -13763,8 +14769,8 @@
         </p:blipFill>
         <p:spPr>
           <a:xfrm>
-            <a:off x="795434" y="2531898"/>
-            <a:ext cx="3098006" cy="3082200"/>
+            <a:off x="961978" y="2232008"/>
+            <a:ext cx="3179347" cy="3099489"/>
           </a:xfrm>
           <a:prstGeom prst="rect">
             <a:avLst/>
@@ -13773,13 +14779,13 @@
       </p:pic>
       <p:pic>
         <p:nvPicPr>
-          <p:cNvPr id="7" name="Picture 6" descr="Screen Shot 2014-11-20 at 8.25.27 PM.png"/>
+          <p:cNvPr id="11" name="Picture 10" descr="serial_brute_force.png"/>
           <p:cNvPicPr>
             <a:picLocks noChangeAspect="1"/>
           </p:cNvPicPr>
           <p:nvPr/>
         </p:nvPicPr>
-        <p:blipFill>
+        <p:blipFill rotWithShape="1">
           <a:blip r:embed="rId3">
             <a:extLst>
               <a:ext uri="{28A0092B-C50C-407E-A947-70E740481C1C}">
@@ -13787,61 +14793,152 @@
               </a:ext>
             </a:extLst>
           </a:blip>
-          <a:stretch>
-            <a:fillRect/>
-          </a:stretch>
+          <a:srcRect l="3269" t="6105" r="20289" b="5804"/>
+          <a:stretch/>
         </p:blipFill>
         <p:spPr>
           <a:xfrm>
-            <a:off x="5179167" y="2531898"/>
-            <a:ext cx="3096136" cy="3080706"/>
+            <a:off x="5159815" y="2296150"/>
+            <a:ext cx="3069011" cy="3035347"/>
           </a:xfrm>
           <a:prstGeom prst="rect">
             <a:avLst/>
           </a:prstGeom>
         </p:spPr>
       </p:pic>
-      <p:cxnSp>
-        <p:nvCxnSpPr>
-          <p:cNvPr id="10" name="Straight Arrow Connector 9"/>
-          <p:cNvCxnSpPr/>
+      <p:sp>
+        <p:nvSpPr>
+          <p:cNvPr id="12" name="TextBox 11"/>
+          <p:cNvSpPr txBox="1"/>
           <p:nvPr/>
-        </p:nvCxnSpPr>
-        <p:spPr>
-          <a:xfrm>
-            <a:off x="4246460" y="4053551"/>
-            <a:ext cx="641459" cy="0"/>
-          </a:xfrm>
-          <a:prstGeom prst="straightConnector1">
+        </p:nvSpPr>
+        <p:spPr>
+          <a:xfrm>
+            <a:off x="1529638" y="5395769"/>
+            <a:ext cx="1968094" cy="369332"/>
+          </a:xfrm>
+          <a:prstGeom prst="rect">
             <a:avLst/>
           </a:prstGeom>
-          <a:ln>
-            <a:solidFill>
-              <a:schemeClr val="tx1"/>
-            </a:solidFill>
-            <a:tailEnd type="stealth" w="med" len="med"/>
-          </a:ln>
-          <a:effectLst/>
-        </p:spPr>
-        <p:style>
-          <a:lnRef idx="2">
-            <a:schemeClr val="accent1"/>
-          </a:lnRef>
-          <a:fillRef idx="0">
-            <a:schemeClr val="accent1"/>
-          </a:fillRef>
-          <a:effectRef idx="1">
-            <a:schemeClr val="accent1"/>
-          </a:effectRef>
-          <a:fontRef idx="minor">
-            <a:schemeClr val="tx1"/>
-          </a:fontRef>
-        </p:style>
-      </p:cxnSp>
+          <a:noFill/>
+        </p:spPr>
+        <p:txBody>
+          <a:bodyPr wrap="none" rtlCol="0">
+            <a:spAutoFit/>
+          </a:bodyPr>
+          <a:lstStyle/>
+          <a:p>
+            <a:r>
+              <a:rPr lang="en-US" dirty="0" smtClean="0">
+                <a:latin typeface="Calibri Light"/>
+                <a:cs typeface="Calibri Light"/>
+              </a:rPr>
+              <a:t>Computational grid</a:t>
+            </a:r>
+            <a:endParaRPr lang="en-US" dirty="0">
+              <a:latin typeface="Calibri Light"/>
+              <a:cs typeface="Calibri Light"/>
+            </a:endParaRPr>
+          </a:p>
+        </p:txBody>
+      </p:sp>
+      <p:sp>
+        <p:nvSpPr>
+          <p:cNvPr id="13" name="TextBox 12"/>
+          <p:cNvSpPr txBox="1"/>
+          <p:nvPr/>
+        </p:nvSpPr>
+        <p:spPr>
+          <a:xfrm>
+            <a:off x="5748888" y="5438191"/>
+            <a:ext cx="1870261" cy="369332"/>
+          </a:xfrm>
+          <a:prstGeom prst="rect">
+            <a:avLst/>
+          </a:prstGeom>
+          <a:noFill/>
+        </p:spPr>
+        <p:txBody>
+          <a:bodyPr wrap="none" rtlCol="0">
+            <a:spAutoFit/>
+          </a:bodyPr>
+          <a:lstStyle/>
+          <a:p>
+            <a:r>
+              <a:rPr lang="en-US" dirty="0" smtClean="0">
+                <a:latin typeface="Calibri Light"/>
+                <a:cs typeface="Calibri Light"/>
+              </a:rPr>
+              <a:t>Wall distance field</a:t>
+            </a:r>
+            <a:endParaRPr lang="en-US" dirty="0">
+              <a:latin typeface="Calibri Light"/>
+              <a:cs typeface="Calibri Light"/>
+            </a:endParaRPr>
+          </a:p>
+        </p:txBody>
+      </p:sp>
+      <p:sp>
+        <p:nvSpPr>
+          <p:cNvPr id="10" name="Footer Placeholder 8"/>
+          <p:cNvSpPr>
+            <a:spLocks noGrp="1"/>
+          </p:cNvSpPr>
+          <p:nvPr>
+            <p:ph type="ftr" sz="quarter" idx="11"/>
+          </p:nvPr>
+        </p:nvSpPr>
+        <p:spPr>
+          <a:xfrm>
+            <a:off x="2936527" y="6328436"/>
+            <a:ext cx="3616673" cy="365125"/>
+          </a:xfrm>
+        </p:spPr>
+        <p:txBody>
+          <a:bodyPr/>
+          <a:lstStyle/>
+          <a:p>
+            <a:r>
+              <a:rPr lang="en-US" dirty="0" smtClean="0">
+                <a:latin typeface="Calibri Light"/>
+                <a:cs typeface="Calibri Light"/>
+              </a:rPr>
+              <a:t>Parallel Computing: Final Project</a:t>
+            </a:r>
+          </a:p>
+          <a:p>
+            <a:r>
+              <a:rPr lang="en-US" dirty="0" smtClean="0">
+                <a:latin typeface="Calibri Light"/>
+                <a:cs typeface="Calibri Light"/>
+              </a:rPr>
+              <a:t>November </a:t>
+            </a:r>
+            <a:r>
+              <a:rPr lang="en-US" dirty="0" smtClean="0">
+                <a:latin typeface="Calibri Light"/>
+                <a:cs typeface="Calibri Light"/>
+              </a:rPr>
+              <a:t>24, </a:t>
+            </a:r>
+            <a:r>
+              <a:rPr lang="en-US" dirty="0" smtClean="0">
+                <a:latin typeface="Calibri Light"/>
+                <a:cs typeface="Calibri Light"/>
+              </a:rPr>
+              <a:t>2014</a:t>
+            </a:r>
+            <a:endParaRPr lang="en-US" dirty="0">
+              <a:latin typeface="Calibri Light"/>
+              <a:cs typeface="Calibri Light"/>
+            </a:endParaRPr>
+          </a:p>
+        </p:txBody>
+      </p:sp>
     </p:spTree>
     <p:extLst>
       <p:ext uri="{BB962C8B-B14F-4D97-AF65-F5344CB8AC3E}">
-        <p14:creationId xmlns:p14="http://schemas.microsoft.com/office/powerpoint/2010/main" val="4021281708"/>
+        <p14:creationId xmlns:p14="http://schemas.microsoft.com/office/powerpoint/2010/main" val="3795250960"/>
       </p:ext>
     </p:extLst>
   </p:cSld>
@@ -13885,7 +14982,12 @@
             <p:ph type="title"/>
           </p:nvPr>
         </p:nvSpPr>
-        <p:spPr/>
+        <p:spPr>
+          <a:xfrm>
+            <a:off x="457200" y="2327067"/>
+            <a:ext cx="8229600" cy="1143000"/>
+          </a:xfrm>
+        </p:spPr>
         <p:txBody>
           <a:bodyPr/>
           <a:lstStyle/>
@@ -13896,45 +14998,9 @@
                 <a:ea typeface="Yu Gothic" panose="020B0400000000000000" pitchFamily="34" charset="-128"/>
                 <a:cs typeface="Calibri Light"/>
               </a:rPr>
-              <a:t>Background</a:t>
+              <a:t>Brute-force algorithm</a:t>
             </a:r>
             <a:endParaRPr lang="en-US" dirty="0">
-              <a:latin typeface="Calibri Light"/>
-              <a:ea typeface="Yu Gothic" panose="020B0400000000000000" pitchFamily="34" charset="-128"/>
-              <a:cs typeface="Calibri Light"/>
-            </a:endParaRPr>
-          </a:p>
-        </p:txBody>
-      </p:sp>
-      <p:sp>
-        <p:nvSpPr>
-          <p:cNvPr id="3" name="Content Placeholder 2"/>
-          <p:cNvSpPr>
-            <a:spLocks noGrp="1"/>
-          </p:cNvSpPr>
-          <p:nvPr>
-            <p:ph idx="1"/>
-          </p:nvPr>
-        </p:nvSpPr>
-        <p:spPr>
-          <a:xfrm>
-            <a:off x="457199" y="1530409"/>
-            <a:ext cx="8510399" cy="679097"/>
-          </a:xfrm>
-        </p:spPr>
-        <p:txBody>
-          <a:bodyPr/>
-          <a:lstStyle/>
-          <a:p>
-            <a:r>
-              <a:rPr lang="en-US" dirty="0" smtClean="0">
-                <a:latin typeface="Calibri Light"/>
-                <a:ea typeface="Yu Gothic" panose="020B0400000000000000" pitchFamily="34" charset="-128"/>
-                <a:cs typeface="Calibri Light"/>
-              </a:rPr>
-              <a:t>Test case: circle</a:t>
-            </a:r>
-            <a:endParaRPr lang="en-US" dirty="0" smtClean="0">
               <a:latin typeface="Calibri Light"/>
               <a:ea typeface="Yu Gothic" panose="020B0400000000000000" pitchFamily="34" charset="-128"/>
               <a:cs typeface="Calibri Light"/>
@@ -13980,7 +15046,7 @@
       </p:sp>
       <p:sp>
         <p:nvSpPr>
-          <p:cNvPr id="8" name="Footer Placeholder 8"/>
+          <p:cNvPr id="5" name="Footer Placeholder 8"/>
           <p:cNvSpPr>
             <a:spLocks noGrp="1"/>
           </p:cNvSpPr>
@@ -14012,7 +15078,21 @@
                 <a:latin typeface="Calibri Light"/>
                 <a:cs typeface="Calibri Light"/>
               </a:rPr>
-              <a:t>November 20, 2014</a:t>
+              <a:t>November </a:t>
+            </a:r>
+            <a:r>
+              <a:rPr lang="en-US" dirty="0" smtClean="0">
+                <a:latin typeface="Calibri Light"/>
+                <a:cs typeface="Calibri Light"/>
+              </a:rPr>
+              <a:t>24, </a:t>
+            </a:r>
+            <a:r>
+              <a:rPr lang="en-US" dirty="0" smtClean="0">
+                <a:latin typeface="Calibri Light"/>
+                <a:cs typeface="Calibri Light"/>
+              </a:rPr>
+              <a:t>2014</a:t>
             </a:r>
             <a:endParaRPr lang="en-US" dirty="0">
               <a:latin typeface="Calibri Light"/>
@@ -14021,141 +15101,10 @@
           </a:p>
         </p:txBody>
       </p:sp>
-      <p:pic>
-        <p:nvPicPr>
-          <p:cNvPr id="5" name="Picture 4" descr="Screen Shot 2014-11-23 at 2.00.54 PM.png"/>
-          <p:cNvPicPr>
-            <a:picLocks noChangeAspect="1"/>
-          </p:cNvPicPr>
-          <p:nvPr/>
-        </p:nvPicPr>
-        <p:blipFill>
-          <a:blip r:embed="rId2">
-            <a:extLst>
-              <a:ext uri="{28A0092B-C50C-407E-A947-70E740481C1C}">
-                <a14:useLocalDpi xmlns:a14="http://schemas.microsoft.com/office/drawing/2010/main" val="0"/>
-              </a:ext>
-            </a:extLst>
-          </a:blip>
-          <a:stretch>
-            <a:fillRect/>
-          </a:stretch>
-        </p:blipFill>
-        <p:spPr>
-          <a:xfrm>
-            <a:off x="961978" y="2232008"/>
-            <a:ext cx="3179347" cy="3099489"/>
-          </a:xfrm>
-          <a:prstGeom prst="rect">
-            <a:avLst/>
-          </a:prstGeom>
-        </p:spPr>
-      </p:pic>
-      <p:pic>
-        <p:nvPicPr>
-          <p:cNvPr id="11" name="Picture 10" descr="serial_brute_force.png"/>
-          <p:cNvPicPr>
-            <a:picLocks noChangeAspect="1"/>
-          </p:cNvPicPr>
-          <p:nvPr/>
-        </p:nvPicPr>
-        <p:blipFill rotWithShape="1">
-          <a:blip r:embed="rId3">
-            <a:extLst>
-              <a:ext uri="{28A0092B-C50C-407E-A947-70E740481C1C}">
-                <a14:useLocalDpi xmlns:a14="http://schemas.microsoft.com/office/drawing/2010/main" val="0"/>
-              </a:ext>
-            </a:extLst>
-          </a:blip>
-          <a:srcRect l="3269" t="6105" r="20289" b="5804"/>
-          <a:stretch/>
-        </p:blipFill>
-        <p:spPr>
-          <a:xfrm>
-            <a:off x="5159815" y="2296150"/>
-            <a:ext cx="3069011" cy="3035347"/>
-          </a:xfrm>
-          <a:prstGeom prst="rect">
-            <a:avLst/>
-          </a:prstGeom>
-        </p:spPr>
-      </p:pic>
-      <p:sp>
-        <p:nvSpPr>
-          <p:cNvPr id="12" name="TextBox 11"/>
-          <p:cNvSpPr txBox="1"/>
-          <p:nvPr/>
-        </p:nvSpPr>
-        <p:spPr>
-          <a:xfrm>
-            <a:off x="1593783" y="5395769"/>
-            <a:ext cx="1968094" cy="369332"/>
-          </a:xfrm>
-          <a:prstGeom prst="rect">
-            <a:avLst/>
-          </a:prstGeom>
-          <a:noFill/>
-        </p:spPr>
-        <p:txBody>
-          <a:bodyPr wrap="none" rtlCol="0">
-            <a:spAutoFit/>
-          </a:bodyPr>
-          <a:lstStyle/>
-          <a:p>
-            <a:r>
-              <a:rPr lang="en-US" dirty="0" smtClean="0">
-                <a:latin typeface="Calibri Light"/>
-                <a:cs typeface="Calibri Light"/>
-              </a:rPr>
-              <a:t>Computational grid</a:t>
-            </a:r>
-            <a:endParaRPr lang="en-US" dirty="0">
-              <a:latin typeface="Calibri Light"/>
-              <a:cs typeface="Calibri Light"/>
-            </a:endParaRPr>
-          </a:p>
-        </p:txBody>
-      </p:sp>
-      <p:sp>
-        <p:nvSpPr>
-          <p:cNvPr id="13" name="TextBox 12"/>
-          <p:cNvSpPr txBox="1"/>
-          <p:nvPr/>
-        </p:nvSpPr>
-        <p:spPr>
-          <a:xfrm>
-            <a:off x="5748888" y="5438191"/>
-            <a:ext cx="1870261" cy="369332"/>
-          </a:xfrm>
-          <a:prstGeom prst="rect">
-            <a:avLst/>
-          </a:prstGeom>
-          <a:noFill/>
-        </p:spPr>
-        <p:txBody>
-          <a:bodyPr wrap="none" rtlCol="0">
-            <a:spAutoFit/>
-          </a:bodyPr>
-          <a:lstStyle/>
-          <a:p>
-            <a:r>
-              <a:rPr lang="en-US" dirty="0" smtClean="0">
-                <a:latin typeface="Calibri Light"/>
-                <a:cs typeface="Calibri Light"/>
-              </a:rPr>
-              <a:t>Wall distance field</a:t>
-            </a:r>
-            <a:endParaRPr lang="en-US" dirty="0">
-              <a:latin typeface="Calibri Light"/>
-              <a:cs typeface="Calibri Light"/>
-            </a:endParaRPr>
-          </a:p>
-        </p:txBody>
-      </p:sp>
     </p:spTree>
     <p:extLst>
       <p:ext uri="{BB962C8B-B14F-4D97-AF65-F5344CB8AC3E}">
-        <p14:creationId xmlns:p14="http://schemas.microsoft.com/office/powerpoint/2010/main" val="3795250960"/>
+        <p14:creationId xmlns:p14="http://schemas.microsoft.com/office/powerpoint/2010/main" val="2542657598"/>
       </p:ext>
     </p:extLst>
   </p:cSld>
@@ -14199,23 +15148,18 @@
             <p:ph type="title"/>
           </p:nvPr>
         </p:nvSpPr>
-        <p:spPr>
-          <a:xfrm>
-            <a:off x="457200" y="2327067"/>
-            <a:ext cx="8229600" cy="1143000"/>
-          </a:xfrm>
-        </p:spPr>
+        <p:spPr/>
         <p:txBody>
           <a:bodyPr/>
           <a:lstStyle/>
           <a:p>
             <a:r>
-              <a:rPr lang="en-US" dirty="0" smtClean="0">
+              <a:rPr lang="en-US" smtClean="0">
                 <a:latin typeface="Calibri Light"/>
                 <a:ea typeface="Yu Gothic" panose="020B0400000000000000" pitchFamily="34" charset="-128"/>
                 <a:cs typeface="Calibri Light"/>
               </a:rPr>
-              <a:t>Brute-force algorithm</a:t>
+              <a:t>Brute-force Algorithm Outline</a:t>
             </a:r>
             <a:endParaRPr lang="en-US" dirty="0">
               <a:latin typeface="Calibri Light"/>
@@ -14227,6 +15171,96 @@
       </p:sp>
       <p:sp>
         <p:nvSpPr>
+          <p:cNvPr id="3" name="Content Placeholder 2"/>
+          <p:cNvSpPr>
+            <a:spLocks noGrp="1"/>
+          </p:cNvSpPr>
+          <p:nvPr>
+            <p:ph idx="1"/>
+          </p:nvPr>
+        </p:nvSpPr>
+        <p:spPr>
+          <a:xfrm>
+            <a:off x="457199" y="1432854"/>
+            <a:ext cx="8510399" cy="3005529"/>
+          </a:xfrm>
+        </p:spPr>
+        <p:txBody>
+          <a:bodyPr/>
+          <a:lstStyle/>
+          <a:p>
+            <a:r>
+              <a:rPr lang="en-US" smtClean="0">
+                <a:latin typeface="Calibri Light"/>
+                <a:ea typeface="Yu Gothic" panose="020B0400000000000000" pitchFamily="34" charset="-128"/>
+                <a:cs typeface="Calibri Light"/>
+              </a:rPr>
+              <a:t>For </a:t>
+            </a:r>
+            <a:r>
+              <a:rPr lang="en-US">
+                <a:latin typeface="Calibri Light"/>
+                <a:ea typeface="Yu Gothic" panose="020B0400000000000000" pitchFamily="34" charset="-128"/>
+                <a:cs typeface="Calibri Light"/>
+              </a:rPr>
+              <a:t>each </a:t>
+            </a:r>
+            <a:r>
+              <a:rPr lang="en-US" smtClean="0">
+                <a:latin typeface="Calibri Light"/>
+                <a:ea typeface="Yu Gothic" panose="020B0400000000000000" pitchFamily="34" charset="-128"/>
+                <a:cs typeface="Calibri Light"/>
+              </a:rPr>
+              <a:t>cell element</a:t>
+            </a:r>
+          </a:p>
+          <a:p>
+            <a:pPr lvl="1"/>
+            <a:r>
+              <a:rPr lang="en-US" smtClean="0">
+                <a:latin typeface="Calibri Light"/>
+                <a:ea typeface="Yu Gothic" panose="020B0400000000000000" pitchFamily="34" charset="-128"/>
+                <a:cs typeface="Calibri Light"/>
+              </a:rPr>
+              <a:t>Calculate its distance from each of the solid faces</a:t>
+            </a:r>
+          </a:p>
+          <a:p>
+            <a:pPr lvl="1"/>
+            <a:r>
+              <a:rPr lang="en-US" smtClean="0">
+                <a:latin typeface="Calibri Light"/>
+                <a:ea typeface="Yu Gothic" panose="020B0400000000000000" pitchFamily="34" charset="-128"/>
+                <a:cs typeface="Calibri Light"/>
+              </a:rPr>
+              <a:t>Wall </a:t>
+            </a:r>
+            <a:r>
+              <a:rPr lang="en-US">
+                <a:latin typeface="Calibri Light"/>
+                <a:ea typeface="Yu Gothic" panose="020B0400000000000000" pitchFamily="34" charset="-128"/>
+                <a:cs typeface="Calibri Light"/>
+              </a:rPr>
+              <a:t>distance </a:t>
+            </a:r>
+            <a:r>
+              <a:rPr lang="en-US" smtClean="0">
+                <a:latin typeface="Calibri Light"/>
+                <a:ea typeface="Yu Gothic" panose="020B0400000000000000" pitchFamily="34" charset="-128"/>
+                <a:cs typeface="Calibri Light"/>
+              </a:rPr>
+              <a:t>is the minimum of these distances</a:t>
+            </a:r>
+            <a:endParaRPr lang="en-US" dirty="0" smtClean="0">
+              <a:latin typeface="Calibri Light"/>
+              <a:ea typeface="Yu Gothic" panose="020B0400000000000000" pitchFamily="34" charset="-128"/>
+              <a:cs typeface="Calibri Light"/>
+            </a:endParaRPr>
+          </a:p>
+        </p:txBody>
+      </p:sp>
+      <p:sp>
+        <p:nvSpPr>
           <p:cNvPr id="4" name="Slide Number Placeholder 3"/>
           <p:cNvSpPr>
             <a:spLocks noGrp="1"/>
@@ -14256,286 +15290,6 @@
             <a:endParaRPr lang="en-US">
               <a:latin typeface="Calibri Light"/>
               <a:ea typeface="Yu Gothic" panose="020B0400000000000000" pitchFamily="34" charset="-128"/>
-              <a:cs typeface="Calibri Light"/>
-            </a:endParaRPr>
-          </a:p>
-        </p:txBody>
-      </p:sp>
-      <p:sp>
-        <p:nvSpPr>
-          <p:cNvPr id="8" name="Footer Placeholder 8"/>
-          <p:cNvSpPr>
-            <a:spLocks noGrp="1"/>
-          </p:cNvSpPr>
-          <p:nvPr>
-            <p:ph type="ftr" sz="quarter" idx="11"/>
-          </p:nvPr>
-        </p:nvSpPr>
-        <p:spPr>
-          <a:xfrm>
-            <a:off x="2936527" y="6328436"/>
-            <a:ext cx="3616673" cy="365125"/>
-          </a:xfrm>
-        </p:spPr>
-        <p:txBody>
-          <a:bodyPr/>
-          <a:lstStyle/>
-          <a:p>
-            <a:r>
-              <a:rPr lang="en-US" dirty="0" smtClean="0">
-                <a:latin typeface="Calibri Light"/>
-                <a:cs typeface="Calibri Light"/>
-              </a:rPr>
-              <a:t>Parallel Computing: Final Project</a:t>
-            </a:r>
-          </a:p>
-          <a:p>
-            <a:r>
-              <a:rPr lang="en-US" dirty="0" smtClean="0">
-                <a:latin typeface="Calibri Light"/>
-                <a:cs typeface="Calibri Light"/>
-              </a:rPr>
-              <a:t>November 20, 2014</a:t>
-            </a:r>
-            <a:endParaRPr lang="en-US" dirty="0">
-              <a:latin typeface="Calibri Light"/>
-              <a:cs typeface="Calibri Light"/>
-            </a:endParaRPr>
-          </a:p>
-        </p:txBody>
-      </p:sp>
-    </p:spTree>
-    <p:extLst>
-      <p:ext uri="{BB962C8B-B14F-4D97-AF65-F5344CB8AC3E}">
-        <p14:creationId xmlns:p14="http://schemas.microsoft.com/office/powerpoint/2010/main" val="2542657598"/>
-      </p:ext>
-    </p:extLst>
-  </p:cSld>
-  <p:clrMapOvr>
-    <a:masterClrMapping/>
-  </p:clrMapOvr>
-  <p:timing>
-    <p:tnLst>
-      <p:par>
-        <p:cTn xmlns:p14="http://schemas.microsoft.com/office/powerpoint/2010/main" id="1" dur="indefinite" restart="never" nodeType="tmRoot"/>
-      </p:par>
-    </p:tnLst>
-  </p:timing>
-</p:sld>
-</file>
-
-<file path=ppt/slides/slide9.xml><?xml version="1.0" encoding="utf-8"?>
-<p:sld xmlns:a="http://schemas.openxmlformats.org/drawingml/2006/main" xmlns:r="http://schemas.openxmlformats.org/officeDocument/2006/relationships" xmlns:p="http://schemas.openxmlformats.org/presentationml/2006/main">
-  <p:cSld>
-    <p:spTree>
-      <p:nvGrpSpPr>
-        <p:cNvPr id="1" name=""/>
-        <p:cNvGrpSpPr/>
-        <p:nvPr/>
-      </p:nvGrpSpPr>
-      <p:grpSpPr>
-        <a:xfrm>
-          <a:off x="0" y="0"/>
-          <a:ext cx="0" cy="0"/>
-          <a:chOff x="0" y="0"/>
-          <a:chExt cx="0" cy="0"/>
-        </a:xfrm>
-      </p:grpSpPr>
-      <p:sp>
-        <p:nvSpPr>
-          <p:cNvPr id="2" name="Title 1"/>
-          <p:cNvSpPr>
-            <a:spLocks noGrp="1"/>
-          </p:cNvSpPr>
-          <p:nvPr>
-            <p:ph type="title"/>
-          </p:nvPr>
-        </p:nvSpPr>
-        <p:spPr/>
-        <p:txBody>
-          <a:bodyPr/>
-          <a:lstStyle/>
-          <a:p>
-            <a:r>
-              <a:rPr lang="en-US" smtClean="0">
-                <a:latin typeface="Calibri Light"/>
-                <a:ea typeface="Yu Gothic" panose="020B0400000000000000" pitchFamily="34" charset="-128"/>
-                <a:cs typeface="Calibri Light"/>
-              </a:rPr>
-              <a:t>Brute-force Algorithm Outline</a:t>
-            </a:r>
-            <a:endParaRPr lang="en-US" dirty="0">
-              <a:latin typeface="Calibri Light"/>
-              <a:ea typeface="Yu Gothic" panose="020B0400000000000000" pitchFamily="34" charset="-128"/>
-              <a:cs typeface="Calibri Light"/>
-            </a:endParaRPr>
-          </a:p>
-        </p:txBody>
-      </p:sp>
-      <p:sp>
-        <p:nvSpPr>
-          <p:cNvPr id="3" name="Content Placeholder 2"/>
-          <p:cNvSpPr>
-            <a:spLocks noGrp="1"/>
-          </p:cNvSpPr>
-          <p:nvPr>
-            <p:ph idx="1"/>
-          </p:nvPr>
-        </p:nvSpPr>
-        <p:spPr>
-          <a:xfrm>
-            <a:off x="457199" y="1432854"/>
-            <a:ext cx="8510399" cy="3005529"/>
-          </a:xfrm>
-        </p:spPr>
-        <p:txBody>
-          <a:bodyPr/>
-          <a:lstStyle/>
-          <a:p>
-            <a:r>
-              <a:rPr lang="en-US" smtClean="0">
-                <a:latin typeface="Calibri Light"/>
-                <a:ea typeface="Yu Gothic" panose="020B0400000000000000" pitchFamily="34" charset="-128"/>
-                <a:cs typeface="Calibri Light"/>
-              </a:rPr>
-              <a:t>For </a:t>
-            </a:r>
-            <a:r>
-              <a:rPr lang="en-US">
-                <a:latin typeface="Calibri Light"/>
-                <a:ea typeface="Yu Gothic" panose="020B0400000000000000" pitchFamily="34" charset="-128"/>
-                <a:cs typeface="Calibri Light"/>
-              </a:rPr>
-              <a:t>each </a:t>
-            </a:r>
-            <a:r>
-              <a:rPr lang="en-US" smtClean="0">
-                <a:latin typeface="Calibri Light"/>
-                <a:ea typeface="Yu Gothic" panose="020B0400000000000000" pitchFamily="34" charset="-128"/>
-                <a:cs typeface="Calibri Light"/>
-              </a:rPr>
-              <a:t>cell element</a:t>
-            </a:r>
-          </a:p>
-          <a:p>
-            <a:pPr lvl="1"/>
-            <a:r>
-              <a:rPr lang="en-US" smtClean="0">
-                <a:latin typeface="Calibri Light"/>
-                <a:ea typeface="Yu Gothic" panose="020B0400000000000000" pitchFamily="34" charset="-128"/>
-                <a:cs typeface="Calibri Light"/>
-              </a:rPr>
-              <a:t>Calculate its distance from each of the solid faces</a:t>
-            </a:r>
-          </a:p>
-          <a:p>
-            <a:pPr lvl="1"/>
-            <a:r>
-              <a:rPr lang="en-US" smtClean="0">
-                <a:latin typeface="Calibri Light"/>
-                <a:ea typeface="Yu Gothic" panose="020B0400000000000000" pitchFamily="34" charset="-128"/>
-                <a:cs typeface="Calibri Light"/>
-              </a:rPr>
-              <a:t>Wall </a:t>
-            </a:r>
-            <a:r>
-              <a:rPr lang="en-US">
-                <a:latin typeface="Calibri Light"/>
-                <a:ea typeface="Yu Gothic" panose="020B0400000000000000" pitchFamily="34" charset="-128"/>
-                <a:cs typeface="Calibri Light"/>
-              </a:rPr>
-              <a:t>distance </a:t>
-            </a:r>
-            <a:r>
-              <a:rPr lang="en-US" smtClean="0">
-                <a:latin typeface="Calibri Light"/>
-                <a:ea typeface="Yu Gothic" panose="020B0400000000000000" pitchFamily="34" charset="-128"/>
-                <a:cs typeface="Calibri Light"/>
-              </a:rPr>
-              <a:t>is the minimum of these distances</a:t>
-            </a:r>
-            <a:endParaRPr lang="en-US" dirty="0" smtClean="0">
-              <a:latin typeface="Calibri Light"/>
-              <a:ea typeface="Yu Gothic" panose="020B0400000000000000" pitchFamily="34" charset="-128"/>
-              <a:cs typeface="Calibri Light"/>
-            </a:endParaRPr>
-          </a:p>
-        </p:txBody>
-      </p:sp>
-      <p:sp>
-        <p:nvSpPr>
-          <p:cNvPr id="4" name="Slide Number Placeholder 3"/>
-          <p:cNvSpPr>
-            <a:spLocks noGrp="1"/>
-          </p:cNvSpPr>
-          <p:nvPr>
-            <p:ph type="sldNum" sz="quarter" idx="12"/>
-          </p:nvPr>
-        </p:nvSpPr>
-        <p:spPr>
-          <a:xfrm>
-            <a:off x="6553200" y="6356350"/>
-            <a:ext cx="2133600" cy="365125"/>
-          </a:xfrm>
-        </p:spPr>
-        <p:txBody>
-          <a:bodyPr/>
-          <a:lstStyle/>
-          <a:p>
-            <a:fld id="{48AF6223-66F3-D241-A5F9-F452865A7EAF}" type="slidenum">
-              <a:rPr lang="en-US" smtClean="0">
-                <a:latin typeface="Calibri Light"/>
-                <a:ea typeface="Yu Gothic" panose="020B0400000000000000" pitchFamily="34" charset="-128"/>
-                <a:cs typeface="Calibri Light"/>
-              </a:rPr>
-              <a:t>9</a:t>
-            </a:fld>
-            <a:endParaRPr lang="en-US">
-              <a:latin typeface="Calibri Light"/>
-              <a:ea typeface="Yu Gothic" panose="020B0400000000000000" pitchFamily="34" charset="-128"/>
-              <a:cs typeface="Calibri Light"/>
-            </a:endParaRPr>
-          </a:p>
-        </p:txBody>
-      </p:sp>
-      <p:sp>
-        <p:nvSpPr>
-          <p:cNvPr id="8" name="Footer Placeholder 8"/>
-          <p:cNvSpPr>
-            <a:spLocks noGrp="1"/>
-          </p:cNvSpPr>
-          <p:nvPr>
-            <p:ph type="ftr" sz="quarter" idx="11"/>
-          </p:nvPr>
-        </p:nvSpPr>
-        <p:spPr>
-          <a:xfrm>
-            <a:off x="2936527" y="6328436"/>
-            <a:ext cx="3616673" cy="365125"/>
-          </a:xfrm>
-        </p:spPr>
-        <p:txBody>
-          <a:bodyPr/>
-          <a:lstStyle/>
-          <a:p>
-            <a:r>
-              <a:rPr lang="en-US" dirty="0" smtClean="0">
-                <a:latin typeface="Calibri Light"/>
-                <a:cs typeface="Calibri Light"/>
-              </a:rPr>
-              <a:t>Parallel Computing: Final Project</a:t>
-            </a:r>
-          </a:p>
-          <a:p>
-            <a:r>
-              <a:rPr lang="en-US" dirty="0" smtClean="0">
-                <a:latin typeface="Calibri Light"/>
-                <a:cs typeface="Calibri Light"/>
-              </a:rPr>
-              <a:t>November 20, 2014</a:t>
-            </a:r>
-            <a:endParaRPr lang="en-US" dirty="0">
-              <a:latin typeface="Calibri Light"/>
               <a:cs typeface="Calibri Light"/>
             </a:endParaRPr>
           </a:p>
@@ -15181,7 +15935,7 @@
               <a:lstStyle/>
               <a:p>
                 <a14:m>
-                  <m:oMathPara xmlns:m="http://schemas.openxmlformats.org/officeDocument/2006/math" xmlns="">
+                  <m:oMathPara xmlns="" xmlns:m="http://schemas.openxmlformats.org/officeDocument/2006/math">
                     <m:oMathParaPr>
                       <m:jc m:val="centerGroup"/>
                     </m:oMathParaPr>
@@ -15439,10 +16193,256 @@
           </a:p>
         </p:txBody>
       </p:sp>
+      <p:sp>
+        <p:nvSpPr>
+          <p:cNvPr id="13" name="Footer Placeholder 8"/>
+          <p:cNvSpPr>
+            <a:spLocks noGrp="1"/>
+          </p:cNvSpPr>
+          <p:nvPr>
+            <p:ph type="ftr" sz="quarter" idx="11"/>
+          </p:nvPr>
+        </p:nvSpPr>
+        <p:spPr>
+          <a:xfrm>
+            <a:off x="2936527" y="6328436"/>
+            <a:ext cx="3616673" cy="365125"/>
+          </a:xfrm>
+        </p:spPr>
+        <p:txBody>
+          <a:bodyPr/>
+          <a:lstStyle/>
+          <a:p>
+            <a:r>
+              <a:rPr lang="en-US" dirty="0" smtClean="0">
+                <a:latin typeface="Calibri Light"/>
+                <a:cs typeface="Calibri Light"/>
+              </a:rPr>
+              <a:t>Parallel Computing: Final Project</a:t>
+            </a:r>
+          </a:p>
+          <a:p>
+            <a:r>
+              <a:rPr lang="en-US" dirty="0" smtClean="0">
+                <a:latin typeface="Calibri Light"/>
+                <a:cs typeface="Calibri Light"/>
+              </a:rPr>
+              <a:t>November </a:t>
+            </a:r>
+            <a:r>
+              <a:rPr lang="en-US" dirty="0" smtClean="0">
+                <a:latin typeface="Calibri Light"/>
+                <a:cs typeface="Calibri Light"/>
+              </a:rPr>
+              <a:t>24, </a:t>
+            </a:r>
+            <a:r>
+              <a:rPr lang="en-US" dirty="0" smtClean="0">
+                <a:latin typeface="Calibri Light"/>
+                <a:cs typeface="Calibri Light"/>
+              </a:rPr>
+              <a:t>2014</a:t>
+            </a:r>
+            <a:endParaRPr lang="en-US" dirty="0">
+              <a:latin typeface="Calibri Light"/>
+              <a:cs typeface="Calibri Light"/>
+            </a:endParaRPr>
+          </a:p>
+        </p:txBody>
+      </p:sp>
     </p:spTree>
     <p:extLst>
       <p:ext uri="{BB962C8B-B14F-4D97-AF65-F5344CB8AC3E}">
         <p14:creationId xmlns:p14="http://schemas.microsoft.com/office/powerpoint/2010/main" val="1551294466"/>
+      </p:ext>
+    </p:extLst>
+  </p:cSld>
+  <p:clrMapOvr>
+    <a:masterClrMapping/>
+  </p:clrMapOvr>
+  <p:timing>
+    <p:tnLst>
+      <p:par>
+        <p:cTn xmlns:p14="http://schemas.microsoft.com/office/powerpoint/2010/main" id="1" dur="indefinite" restart="never" nodeType="tmRoot"/>
+      </p:par>
+    </p:tnLst>
+  </p:timing>
+</p:sld>
+</file>
+
+<file path=ppt/slides/slide9.xml><?xml version="1.0" encoding="utf-8"?>
+<p:sld xmlns:a="http://schemas.openxmlformats.org/drawingml/2006/main" xmlns:r="http://schemas.openxmlformats.org/officeDocument/2006/relationships" xmlns:p="http://schemas.openxmlformats.org/presentationml/2006/main">
+  <p:cSld>
+    <p:spTree>
+      <p:nvGrpSpPr>
+        <p:cNvPr id="1" name=""/>
+        <p:cNvGrpSpPr/>
+        <p:nvPr/>
+      </p:nvGrpSpPr>
+      <p:grpSpPr>
+        <a:xfrm>
+          <a:off x="0" y="0"/>
+          <a:ext cx="0" cy="0"/>
+          <a:chOff x="0" y="0"/>
+          <a:chExt cx="0" cy="0"/>
+        </a:xfrm>
+      </p:grpSpPr>
+      <p:sp>
+        <p:nvSpPr>
+          <p:cNvPr id="2" name="Title 1"/>
+          <p:cNvSpPr>
+            <a:spLocks noGrp="1"/>
+          </p:cNvSpPr>
+          <p:nvPr>
+            <p:ph type="title"/>
+          </p:nvPr>
+        </p:nvSpPr>
+        <p:spPr/>
+        <p:txBody>
+          <a:bodyPr/>
+          <a:lstStyle/>
+          <a:p>
+            <a:r>
+              <a:rPr lang="en-US" smtClean="0">
+                <a:latin typeface="Calibri Light"/>
+                <a:ea typeface="Yu Gothic" panose="020B0400000000000000" pitchFamily="34" charset="-128"/>
+                <a:cs typeface="Calibri Light"/>
+              </a:rPr>
+              <a:t>Brute-force – Serial</a:t>
+            </a:r>
+            <a:endParaRPr lang="en-US" dirty="0">
+              <a:latin typeface="Calibri Light"/>
+              <a:ea typeface="Yu Gothic" panose="020B0400000000000000" pitchFamily="34" charset="-128"/>
+              <a:cs typeface="Calibri Light"/>
+            </a:endParaRPr>
+          </a:p>
+        </p:txBody>
+      </p:sp>
+      <p:sp>
+        <p:nvSpPr>
+          <p:cNvPr id="4" name="Slide Number Placeholder 3"/>
+          <p:cNvSpPr>
+            <a:spLocks noGrp="1"/>
+          </p:cNvSpPr>
+          <p:nvPr>
+            <p:ph type="sldNum" sz="quarter" idx="12"/>
+          </p:nvPr>
+        </p:nvSpPr>
+        <p:spPr>
+          <a:xfrm>
+            <a:off x="6553200" y="6356350"/>
+            <a:ext cx="2133600" cy="365125"/>
+          </a:xfrm>
+        </p:spPr>
+        <p:txBody>
+          <a:bodyPr/>
+          <a:lstStyle/>
+          <a:p>
+            <a:fld id="{48AF6223-66F3-D241-A5F9-F452865A7EAF}" type="slidenum">
+              <a:rPr lang="en-US" smtClean="0">
+                <a:latin typeface="Calibri Light"/>
+                <a:ea typeface="Yu Gothic" panose="020B0400000000000000" pitchFamily="34" charset="-128"/>
+                <a:cs typeface="Calibri Light"/>
+              </a:rPr>
+              <a:t>9</a:t>
+            </a:fld>
+            <a:endParaRPr lang="en-US">
+              <a:latin typeface="Calibri Light"/>
+              <a:ea typeface="Yu Gothic" panose="020B0400000000000000" pitchFamily="34" charset="-128"/>
+              <a:cs typeface="Calibri Light"/>
+            </a:endParaRPr>
+          </a:p>
+        </p:txBody>
+      </p:sp>
+      <p:pic>
+        <p:nvPicPr>
+          <p:cNvPr id="13" name="Picture 12"/>
+          <p:cNvPicPr/>
+          <p:nvPr/>
+        </p:nvPicPr>
+        <p:blipFill>
+          <a:blip r:embed="rId2">
+            <a:extLst>
+              <a:ext uri="{28A0092B-C50C-407E-A947-70E740481C1C}">
+                <a14:useLocalDpi xmlns:a14="http://schemas.microsoft.com/office/drawing/2010/main" val="0"/>
+              </a:ext>
+            </a:extLst>
+          </a:blip>
+          <a:stretch>
+            <a:fillRect/>
+          </a:stretch>
+        </p:blipFill>
+        <p:spPr>
+          <a:xfrm>
+            <a:off x="457200" y="1249471"/>
+            <a:ext cx="8095594" cy="4499688"/>
+          </a:xfrm>
+          <a:prstGeom prst="rect">
+            <a:avLst/>
+          </a:prstGeom>
+        </p:spPr>
+      </p:pic>
+      <p:sp>
+        <p:nvSpPr>
+          <p:cNvPr id="6" name="Footer Placeholder 8"/>
+          <p:cNvSpPr>
+            <a:spLocks noGrp="1"/>
+          </p:cNvSpPr>
+          <p:nvPr>
+            <p:ph type="ftr" sz="quarter" idx="11"/>
+          </p:nvPr>
+        </p:nvSpPr>
+        <p:spPr>
+          <a:xfrm>
+            <a:off x="2936527" y="6328436"/>
+            <a:ext cx="3616673" cy="365125"/>
+          </a:xfrm>
+        </p:spPr>
+        <p:txBody>
+          <a:bodyPr/>
+          <a:lstStyle/>
+          <a:p>
+            <a:r>
+              <a:rPr lang="en-US" dirty="0" smtClean="0">
+                <a:latin typeface="Calibri Light"/>
+                <a:cs typeface="Calibri Light"/>
+              </a:rPr>
+              <a:t>Parallel Computing: Final Project</a:t>
+            </a:r>
+          </a:p>
+          <a:p>
+            <a:r>
+              <a:rPr lang="en-US" dirty="0" smtClean="0">
+                <a:latin typeface="Calibri Light"/>
+                <a:cs typeface="Calibri Light"/>
+              </a:rPr>
+              <a:t>November </a:t>
+            </a:r>
+            <a:r>
+              <a:rPr lang="en-US" dirty="0" smtClean="0">
+                <a:latin typeface="Calibri Light"/>
+                <a:cs typeface="Calibri Light"/>
+              </a:rPr>
+              <a:t>24, </a:t>
+            </a:r>
+            <a:r>
+              <a:rPr lang="en-US" dirty="0" smtClean="0">
+                <a:latin typeface="Calibri Light"/>
+                <a:cs typeface="Calibri Light"/>
+              </a:rPr>
+              <a:t>2014</a:t>
+            </a:r>
+            <a:endParaRPr lang="en-US" dirty="0">
+              <a:latin typeface="Calibri Light"/>
+              <a:cs typeface="Calibri Light"/>
+            </a:endParaRPr>
+          </a:p>
+        </p:txBody>
+      </p:sp>
+    </p:spTree>
+    <p:extLst>
+      <p:ext uri="{BB962C8B-B14F-4D97-AF65-F5344CB8AC3E}">
+        <p14:creationId xmlns:p14="http://schemas.microsoft.com/office/powerpoint/2010/main" val="1797110339"/>
       </p:ext>
     </p:extLst>
   </p:cSld>
